--- a/reports/submit/part3/pre.pptx
+++ b/reports/submit/part3/pre.pptx
@@ -6,8 +6,11 @@
   </p:sldMasterIdLst>
   <p:sldIdLst>
     <p:sldId id="256" r:id="rId3"/>
-    <p:sldId id="257" r:id="rId4"/>
-    <p:sldId id="258" r:id="rId5"/>
+    <p:sldId id="261" r:id="rId4"/>
+    <p:sldId id="257" r:id="rId5"/>
+    <p:sldId id="258" r:id="rId6"/>
+    <p:sldId id="259" r:id="rId7"/>
+    <p:sldId id="260" r:id="rId8"/>
   </p:sldIdLst>
   <p:sldSz cx="9144000" cy="6858000" type="screen4x3"/>
   <p:notesSz cx="6858000" cy="9144000"/>
@@ -3501,14 +3504,567 @@
       </p:sp>
       <p:sp>
         <p:nvSpPr>
-          <p:cNvPr id="4" name="Text Box 3"/>
+          <p:cNvPr id="9" name="Rounded Rectangle 8"/>
+          <p:cNvSpPr/>
+          <p:nvPr/>
+        </p:nvSpPr>
+        <p:spPr>
+          <a:xfrm>
+            <a:off x="1325245" y="2097405"/>
+            <a:ext cx="709295" cy="306705"/>
+          </a:xfrm>
+          <a:prstGeom prst="roundRect">
+            <a:avLst/>
+          </a:prstGeom>
+        </p:spPr>
+        <p:style>
+          <a:lnRef idx="2">
+            <a:schemeClr val="dk1"/>
+          </a:lnRef>
+          <a:fillRef idx="1">
+            <a:schemeClr val="lt1"/>
+          </a:fillRef>
+          <a:effectRef idx="0">
+            <a:schemeClr val="dk1"/>
+          </a:effectRef>
+          <a:fontRef idx="minor">
+            <a:schemeClr val="dk1"/>
+          </a:fontRef>
+        </p:style>
+        <p:txBody>
+          <a:bodyPr rtlCol="0" anchor="ctr"/>
+          <a:p>
+            <a:pPr algn="ctr"/>
+            <a:r>
+              <a:rPr lang="x-none" altLang="en-US" sz="1200">
+                <a:latin typeface="Ubuntu Mono" charset="0"/>
+              </a:rPr>
+              <a:t>Menu 1</a:t>
+            </a:r>
+            <a:endParaRPr lang="x-none" altLang="en-US" sz="1200">
+              <a:latin typeface="Ubuntu Mono" charset="0"/>
+            </a:endParaRPr>
+          </a:p>
+        </p:txBody>
+      </p:sp>
+      <p:sp>
+        <p:nvSpPr>
+          <p:cNvPr id="14" name="Rounded Rectangle 13"/>
+          <p:cNvSpPr/>
+          <p:nvPr/>
+        </p:nvSpPr>
+        <p:spPr>
+          <a:xfrm>
+            <a:off x="1337945" y="2856865"/>
+            <a:ext cx="709295" cy="306705"/>
+          </a:xfrm>
+          <a:prstGeom prst="roundRect">
+            <a:avLst/>
+          </a:prstGeom>
+        </p:spPr>
+        <p:style>
+          <a:lnRef idx="2">
+            <a:schemeClr val="dk1"/>
+          </a:lnRef>
+          <a:fillRef idx="1">
+            <a:schemeClr val="lt1"/>
+          </a:fillRef>
+          <a:effectRef idx="0">
+            <a:schemeClr val="dk1"/>
+          </a:effectRef>
+          <a:fontRef idx="minor">
+            <a:schemeClr val="dk1"/>
+          </a:fontRef>
+        </p:style>
+        <p:txBody>
+          <a:bodyPr rtlCol="0" anchor="ctr"/>
+          <a:p>
+            <a:pPr algn="ctr"/>
+            <a:r>
+              <a:rPr lang="x-none" altLang="en-US" sz="1200">
+                <a:latin typeface="Ubuntu Mono" charset="0"/>
+              </a:rPr>
+              <a:t>Menu 2</a:t>
+            </a:r>
+            <a:endParaRPr lang="x-none" altLang="en-US" sz="1200">
+              <a:latin typeface="Ubuntu Mono" charset="0"/>
+            </a:endParaRPr>
+          </a:p>
+        </p:txBody>
+      </p:sp>
+      <p:sp>
+        <p:nvSpPr>
+          <p:cNvPr id="15" name="Curved Right Arrow 14"/>
+          <p:cNvSpPr/>
+          <p:nvPr/>
+        </p:nvSpPr>
+        <p:spPr>
+          <a:xfrm>
+            <a:off x="1379855" y="2416175"/>
+            <a:ext cx="128905" cy="441325"/>
+          </a:xfrm>
+          <a:prstGeom prst="curvedRightArrow">
+            <a:avLst/>
+          </a:prstGeom>
+        </p:spPr>
+        <p:style>
+          <a:lnRef idx="2">
+            <a:schemeClr val="accent1"/>
+          </a:lnRef>
+          <a:fillRef idx="1">
+            <a:schemeClr val="lt1"/>
+          </a:fillRef>
+          <a:effectRef idx="0">
+            <a:schemeClr val="accent1"/>
+          </a:effectRef>
+          <a:fontRef idx="minor">
+            <a:schemeClr val="dk1"/>
+          </a:fontRef>
+        </p:style>
+        <p:txBody>
+          <a:bodyPr rtlCol="0" anchor="ctr"/>
+          <a:p>
+            <a:pPr algn="ctr"/>
+            <a:endParaRPr lang="en-US">
+              <a:solidFill>
+                <a:schemeClr val="tx1"/>
+              </a:solidFill>
+            </a:endParaRPr>
+          </a:p>
+        </p:txBody>
+      </p:sp>
+      <p:sp>
+        <p:nvSpPr>
+          <p:cNvPr id="17" name="Curved Right Arrow 16"/>
+          <p:cNvSpPr/>
+          <p:nvPr/>
+        </p:nvSpPr>
+        <p:spPr>
+          <a:xfrm rot="10800000">
+            <a:off x="1842135" y="2406015"/>
+            <a:ext cx="128905" cy="441325"/>
+          </a:xfrm>
+          <a:prstGeom prst="curvedRightArrow">
+            <a:avLst/>
+          </a:prstGeom>
+        </p:spPr>
+        <p:style>
+          <a:lnRef idx="2">
+            <a:schemeClr val="accent1"/>
+          </a:lnRef>
+          <a:fillRef idx="1">
+            <a:schemeClr val="lt1"/>
+          </a:fillRef>
+          <a:effectRef idx="0">
+            <a:schemeClr val="accent1"/>
+          </a:effectRef>
+          <a:fontRef idx="minor">
+            <a:schemeClr val="dk1"/>
+          </a:fontRef>
+        </p:style>
+        <p:txBody>
+          <a:bodyPr rtlCol="0" anchor="ctr"/>
+          <a:p>
+            <a:pPr algn="ctr"/>
+            <a:endParaRPr lang="en-US">
+              <a:solidFill>
+                <a:schemeClr val="tx1"/>
+              </a:solidFill>
+            </a:endParaRPr>
+          </a:p>
+        </p:txBody>
+      </p:sp>
+      <p:sp>
+        <p:nvSpPr>
+          <p:cNvPr id="18" name="Rounded Rectangle 17"/>
+          <p:cNvSpPr/>
+          <p:nvPr/>
+        </p:nvSpPr>
+        <p:spPr>
+          <a:xfrm>
+            <a:off x="1358265" y="3616325"/>
+            <a:ext cx="709295" cy="306705"/>
+          </a:xfrm>
+          <a:prstGeom prst="roundRect">
+            <a:avLst/>
+          </a:prstGeom>
+        </p:spPr>
+        <p:style>
+          <a:lnRef idx="2">
+            <a:schemeClr val="dk1"/>
+          </a:lnRef>
+          <a:fillRef idx="1">
+            <a:schemeClr val="lt1"/>
+          </a:fillRef>
+          <a:effectRef idx="0">
+            <a:schemeClr val="dk1"/>
+          </a:effectRef>
+          <a:fontRef idx="minor">
+            <a:schemeClr val="dk1"/>
+          </a:fontRef>
+        </p:style>
+        <p:txBody>
+          <a:bodyPr rtlCol="0" anchor="ctr"/>
+          <a:p>
+            <a:pPr algn="ctr"/>
+            <a:r>
+              <a:rPr lang="x-none" altLang="en-US" sz="1200">
+                <a:latin typeface="Ubuntu Mono" charset="0"/>
+              </a:rPr>
+              <a:t>Menu 3</a:t>
+            </a:r>
+            <a:endParaRPr lang="x-none" altLang="en-US" sz="1200">
+              <a:latin typeface="Ubuntu Mono" charset="0"/>
+            </a:endParaRPr>
+          </a:p>
+        </p:txBody>
+      </p:sp>
+      <p:sp>
+        <p:nvSpPr>
+          <p:cNvPr id="19" name="Curved Right Arrow 18"/>
+          <p:cNvSpPr/>
+          <p:nvPr/>
+        </p:nvSpPr>
+        <p:spPr>
+          <a:xfrm>
+            <a:off x="1400175" y="3175635"/>
+            <a:ext cx="128905" cy="441325"/>
+          </a:xfrm>
+          <a:prstGeom prst="curvedRightArrow">
+            <a:avLst/>
+          </a:prstGeom>
+        </p:spPr>
+        <p:style>
+          <a:lnRef idx="2">
+            <a:schemeClr val="accent1"/>
+          </a:lnRef>
+          <a:fillRef idx="1">
+            <a:schemeClr val="lt1"/>
+          </a:fillRef>
+          <a:effectRef idx="0">
+            <a:schemeClr val="accent1"/>
+          </a:effectRef>
+          <a:fontRef idx="minor">
+            <a:schemeClr val="dk1"/>
+          </a:fontRef>
+        </p:style>
+        <p:txBody>
+          <a:bodyPr rtlCol="0" anchor="ctr"/>
+          <a:p>
+            <a:pPr algn="ctr"/>
+            <a:endParaRPr lang="en-US">
+              <a:solidFill>
+                <a:schemeClr val="tx1"/>
+              </a:solidFill>
+            </a:endParaRPr>
+          </a:p>
+        </p:txBody>
+      </p:sp>
+      <p:sp>
+        <p:nvSpPr>
+          <p:cNvPr id="20" name="Curved Right Arrow 19"/>
+          <p:cNvSpPr/>
+          <p:nvPr/>
+        </p:nvSpPr>
+        <p:spPr>
+          <a:xfrm rot="10800000">
+            <a:off x="1862455" y="3165475"/>
+            <a:ext cx="128905" cy="441325"/>
+          </a:xfrm>
+          <a:prstGeom prst="curvedRightArrow">
+            <a:avLst/>
+          </a:prstGeom>
+        </p:spPr>
+        <p:style>
+          <a:lnRef idx="2">
+            <a:schemeClr val="accent1"/>
+          </a:lnRef>
+          <a:fillRef idx="1">
+            <a:schemeClr val="lt1"/>
+          </a:fillRef>
+          <a:effectRef idx="0">
+            <a:schemeClr val="accent1"/>
+          </a:effectRef>
+          <a:fontRef idx="minor">
+            <a:schemeClr val="dk1"/>
+          </a:fontRef>
+        </p:style>
+        <p:txBody>
+          <a:bodyPr rtlCol="0" anchor="ctr"/>
+          <a:p>
+            <a:pPr algn="ctr"/>
+            <a:endParaRPr lang="en-US">
+              <a:solidFill>
+                <a:schemeClr val="tx1"/>
+              </a:solidFill>
+            </a:endParaRPr>
+          </a:p>
+        </p:txBody>
+      </p:sp>
+      <p:sp>
+        <p:nvSpPr>
+          <p:cNvPr id="21" name="Rounded Rectangle 20"/>
+          <p:cNvSpPr/>
+          <p:nvPr/>
+        </p:nvSpPr>
+        <p:spPr>
+          <a:xfrm>
+            <a:off x="1381125" y="4363085"/>
+            <a:ext cx="709295" cy="306705"/>
+          </a:xfrm>
+          <a:prstGeom prst="roundRect">
+            <a:avLst/>
+          </a:prstGeom>
+        </p:spPr>
+        <p:style>
+          <a:lnRef idx="2">
+            <a:schemeClr val="dk1"/>
+          </a:lnRef>
+          <a:fillRef idx="1">
+            <a:schemeClr val="lt1"/>
+          </a:fillRef>
+          <a:effectRef idx="0">
+            <a:schemeClr val="dk1"/>
+          </a:effectRef>
+          <a:fontRef idx="minor">
+            <a:schemeClr val="dk1"/>
+          </a:fontRef>
+        </p:style>
+        <p:txBody>
+          <a:bodyPr rtlCol="0" anchor="ctr"/>
+          <a:p>
+            <a:pPr algn="ctr"/>
+            <a:r>
+              <a:rPr lang="x-none" altLang="en-US" sz="1200">
+                <a:latin typeface="Ubuntu Mono" charset="0"/>
+              </a:rPr>
+              <a:t>Menu 4</a:t>
+            </a:r>
+            <a:endParaRPr lang="x-none" altLang="en-US" sz="1200">
+              <a:latin typeface="Ubuntu Mono" charset="0"/>
+            </a:endParaRPr>
+          </a:p>
+        </p:txBody>
+      </p:sp>
+      <p:sp>
+        <p:nvSpPr>
+          <p:cNvPr id="22" name="Curved Right Arrow 21"/>
+          <p:cNvSpPr/>
+          <p:nvPr/>
+        </p:nvSpPr>
+        <p:spPr>
+          <a:xfrm>
+            <a:off x="1423035" y="3922395"/>
+            <a:ext cx="128905" cy="441325"/>
+          </a:xfrm>
+          <a:prstGeom prst="curvedRightArrow">
+            <a:avLst/>
+          </a:prstGeom>
+        </p:spPr>
+        <p:style>
+          <a:lnRef idx="2">
+            <a:schemeClr val="accent1"/>
+          </a:lnRef>
+          <a:fillRef idx="1">
+            <a:schemeClr val="lt1"/>
+          </a:fillRef>
+          <a:effectRef idx="0">
+            <a:schemeClr val="accent1"/>
+          </a:effectRef>
+          <a:fontRef idx="minor">
+            <a:schemeClr val="dk1"/>
+          </a:fontRef>
+        </p:style>
+        <p:txBody>
+          <a:bodyPr rtlCol="0" anchor="ctr"/>
+          <a:p>
+            <a:pPr algn="ctr"/>
+            <a:endParaRPr lang="en-US">
+              <a:solidFill>
+                <a:schemeClr val="tx1"/>
+              </a:solidFill>
+            </a:endParaRPr>
+          </a:p>
+        </p:txBody>
+      </p:sp>
+      <p:sp>
+        <p:nvSpPr>
+          <p:cNvPr id="23" name="Curved Right Arrow 22"/>
+          <p:cNvSpPr/>
+          <p:nvPr/>
+        </p:nvSpPr>
+        <p:spPr>
+          <a:xfrm rot="10800000">
+            <a:off x="1885315" y="3912235"/>
+            <a:ext cx="128905" cy="441325"/>
+          </a:xfrm>
+          <a:prstGeom prst="curvedRightArrow">
+            <a:avLst/>
+          </a:prstGeom>
+        </p:spPr>
+        <p:style>
+          <a:lnRef idx="2">
+            <a:schemeClr val="accent1"/>
+          </a:lnRef>
+          <a:fillRef idx="1">
+            <a:schemeClr val="lt1"/>
+          </a:fillRef>
+          <a:effectRef idx="0">
+            <a:schemeClr val="accent1"/>
+          </a:effectRef>
+          <a:fontRef idx="minor">
+            <a:schemeClr val="dk1"/>
+          </a:fontRef>
+        </p:style>
+        <p:txBody>
+          <a:bodyPr rtlCol="0" anchor="ctr"/>
+          <a:p>
+            <a:pPr algn="ctr"/>
+            <a:endParaRPr lang="en-US">
+              <a:solidFill>
+                <a:schemeClr val="tx1"/>
+              </a:solidFill>
+            </a:endParaRPr>
+          </a:p>
+        </p:txBody>
+      </p:sp>
+      <p:sp>
+        <p:nvSpPr>
+          <p:cNvPr id="24" name="Rounded Rectangle 23"/>
+          <p:cNvSpPr/>
+          <p:nvPr/>
+        </p:nvSpPr>
+        <p:spPr>
+          <a:xfrm>
+            <a:off x="1396365" y="5109845"/>
+            <a:ext cx="709295" cy="306705"/>
+          </a:xfrm>
+          <a:prstGeom prst="roundRect">
+            <a:avLst/>
+          </a:prstGeom>
+        </p:spPr>
+        <p:style>
+          <a:lnRef idx="2">
+            <a:schemeClr val="dk1"/>
+          </a:lnRef>
+          <a:fillRef idx="1">
+            <a:schemeClr val="lt1"/>
+          </a:fillRef>
+          <a:effectRef idx="0">
+            <a:schemeClr val="dk1"/>
+          </a:effectRef>
+          <a:fontRef idx="minor">
+            <a:schemeClr val="dk1"/>
+          </a:fontRef>
+        </p:style>
+        <p:txBody>
+          <a:bodyPr rtlCol="0" anchor="ctr"/>
+          <a:p>
+            <a:pPr algn="ctr"/>
+            <a:r>
+              <a:rPr lang="x-none" altLang="en-US" sz="1200">
+                <a:latin typeface="Ubuntu Mono" charset="0"/>
+              </a:rPr>
+              <a:t>Menu 5</a:t>
+            </a:r>
+            <a:endParaRPr lang="x-none" altLang="en-US" sz="1200">
+              <a:latin typeface="Ubuntu Mono" charset="0"/>
+            </a:endParaRPr>
+          </a:p>
+        </p:txBody>
+      </p:sp>
+      <p:sp>
+        <p:nvSpPr>
+          <p:cNvPr id="25" name="Curved Right Arrow 24"/>
+          <p:cNvSpPr/>
+          <p:nvPr/>
+        </p:nvSpPr>
+        <p:spPr>
+          <a:xfrm>
+            <a:off x="1438275" y="4669155"/>
+            <a:ext cx="128905" cy="441325"/>
+          </a:xfrm>
+          <a:prstGeom prst="curvedRightArrow">
+            <a:avLst/>
+          </a:prstGeom>
+        </p:spPr>
+        <p:style>
+          <a:lnRef idx="2">
+            <a:schemeClr val="accent1"/>
+          </a:lnRef>
+          <a:fillRef idx="1">
+            <a:schemeClr val="lt1"/>
+          </a:fillRef>
+          <a:effectRef idx="0">
+            <a:schemeClr val="accent1"/>
+          </a:effectRef>
+          <a:fontRef idx="minor">
+            <a:schemeClr val="dk1"/>
+          </a:fontRef>
+        </p:style>
+        <p:txBody>
+          <a:bodyPr rtlCol="0" anchor="ctr"/>
+          <a:p>
+            <a:pPr algn="ctr"/>
+            <a:endParaRPr lang="en-US">
+              <a:solidFill>
+                <a:schemeClr val="tx1"/>
+              </a:solidFill>
+            </a:endParaRPr>
+          </a:p>
+        </p:txBody>
+      </p:sp>
+      <p:sp>
+        <p:nvSpPr>
+          <p:cNvPr id="26" name="Curved Right Arrow 25"/>
+          <p:cNvSpPr/>
+          <p:nvPr/>
+        </p:nvSpPr>
+        <p:spPr>
+          <a:xfrm rot="10800000">
+            <a:off x="1900555" y="4658995"/>
+            <a:ext cx="128905" cy="441325"/>
+          </a:xfrm>
+          <a:prstGeom prst="curvedRightArrow">
+            <a:avLst/>
+          </a:prstGeom>
+        </p:spPr>
+        <p:style>
+          <a:lnRef idx="2">
+            <a:schemeClr val="accent1"/>
+          </a:lnRef>
+          <a:fillRef idx="1">
+            <a:schemeClr val="lt1"/>
+          </a:fillRef>
+          <a:effectRef idx="0">
+            <a:schemeClr val="accent1"/>
+          </a:effectRef>
+          <a:fontRef idx="minor">
+            <a:schemeClr val="dk1"/>
+          </a:fontRef>
+        </p:style>
+        <p:txBody>
+          <a:bodyPr rtlCol="0" anchor="ctr"/>
+          <a:p>
+            <a:pPr algn="ctr"/>
+            <a:endParaRPr lang="en-US">
+              <a:solidFill>
+                <a:schemeClr val="tx1"/>
+              </a:solidFill>
+            </a:endParaRPr>
+          </a:p>
+        </p:txBody>
+      </p:sp>
+      <p:sp>
+        <p:nvSpPr>
+          <p:cNvPr id="27" name="Text Box 26"/>
           <p:cNvSpPr txBox="1"/>
           <p:nvPr/>
         </p:nvSpPr>
         <p:spPr>
           <a:xfrm>
-            <a:off x="1979930" y="2012950"/>
-            <a:ext cx="815340" cy="367665"/>
+            <a:off x="1475105" y="2484120"/>
+            <a:ext cx="411480" cy="274320"/>
           </a:xfrm>
           <a:prstGeom prst="rect">
             <a:avLst/>
@@ -3521,23 +4077,33 @@
           </a:bodyPr>
           <a:p>
             <a:r>
-              <a:rPr lang="x-none" altLang="en-US"/>
-              <a:t>[0, 31]</a:t>
-            </a:r>
-            <a:endParaRPr lang="x-none" altLang="en-US"/>
-          </a:p>
-        </p:txBody>
-      </p:sp>
-      <p:sp>
-        <p:nvSpPr>
-          <p:cNvPr id="5" name="Text Box 4"/>
+              <a:rPr lang="x-none" altLang="en-US" sz="1200">
+                <a:solidFill>
+                  <a:schemeClr val="accent1"/>
+                </a:solidFill>
+                <a:latin typeface="Ubuntu Mono" charset="0"/>
+              </a:rPr>
+              <a:t>L/R</a:t>
+            </a:r>
+            <a:endParaRPr lang="x-none" altLang="en-US" sz="1200">
+              <a:solidFill>
+                <a:schemeClr val="accent1"/>
+              </a:solidFill>
+              <a:latin typeface="Ubuntu Mono" charset="0"/>
+            </a:endParaRPr>
+          </a:p>
+        </p:txBody>
+      </p:sp>
+      <p:sp>
+        <p:nvSpPr>
+          <p:cNvPr id="28" name="Text Box 27"/>
           <p:cNvSpPr txBox="1"/>
           <p:nvPr/>
         </p:nvSpPr>
         <p:spPr>
           <a:xfrm>
-            <a:off x="1236345" y="2844800"/>
-            <a:ext cx="815340" cy="367665"/>
+            <a:off x="1487805" y="3235960"/>
+            <a:ext cx="411480" cy="274320"/>
           </a:xfrm>
           <a:prstGeom prst="rect">
             <a:avLst/>
@@ -3550,23 +4116,33 @@
           </a:bodyPr>
           <a:p>
             <a:r>
-              <a:rPr lang="x-none" altLang="en-US"/>
-              <a:t>[0, 15]</a:t>
-            </a:r>
-            <a:endParaRPr lang="x-none" altLang="en-US"/>
-          </a:p>
-        </p:txBody>
-      </p:sp>
-      <p:sp>
-        <p:nvSpPr>
-          <p:cNvPr id="6" name="Text Box 5"/>
+              <a:rPr lang="x-none" altLang="en-US" sz="1200">
+                <a:solidFill>
+                  <a:schemeClr val="accent1"/>
+                </a:solidFill>
+                <a:latin typeface="Ubuntu Mono" charset="0"/>
+              </a:rPr>
+              <a:t>L/R</a:t>
+            </a:r>
+            <a:endParaRPr lang="x-none" altLang="en-US" sz="1200">
+              <a:solidFill>
+                <a:schemeClr val="accent1"/>
+              </a:solidFill>
+              <a:latin typeface="Ubuntu Mono" charset="0"/>
+            </a:endParaRPr>
+          </a:p>
+        </p:txBody>
+      </p:sp>
+      <p:sp>
+        <p:nvSpPr>
+          <p:cNvPr id="29" name="Text Box 28"/>
           <p:cNvSpPr txBox="1"/>
           <p:nvPr/>
         </p:nvSpPr>
         <p:spPr>
           <a:xfrm>
-            <a:off x="2729230" y="2857500"/>
-            <a:ext cx="941070" cy="367665"/>
+            <a:off x="1510665" y="3982720"/>
+            <a:ext cx="411480" cy="274320"/>
           </a:xfrm>
           <a:prstGeom prst="rect">
             <a:avLst/>
@@ -3579,23 +4155,33 @@
           </a:bodyPr>
           <a:p>
             <a:r>
-              <a:rPr lang="x-none" altLang="en-US"/>
-              <a:t>[16, 31]</a:t>
-            </a:r>
-            <a:endParaRPr lang="x-none" altLang="en-US"/>
-          </a:p>
-        </p:txBody>
-      </p:sp>
-      <p:sp>
-        <p:nvSpPr>
-          <p:cNvPr id="7" name="Text Box 6"/>
+              <a:rPr lang="x-none" altLang="en-US" sz="1200">
+                <a:solidFill>
+                  <a:schemeClr val="accent1"/>
+                </a:solidFill>
+                <a:latin typeface="Ubuntu Mono" charset="0"/>
+              </a:rPr>
+              <a:t>L/R</a:t>
+            </a:r>
+            <a:endParaRPr lang="x-none" altLang="en-US" sz="1200">
+              <a:solidFill>
+                <a:schemeClr val="accent1"/>
+              </a:solidFill>
+              <a:latin typeface="Ubuntu Mono" charset="0"/>
+            </a:endParaRPr>
+          </a:p>
+        </p:txBody>
+      </p:sp>
+      <p:sp>
+        <p:nvSpPr>
+          <p:cNvPr id="30" name="Text Box 29"/>
           <p:cNvSpPr txBox="1"/>
           <p:nvPr/>
         </p:nvSpPr>
         <p:spPr>
           <a:xfrm>
-            <a:off x="3827780" y="2378075"/>
-            <a:ext cx="808355" cy="367665"/>
+            <a:off x="1525905" y="4759960"/>
+            <a:ext cx="411480" cy="274320"/>
           </a:xfrm>
           <a:prstGeom prst="rect">
             <a:avLst/>
@@ -3608,573 +4194,429 @@
           </a:bodyPr>
           <a:p>
             <a:r>
-              <a:rPr lang="x-none" altLang="en-US">
+              <a:rPr lang="x-none" altLang="en-US" sz="1200">
                 <a:solidFill>
-                  <a:srgbClr val="FF0000"/>
+                  <a:schemeClr val="accent1"/>
                 </a:solidFill>
+                <a:latin typeface="Ubuntu Mono" charset="0"/>
               </a:rPr>
-              <a:t>X</a:t>
-            </a:r>
-            <a:r>
-              <a:rPr lang="x-none" altLang="en-US"/>
-              <a:t>XXXX</a:t>
-            </a:r>
-            <a:endParaRPr lang="x-none" altLang="en-US"/>
-          </a:p>
-        </p:txBody>
-      </p:sp>
-      <p:cxnSp>
-        <p:nvCxnSpPr>
-          <p:cNvPr id="9" name="Straight Connector 8"/>
-          <p:cNvCxnSpPr>
-            <a:stCxn id="4" idx="2"/>
-            <a:endCxn id="5" idx="0"/>
-          </p:cNvCxnSpPr>
-          <p:nvPr/>
-        </p:nvCxnSpPr>
-        <p:spPr>
-          <a:xfrm flipH="1">
-            <a:off x="1644015" y="2380615"/>
-            <a:ext cx="743585" cy="464185"/>
-          </a:xfrm>
-          <a:prstGeom prst="line">
-            <a:avLst/>
-          </a:prstGeom>
-          <a:ln w="12700"/>
-        </p:spPr>
-        <p:style>
-          <a:lnRef idx="1">
-            <a:schemeClr val="dk1"/>
-          </a:lnRef>
-          <a:fillRef idx="0">
-            <a:schemeClr val="dk1"/>
-          </a:fillRef>
-          <a:effectRef idx="0">
-            <a:schemeClr val="dk1"/>
-          </a:effectRef>
-          <a:fontRef idx="minor">
-            <a:schemeClr val="tx1"/>
-          </a:fontRef>
-        </p:style>
-      </p:cxnSp>
-      <p:cxnSp>
-        <p:nvCxnSpPr>
-          <p:cNvPr id="10" name="Straight Connector 9"/>
-          <p:cNvCxnSpPr>
-            <a:stCxn id="4" idx="2"/>
-            <a:endCxn id="6" idx="0"/>
-          </p:cNvCxnSpPr>
-          <p:nvPr/>
-        </p:nvCxnSpPr>
-        <p:spPr>
-          <a:xfrm>
-            <a:off x="2387600" y="2380615"/>
-            <a:ext cx="812165" cy="476885"/>
-          </a:xfrm>
-          <a:prstGeom prst="line">
-            <a:avLst/>
-          </a:prstGeom>
-          <a:ln w="12700"/>
-        </p:spPr>
-        <p:style>
-          <a:lnRef idx="1">
-            <a:schemeClr val="dk1"/>
-          </a:lnRef>
-          <a:fillRef idx="0">
-            <a:schemeClr val="dk1"/>
-          </a:fillRef>
-          <a:effectRef idx="0">
-            <a:schemeClr val="dk1"/>
-          </a:effectRef>
-          <a:fontRef idx="minor">
-            <a:schemeClr val="tx1"/>
-          </a:fontRef>
-        </p:style>
-      </p:cxnSp>
-      <p:sp>
-        <p:nvSpPr>
-          <p:cNvPr id="11" name="Text Box 10"/>
-          <p:cNvSpPr txBox="1"/>
-          <p:nvPr/>
-        </p:nvSpPr>
-        <p:spPr>
-          <a:xfrm>
-            <a:off x="1730375" y="2335530"/>
-            <a:ext cx="308610" cy="367665"/>
-          </a:xfrm>
-          <a:prstGeom prst="rect">
-            <a:avLst/>
-          </a:prstGeom>
-          <a:noFill/>
-        </p:spPr>
-        <p:txBody>
-          <a:bodyPr wrap="none" rtlCol="0">
-            <a:spAutoFit/>
-          </a:bodyPr>
-          <a:p>
-            <a:r>
-              <a:rPr lang="x-none" altLang="en-US">
-                <a:solidFill>
-                  <a:srgbClr val="FF0000"/>
-                </a:solidFill>
+              <a:t>L/R</a:t>
+            </a:r>
+            <a:endParaRPr lang="x-none" altLang="en-US" sz="1200">
+              <a:solidFill>
+                <a:schemeClr val="accent1"/>
+              </a:solidFill>
+              <a:latin typeface="Ubuntu Mono" charset="0"/>
+            </a:endParaRPr>
+          </a:p>
+        </p:txBody>
+      </p:sp>
+      <p:sp>
+        <p:nvSpPr>
+          <p:cNvPr id="31" name="Right Arrow 30"/>
+          <p:cNvSpPr/>
+          <p:nvPr/>
+        </p:nvSpPr>
+        <p:spPr>
+          <a:xfrm>
+            <a:off x="2052955" y="2210435"/>
+            <a:ext cx="571500" cy="75565"/>
+          </a:xfrm>
+          <a:prstGeom prst="rightArrow">
+            <a:avLst/>
+          </a:prstGeom>
+        </p:spPr>
+        <p:style>
+          <a:lnRef idx="2">
+            <a:schemeClr val="accent1"/>
+          </a:lnRef>
+          <a:fillRef idx="1">
+            <a:schemeClr val="lt1"/>
+          </a:fillRef>
+          <a:effectRef idx="0">
+            <a:schemeClr val="accent1"/>
+          </a:effectRef>
+          <a:fontRef idx="minor">
+            <a:schemeClr val="dk1"/>
+          </a:fontRef>
+        </p:style>
+        <p:txBody>
+          <a:bodyPr rtlCol="0" anchor="ctr"/>
+          <a:p>
+            <a:pPr algn="ctr"/>
+            <a:endParaRPr lang="en-US"/>
+          </a:p>
+        </p:txBody>
+      </p:sp>
+      <p:sp>
+        <p:nvSpPr>
+          <p:cNvPr id="32" name="Right Arrow 31"/>
+          <p:cNvSpPr/>
+          <p:nvPr/>
+        </p:nvSpPr>
+        <p:spPr>
+          <a:xfrm>
+            <a:off x="2080895" y="3724275"/>
+            <a:ext cx="571500" cy="75565"/>
+          </a:xfrm>
+          <a:prstGeom prst="rightArrow">
+            <a:avLst/>
+          </a:prstGeom>
+        </p:spPr>
+        <p:style>
+          <a:lnRef idx="2">
+            <a:schemeClr val="accent1"/>
+          </a:lnRef>
+          <a:fillRef idx="1">
+            <a:schemeClr val="lt1"/>
+          </a:fillRef>
+          <a:effectRef idx="0">
+            <a:schemeClr val="accent1"/>
+          </a:effectRef>
+          <a:fontRef idx="minor">
+            <a:schemeClr val="dk1"/>
+          </a:fontRef>
+        </p:style>
+        <p:txBody>
+          <a:bodyPr rtlCol="0" anchor="ctr"/>
+          <a:p>
+            <a:pPr algn="ctr"/>
+            <a:endParaRPr lang="en-US"/>
+          </a:p>
+        </p:txBody>
+      </p:sp>
+      <p:sp>
+        <p:nvSpPr>
+          <p:cNvPr id="33" name="Rounded Rectangle 32"/>
+          <p:cNvSpPr/>
+          <p:nvPr/>
+        </p:nvSpPr>
+        <p:spPr>
+          <a:xfrm>
+            <a:off x="2633980" y="2088515"/>
+            <a:ext cx="761365" cy="306705"/>
+          </a:xfrm>
+          <a:prstGeom prst="roundRect">
+            <a:avLst/>
+          </a:prstGeom>
+        </p:spPr>
+        <p:style>
+          <a:lnRef idx="2">
+            <a:schemeClr val="dk1"/>
+          </a:lnRef>
+          <a:fillRef idx="1">
+            <a:schemeClr val="lt1"/>
+          </a:fillRef>
+          <a:effectRef idx="0">
+            <a:schemeClr val="dk1"/>
+          </a:effectRef>
+          <a:fontRef idx="minor">
+            <a:schemeClr val="dk1"/>
+          </a:fontRef>
+        </p:style>
+        <p:txBody>
+          <a:bodyPr rtlCol="0" anchor="ctr"/>
+          <a:p>
+            <a:pPr algn="ctr"/>
+            <a:r>
+              <a:rPr lang="x-none" altLang="en-US" sz="1200">
+                <a:latin typeface="Ubuntu Mono" charset="0"/>
               </a:rPr>
-              <a:t>0</a:t>
-            </a:r>
-            <a:endParaRPr lang="x-none" altLang="en-US">
-              <a:solidFill>
-                <a:srgbClr val="FF0000"/>
-              </a:solidFill>
+              <a:t>ukey_in</a:t>
+            </a:r>
+            <a:endParaRPr lang="x-none" altLang="en-US" sz="1200">
+              <a:latin typeface="Ubuntu Mono" charset="0"/>
             </a:endParaRPr>
           </a:p>
         </p:txBody>
       </p:sp>
       <p:sp>
         <p:nvSpPr>
-          <p:cNvPr id="14" name="Text Box 13"/>
-          <p:cNvSpPr txBox="1"/>
-          <p:nvPr/>
-        </p:nvSpPr>
-        <p:spPr>
-          <a:xfrm>
-            <a:off x="2760980" y="2376805"/>
-            <a:ext cx="308610" cy="367665"/>
-          </a:xfrm>
-          <a:prstGeom prst="rect">
-            <a:avLst/>
-          </a:prstGeom>
-          <a:noFill/>
-        </p:spPr>
-        <p:txBody>
-          <a:bodyPr wrap="none" rtlCol="0">
-            <a:spAutoFit/>
-          </a:bodyPr>
-          <a:p>
-            <a:r>
-              <a:rPr lang="x-none" altLang="en-US">
-                <a:solidFill>
-                  <a:srgbClr val="FF0000"/>
-                </a:solidFill>
+          <p:cNvPr id="34" name="Rounded Rectangle 33"/>
+          <p:cNvSpPr/>
+          <p:nvPr/>
+        </p:nvSpPr>
+        <p:spPr>
+          <a:xfrm>
+            <a:off x="2661920" y="3609975"/>
+            <a:ext cx="761365" cy="306705"/>
+          </a:xfrm>
+          <a:prstGeom prst="roundRect">
+            <a:avLst/>
+          </a:prstGeom>
+        </p:spPr>
+        <p:style>
+          <a:lnRef idx="2">
+            <a:schemeClr val="dk1"/>
+          </a:lnRef>
+          <a:fillRef idx="1">
+            <a:schemeClr val="lt1"/>
+          </a:fillRef>
+          <a:effectRef idx="0">
+            <a:schemeClr val="dk1"/>
+          </a:effectRef>
+          <a:fontRef idx="minor">
+            <a:schemeClr val="dk1"/>
+          </a:fontRef>
+        </p:style>
+        <p:txBody>
+          <a:bodyPr rtlCol="0" anchor="ctr"/>
+          <a:p>
+            <a:pPr algn="ctr"/>
+            <a:r>
+              <a:rPr lang="x-none" altLang="en-US" sz="1200">
+                <a:latin typeface="Ubuntu Mono" charset="0"/>
               </a:rPr>
-              <a:t>1</a:t>
-            </a:r>
-            <a:endParaRPr lang="x-none" altLang="en-US">
-              <a:solidFill>
-                <a:srgbClr val="FF0000"/>
-              </a:solidFill>
+              <a:t>text_in</a:t>
+            </a:r>
+            <a:endParaRPr lang="x-none" altLang="en-US" sz="1200">
+              <a:latin typeface="Ubuntu Mono" charset="0"/>
             </a:endParaRPr>
           </a:p>
         </p:txBody>
       </p:sp>
       <p:sp>
         <p:nvSpPr>
-          <p:cNvPr id="15" name="Text Box 14"/>
-          <p:cNvSpPr txBox="1"/>
-          <p:nvPr/>
-        </p:nvSpPr>
-        <p:spPr>
-          <a:xfrm>
-            <a:off x="798195" y="3670300"/>
-            <a:ext cx="689610" cy="367665"/>
-          </a:xfrm>
-          <a:prstGeom prst="rect">
-            <a:avLst/>
-          </a:prstGeom>
-          <a:noFill/>
-        </p:spPr>
-        <p:txBody>
-          <a:bodyPr wrap="none" rtlCol="0">
-            <a:spAutoFit/>
-          </a:bodyPr>
-          <a:p>
-            <a:r>
-              <a:rPr lang="x-none" altLang="en-US"/>
-              <a:t>[0, 7]</a:t>
-            </a:r>
-            <a:endParaRPr lang="x-none" altLang="en-US"/>
-          </a:p>
-        </p:txBody>
-      </p:sp>
-      <p:sp>
-        <p:nvSpPr>
-          <p:cNvPr id="16" name="Text Box 15"/>
-          <p:cNvSpPr txBox="1"/>
-          <p:nvPr/>
-        </p:nvSpPr>
-        <p:spPr>
-          <a:xfrm>
-            <a:off x="1732280" y="3657600"/>
-            <a:ext cx="815340" cy="367665"/>
-          </a:xfrm>
-          <a:prstGeom prst="rect">
-            <a:avLst/>
-          </a:prstGeom>
-          <a:noFill/>
-        </p:spPr>
-        <p:txBody>
-          <a:bodyPr wrap="none" rtlCol="0">
-            <a:spAutoFit/>
-          </a:bodyPr>
-          <a:p>
-            <a:r>
-              <a:rPr lang="x-none" altLang="en-US"/>
-              <a:t>[8, 15]</a:t>
-            </a:r>
-            <a:endParaRPr lang="x-none" altLang="en-US"/>
-          </a:p>
-        </p:txBody>
-      </p:sp>
-      <p:cxnSp>
-        <p:nvCxnSpPr>
-          <p:cNvPr id="17" name="Straight Connector 16"/>
-          <p:cNvCxnSpPr>
-            <a:stCxn id="5" idx="2"/>
-            <a:endCxn id="15" idx="0"/>
-          </p:cNvCxnSpPr>
-          <p:nvPr/>
-        </p:nvCxnSpPr>
-        <p:spPr>
-          <a:xfrm flipH="1">
-            <a:off x="1143000" y="3212465"/>
-            <a:ext cx="501015" cy="457835"/>
-          </a:xfrm>
-          <a:prstGeom prst="line">
-            <a:avLst/>
-          </a:prstGeom>
-          <a:ln w="12700"/>
-        </p:spPr>
-        <p:style>
-          <a:lnRef idx="1">
-            <a:schemeClr val="dk1"/>
-          </a:lnRef>
-          <a:fillRef idx="0">
-            <a:schemeClr val="dk1"/>
-          </a:fillRef>
-          <a:effectRef idx="0">
-            <a:schemeClr val="dk1"/>
-          </a:effectRef>
-          <a:fontRef idx="minor">
-            <a:schemeClr val="tx1"/>
-          </a:fontRef>
-        </p:style>
-      </p:cxnSp>
-      <p:sp>
-        <p:nvSpPr>
-          <p:cNvPr id="18" name="Text Box 17"/>
-          <p:cNvSpPr txBox="1"/>
-          <p:nvPr/>
-        </p:nvSpPr>
-        <p:spPr>
-          <a:xfrm>
-            <a:off x="1095375" y="3205480"/>
-            <a:ext cx="308610" cy="367665"/>
-          </a:xfrm>
-          <a:prstGeom prst="rect">
-            <a:avLst/>
-          </a:prstGeom>
-          <a:noFill/>
-        </p:spPr>
-        <p:txBody>
-          <a:bodyPr wrap="none" rtlCol="0">
-            <a:spAutoFit/>
-          </a:bodyPr>
-          <a:p>
-            <a:r>
-              <a:rPr lang="x-none" altLang="en-US">
-                <a:solidFill>
-                  <a:srgbClr val="FF0000"/>
-                </a:solidFill>
+          <p:cNvPr id="35" name="Right Arrow 34"/>
+          <p:cNvSpPr/>
+          <p:nvPr/>
+        </p:nvSpPr>
+        <p:spPr>
+          <a:xfrm>
+            <a:off x="2050415" y="2969895"/>
+            <a:ext cx="571500" cy="75565"/>
+          </a:xfrm>
+          <a:prstGeom prst="rightArrow">
+            <a:avLst/>
+          </a:prstGeom>
+        </p:spPr>
+        <p:style>
+          <a:lnRef idx="2">
+            <a:schemeClr val="accent1"/>
+          </a:lnRef>
+          <a:fillRef idx="1">
+            <a:schemeClr val="lt1"/>
+          </a:fillRef>
+          <a:effectRef idx="0">
+            <a:schemeClr val="accent1"/>
+          </a:effectRef>
+          <a:fontRef idx="minor">
+            <a:schemeClr val="dk1"/>
+          </a:fontRef>
+        </p:style>
+        <p:txBody>
+          <a:bodyPr rtlCol="0" anchor="ctr"/>
+          <a:p>
+            <a:pPr algn="ctr"/>
+            <a:endParaRPr lang="en-US"/>
+          </a:p>
+        </p:txBody>
+      </p:sp>
+      <p:sp>
+        <p:nvSpPr>
+          <p:cNvPr id="36" name="Rounded Rectangle 35"/>
+          <p:cNvSpPr/>
+          <p:nvPr/>
+        </p:nvSpPr>
+        <p:spPr>
+          <a:xfrm>
+            <a:off x="2631440" y="2847975"/>
+            <a:ext cx="761365" cy="306705"/>
+          </a:xfrm>
+          <a:prstGeom prst="roundRect">
+            <a:avLst/>
+          </a:prstGeom>
+        </p:spPr>
+        <p:style>
+          <a:lnRef idx="2">
+            <a:schemeClr val="dk1"/>
+          </a:lnRef>
+          <a:fillRef idx="1">
+            <a:schemeClr val="lt1"/>
+          </a:fillRef>
+          <a:effectRef idx="0">
+            <a:schemeClr val="dk1"/>
+          </a:effectRef>
+          <a:fontRef idx="minor">
+            <a:schemeClr val="dk1"/>
+          </a:fontRef>
+        </p:style>
+        <p:txBody>
+          <a:bodyPr rtlCol="0" anchor="ctr"/>
+          <a:p>
+            <a:pPr algn="ctr"/>
+            <a:r>
+              <a:rPr lang="x-none" altLang="en-US" sz="1200">
+                <a:latin typeface="Ubuntu Mono" charset="0"/>
               </a:rPr>
-              <a:t>0</a:t>
-            </a:r>
-            <a:endParaRPr lang="x-none" altLang="en-US">
-              <a:solidFill>
-                <a:srgbClr val="FF0000"/>
-              </a:solidFill>
+              <a:t>key_exp</a:t>
+            </a:r>
+            <a:endParaRPr lang="x-none" altLang="en-US" sz="1200">
+              <a:latin typeface="Ubuntu Mono" charset="0"/>
             </a:endParaRPr>
           </a:p>
         </p:txBody>
       </p:sp>
       <p:sp>
         <p:nvSpPr>
-          <p:cNvPr id="19" name="Text Box 18"/>
-          <p:cNvSpPr txBox="1"/>
-          <p:nvPr/>
-        </p:nvSpPr>
-        <p:spPr>
-          <a:xfrm>
-            <a:off x="1916430" y="3202305"/>
-            <a:ext cx="308610" cy="367665"/>
-          </a:xfrm>
-          <a:prstGeom prst="rect">
-            <a:avLst/>
-          </a:prstGeom>
-          <a:noFill/>
-        </p:spPr>
-        <p:txBody>
-          <a:bodyPr wrap="none" rtlCol="0">
-            <a:spAutoFit/>
-          </a:bodyPr>
-          <a:p>
-            <a:r>
-              <a:rPr lang="x-none" altLang="en-US">
-                <a:solidFill>
-                  <a:srgbClr val="FF0000"/>
-                </a:solidFill>
+          <p:cNvPr id="37" name="Right Arrow 36"/>
+          <p:cNvSpPr/>
+          <p:nvPr/>
+        </p:nvSpPr>
+        <p:spPr>
+          <a:xfrm>
+            <a:off x="2103755" y="4486275"/>
+            <a:ext cx="571500" cy="75565"/>
+          </a:xfrm>
+          <a:prstGeom prst="rightArrow">
+            <a:avLst/>
+          </a:prstGeom>
+        </p:spPr>
+        <p:style>
+          <a:lnRef idx="2">
+            <a:schemeClr val="accent1"/>
+          </a:lnRef>
+          <a:fillRef idx="1">
+            <a:schemeClr val="lt1"/>
+          </a:fillRef>
+          <a:effectRef idx="0">
+            <a:schemeClr val="accent1"/>
+          </a:effectRef>
+          <a:fontRef idx="minor">
+            <a:schemeClr val="dk1"/>
+          </a:fontRef>
+        </p:style>
+        <p:txBody>
+          <a:bodyPr rtlCol="0" anchor="ctr"/>
+          <a:p>
+            <a:pPr algn="ctr"/>
+            <a:endParaRPr lang="en-US"/>
+          </a:p>
+        </p:txBody>
+      </p:sp>
+      <p:sp>
+        <p:nvSpPr>
+          <p:cNvPr id="38" name="Rounded Rectangle 37"/>
+          <p:cNvSpPr/>
+          <p:nvPr/>
+        </p:nvSpPr>
+        <p:spPr>
+          <a:xfrm>
+            <a:off x="2684780" y="4364355"/>
+            <a:ext cx="761365" cy="306705"/>
+          </a:xfrm>
+          <a:prstGeom prst="roundRect">
+            <a:avLst/>
+          </a:prstGeom>
+        </p:spPr>
+        <p:style>
+          <a:lnRef idx="2">
+            <a:schemeClr val="dk1"/>
+          </a:lnRef>
+          <a:fillRef idx="1">
+            <a:schemeClr val="lt1"/>
+          </a:fillRef>
+          <a:effectRef idx="0">
+            <a:schemeClr val="dk1"/>
+          </a:effectRef>
+          <a:fontRef idx="minor">
+            <a:schemeClr val="dk1"/>
+          </a:fontRef>
+        </p:style>
+        <p:txBody>
+          <a:bodyPr rtlCol="0" anchor="ctr"/>
+          <a:p>
+            <a:pPr algn="ctr"/>
+            <a:r>
+              <a:rPr lang="x-none" altLang="en-US" sz="1200">
+                <a:latin typeface="Ubuntu Mono" charset="0"/>
               </a:rPr>
-              <a:t>1</a:t>
-            </a:r>
-            <a:endParaRPr lang="x-none" altLang="en-US">
-              <a:solidFill>
-                <a:srgbClr val="FF0000"/>
-              </a:solidFill>
+              <a:t>enc</a:t>
+            </a:r>
+            <a:endParaRPr lang="x-none" altLang="en-US" sz="1200">
+              <a:latin typeface="Ubuntu Mono" charset="0"/>
             </a:endParaRPr>
           </a:p>
         </p:txBody>
       </p:sp>
-      <p:cxnSp>
-        <p:nvCxnSpPr>
-          <p:cNvPr id="20" name="Straight Connector 19"/>
-          <p:cNvCxnSpPr>
-            <a:stCxn id="5" idx="2"/>
-            <a:endCxn id="16" idx="0"/>
-          </p:cNvCxnSpPr>
-          <p:nvPr/>
-        </p:nvCxnSpPr>
-        <p:spPr>
-          <a:xfrm>
-            <a:off x="1644015" y="3212465"/>
-            <a:ext cx="495935" cy="445135"/>
-          </a:xfrm>
-          <a:prstGeom prst="line">
-            <a:avLst/>
-          </a:prstGeom>
-          <a:ln w="12700"/>
-        </p:spPr>
-        <p:style>
-          <a:lnRef idx="1">
-            <a:schemeClr val="dk1"/>
-          </a:lnRef>
-          <a:fillRef idx="0">
-            <a:schemeClr val="dk1"/>
-          </a:fillRef>
-          <a:effectRef idx="0">
-            <a:schemeClr val="dk1"/>
-          </a:effectRef>
-          <a:fontRef idx="minor">
-            <a:schemeClr val="tx1"/>
-          </a:fontRef>
-        </p:style>
-      </p:cxnSp>
-      <p:sp>
-        <p:nvSpPr>
-          <p:cNvPr id="21" name="Text Box 20"/>
-          <p:cNvSpPr txBox="1"/>
-          <p:nvPr/>
-        </p:nvSpPr>
-        <p:spPr>
-          <a:xfrm>
-            <a:off x="2885440" y="3712210"/>
-            <a:ext cx="597535" cy="367665"/>
-          </a:xfrm>
-          <a:prstGeom prst="rect">
-            <a:avLst/>
-          </a:prstGeom>
-          <a:noFill/>
-        </p:spPr>
-        <p:txBody>
-          <a:bodyPr wrap="square" rtlCol="0">
-            <a:spAutoFit/>
-          </a:bodyPr>
-          <a:p>
-            <a:r>
-              <a:rPr lang="x-none" altLang="en-US"/>
-              <a:t>......</a:t>
-            </a:r>
-            <a:endParaRPr lang="x-none" altLang="en-US"/>
-          </a:p>
-        </p:txBody>
-      </p:sp>
-      <p:cxnSp>
-        <p:nvCxnSpPr>
-          <p:cNvPr id="22" name="Straight Connector 21"/>
-          <p:cNvCxnSpPr>
-            <a:stCxn id="6" idx="2"/>
-          </p:cNvCxnSpPr>
-          <p:nvPr/>
-        </p:nvCxnSpPr>
-        <p:spPr>
-          <a:xfrm flipH="1">
-            <a:off x="2735580" y="3225165"/>
-            <a:ext cx="464185" cy="438785"/>
-          </a:xfrm>
-          <a:prstGeom prst="line">
-            <a:avLst/>
-          </a:prstGeom>
-          <a:ln w="12700"/>
-        </p:spPr>
-        <p:style>
-          <a:lnRef idx="1">
-            <a:schemeClr val="dk1"/>
-          </a:lnRef>
-          <a:fillRef idx="0">
-            <a:schemeClr val="dk1"/>
-          </a:fillRef>
-          <a:effectRef idx="0">
-            <a:schemeClr val="dk1"/>
-          </a:effectRef>
-          <a:fontRef idx="minor">
-            <a:schemeClr val="tx1"/>
-          </a:fontRef>
-        </p:style>
-      </p:cxnSp>
-      <p:cxnSp>
-        <p:nvCxnSpPr>
-          <p:cNvPr id="23" name="Straight Connector 22"/>
-          <p:cNvCxnSpPr>
-            <a:stCxn id="6" idx="2"/>
-          </p:cNvCxnSpPr>
-          <p:nvPr/>
-        </p:nvCxnSpPr>
-        <p:spPr>
-          <a:xfrm>
-            <a:off x="3199765" y="3225165"/>
-            <a:ext cx="481965" cy="451485"/>
-          </a:xfrm>
-          <a:prstGeom prst="line">
-            <a:avLst/>
-          </a:prstGeom>
-          <a:ln w="12700"/>
-        </p:spPr>
-        <p:style>
-          <a:lnRef idx="1">
-            <a:schemeClr val="dk1"/>
-          </a:lnRef>
-          <a:fillRef idx="0">
-            <a:schemeClr val="dk1"/>
-          </a:fillRef>
-          <a:effectRef idx="0">
-            <a:schemeClr val="dk1"/>
-          </a:effectRef>
-          <a:fontRef idx="minor">
-            <a:schemeClr val="tx1"/>
-          </a:fontRef>
-        </p:style>
-      </p:cxnSp>
-      <p:sp>
-        <p:nvSpPr>
-          <p:cNvPr id="24" name="Text Box 23"/>
-          <p:cNvSpPr txBox="1"/>
-          <p:nvPr/>
-        </p:nvSpPr>
-        <p:spPr>
-          <a:xfrm>
-            <a:off x="3840480" y="3209925"/>
-            <a:ext cx="808355" cy="367665"/>
-          </a:xfrm>
-          <a:prstGeom prst="rect">
-            <a:avLst/>
-          </a:prstGeom>
-          <a:noFill/>
-        </p:spPr>
-        <p:txBody>
-          <a:bodyPr wrap="none" rtlCol="0">
-            <a:spAutoFit/>
-          </a:bodyPr>
-          <a:p>
-            <a:r>
-              <a:rPr lang="x-none" altLang="en-US">
-                <a:solidFill>
-                  <a:schemeClr val="tx1"/>
-                </a:solidFill>
+      <p:sp>
+        <p:nvSpPr>
+          <p:cNvPr id="39" name="Right Arrow 38"/>
+          <p:cNvSpPr/>
+          <p:nvPr/>
+        </p:nvSpPr>
+        <p:spPr>
+          <a:xfrm>
+            <a:off x="2118995" y="5225415"/>
+            <a:ext cx="571500" cy="75565"/>
+          </a:xfrm>
+          <a:prstGeom prst="rightArrow">
+            <a:avLst/>
+          </a:prstGeom>
+        </p:spPr>
+        <p:style>
+          <a:lnRef idx="2">
+            <a:schemeClr val="accent1"/>
+          </a:lnRef>
+          <a:fillRef idx="1">
+            <a:schemeClr val="lt1"/>
+          </a:fillRef>
+          <a:effectRef idx="0">
+            <a:schemeClr val="accent1"/>
+          </a:effectRef>
+          <a:fontRef idx="minor">
+            <a:schemeClr val="dk1"/>
+          </a:fontRef>
+        </p:style>
+        <p:txBody>
+          <a:bodyPr rtlCol="0" anchor="ctr"/>
+          <a:p>
+            <a:pPr algn="ctr"/>
+            <a:endParaRPr lang="en-US"/>
+          </a:p>
+        </p:txBody>
+      </p:sp>
+      <p:sp>
+        <p:nvSpPr>
+          <p:cNvPr id="40" name="Rounded Rectangle 39"/>
+          <p:cNvSpPr/>
+          <p:nvPr/>
+        </p:nvSpPr>
+        <p:spPr>
+          <a:xfrm>
+            <a:off x="2700020" y="5103495"/>
+            <a:ext cx="761365" cy="306705"/>
+          </a:xfrm>
+          <a:prstGeom prst="roundRect">
+            <a:avLst/>
+          </a:prstGeom>
+        </p:spPr>
+        <p:style>
+          <a:lnRef idx="2">
+            <a:schemeClr val="dk1"/>
+          </a:lnRef>
+          <a:fillRef idx="1">
+            <a:schemeClr val="lt1"/>
+          </a:fillRef>
+          <a:effectRef idx="0">
+            <a:schemeClr val="dk1"/>
+          </a:effectRef>
+          <a:fontRef idx="minor">
+            <a:schemeClr val="dk1"/>
+          </a:fontRef>
+        </p:style>
+        <p:txBody>
+          <a:bodyPr rtlCol="0" anchor="ctr"/>
+          <a:p>
+            <a:pPr algn="ctr"/>
+            <a:r>
+              <a:rPr lang="x-none" altLang="en-US" sz="1200">
+                <a:latin typeface="Ubuntu Mono" charset="0"/>
               </a:rPr>
-              <a:t>X</a:t>
-            </a:r>
-            <a:r>
-              <a:rPr lang="x-none" altLang="en-US">
-                <a:solidFill>
-                  <a:srgbClr val="FF0000"/>
-                </a:solidFill>
-              </a:rPr>
-              <a:t>X</a:t>
-            </a:r>
-            <a:r>
-              <a:rPr lang="x-none" altLang="en-US"/>
-              <a:t>XXX</a:t>
-            </a:r>
-            <a:endParaRPr lang="x-none" altLang="en-US"/>
-          </a:p>
-        </p:txBody>
-      </p:sp>
-      <p:sp>
-        <p:nvSpPr>
-          <p:cNvPr id="25" name="Text Box 24"/>
-          <p:cNvSpPr txBox="1"/>
-          <p:nvPr/>
-        </p:nvSpPr>
-        <p:spPr>
-          <a:xfrm>
-            <a:off x="3402330" y="3183255"/>
-            <a:ext cx="308610" cy="367665"/>
-          </a:xfrm>
-          <a:prstGeom prst="rect">
-            <a:avLst/>
-          </a:prstGeom>
-          <a:noFill/>
-        </p:spPr>
-        <p:txBody>
-          <a:bodyPr wrap="none" rtlCol="0">
-            <a:spAutoFit/>
-          </a:bodyPr>
-          <a:p>
-            <a:r>
-              <a:rPr lang="x-none" altLang="en-US">
-                <a:solidFill>
-                  <a:srgbClr val="FF0000"/>
-                </a:solidFill>
-              </a:rPr>
-              <a:t>1</a:t>
-            </a:r>
-            <a:endParaRPr lang="x-none" altLang="en-US">
-              <a:solidFill>
-                <a:srgbClr val="FF0000"/>
-              </a:solidFill>
-            </a:endParaRPr>
-          </a:p>
-        </p:txBody>
-      </p:sp>
-      <p:sp>
-        <p:nvSpPr>
-          <p:cNvPr id="26" name="Text Box 25"/>
-          <p:cNvSpPr txBox="1"/>
-          <p:nvPr/>
-        </p:nvSpPr>
-        <p:spPr>
-          <a:xfrm>
-            <a:off x="2661285" y="3202305"/>
-            <a:ext cx="308610" cy="367665"/>
-          </a:xfrm>
-          <a:prstGeom prst="rect">
-            <a:avLst/>
-          </a:prstGeom>
-          <a:noFill/>
-        </p:spPr>
-        <p:txBody>
-          <a:bodyPr wrap="none" rtlCol="0">
-            <a:spAutoFit/>
-          </a:bodyPr>
-          <a:p>
-            <a:r>
-              <a:rPr lang="x-none" altLang="en-US">
-                <a:solidFill>
-                  <a:srgbClr val="FF0000"/>
-                </a:solidFill>
-              </a:rPr>
-              <a:t>0</a:t>
-            </a:r>
-            <a:endParaRPr lang="x-none" altLang="en-US">
-              <a:solidFill>
-                <a:srgbClr val="FF0000"/>
-              </a:solidFill>
+              <a:t>ukey_in</a:t>
+            </a:r>
+            <a:endParaRPr lang="x-none" altLang="en-US" sz="1200">
+              <a:latin typeface="Ubuntu Mono" charset="0"/>
             </a:endParaRPr>
           </a:p>
         </p:txBody>
@@ -4188,6 +4630,722 @@
 </file>
 
 <file path=ppt/slides/slide3.xml><?xml version="1.0" encoding="utf-8"?>
+<p:sld xmlns:a="http://schemas.openxmlformats.org/drawingml/2006/main" xmlns:r="http://schemas.openxmlformats.org/officeDocument/2006/relationships" xmlns:p="http://schemas.openxmlformats.org/presentationml/2006/main">
+  <p:cSld>
+    <p:spTree>
+      <p:nvGrpSpPr>
+        <p:cNvPr id="1" name=""/>
+        <p:cNvGrpSpPr/>
+        <p:nvPr/>
+      </p:nvGrpSpPr>
+      <p:grpSpPr/>
+      <p:sp>
+        <p:nvSpPr>
+          <p:cNvPr id="2" name="Title 1"/>
+          <p:cNvSpPr>
+            <a:spLocks noGrp="1"/>
+          </p:cNvSpPr>
+          <p:nvPr>
+            <p:ph type="title"/>
+          </p:nvPr>
+        </p:nvSpPr>
+        <p:spPr/>
+        <p:txBody>
+          <a:bodyPr/>
+          <a:p>
+            <a:endParaRPr lang="en-US"/>
+          </a:p>
+        </p:txBody>
+      </p:sp>
+      <p:sp>
+        <p:nvSpPr>
+          <p:cNvPr id="4" name="Text Box 3"/>
+          <p:cNvSpPr txBox="1"/>
+          <p:nvPr/>
+        </p:nvSpPr>
+        <p:spPr>
+          <a:xfrm>
+            <a:off x="1979930" y="2012950"/>
+            <a:ext cx="815340" cy="367665"/>
+          </a:xfrm>
+          <a:prstGeom prst="rect">
+            <a:avLst/>
+          </a:prstGeom>
+          <a:noFill/>
+        </p:spPr>
+        <p:txBody>
+          <a:bodyPr wrap="none" rtlCol="0">
+            <a:spAutoFit/>
+          </a:bodyPr>
+          <a:p>
+            <a:r>
+              <a:rPr lang="x-none" altLang="en-US"/>
+              <a:t>[0, 31]</a:t>
+            </a:r>
+            <a:endParaRPr lang="x-none" altLang="en-US"/>
+          </a:p>
+        </p:txBody>
+      </p:sp>
+      <p:sp>
+        <p:nvSpPr>
+          <p:cNvPr id="5" name="Text Box 4"/>
+          <p:cNvSpPr txBox="1"/>
+          <p:nvPr/>
+        </p:nvSpPr>
+        <p:spPr>
+          <a:xfrm>
+            <a:off x="1236345" y="2844800"/>
+            <a:ext cx="815340" cy="367665"/>
+          </a:xfrm>
+          <a:prstGeom prst="rect">
+            <a:avLst/>
+          </a:prstGeom>
+          <a:noFill/>
+        </p:spPr>
+        <p:txBody>
+          <a:bodyPr wrap="none" rtlCol="0">
+            <a:spAutoFit/>
+          </a:bodyPr>
+          <a:p>
+            <a:r>
+              <a:rPr lang="x-none" altLang="en-US"/>
+              <a:t>[0, 15]</a:t>
+            </a:r>
+            <a:endParaRPr lang="x-none" altLang="en-US"/>
+          </a:p>
+        </p:txBody>
+      </p:sp>
+      <p:sp>
+        <p:nvSpPr>
+          <p:cNvPr id="6" name="Text Box 5"/>
+          <p:cNvSpPr txBox="1"/>
+          <p:nvPr/>
+        </p:nvSpPr>
+        <p:spPr>
+          <a:xfrm>
+            <a:off x="2729230" y="2857500"/>
+            <a:ext cx="941070" cy="367665"/>
+          </a:xfrm>
+          <a:prstGeom prst="rect">
+            <a:avLst/>
+          </a:prstGeom>
+          <a:noFill/>
+        </p:spPr>
+        <p:txBody>
+          <a:bodyPr wrap="none" rtlCol="0">
+            <a:spAutoFit/>
+          </a:bodyPr>
+          <a:p>
+            <a:r>
+              <a:rPr lang="x-none" altLang="en-US"/>
+              <a:t>[16, 31]</a:t>
+            </a:r>
+            <a:endParaRPr lang="x-none" altLang="en-US"/>
+          </a:p>
+        </p:txBody>
+      </p:sp>
+      <p:sp>
+        <p:nvSpPr>
+          <p:cNvPr id="7" name="Text Box 6"/>
+          <p:cNvSpPr txBox="1"/>
+          <p:nvPr/>
+        </p:nvSpPr>
+        <p:spPr>
+          <a:xfrm>
+            <a:off x="3827780" y="2378075"/>
+            <a:ext cx="808355" cy="367665"/>
+          </a:xfrm>
+          <a:prstGeom prst="rect">
+            <a:avLst/>
+          </a:prstGeom>
+          <a:noFill/>
+        </p:spPr>
+        <p:txBody>
+          <a:bodyPr wrap="none" rtlCol="0">
+            <a:spAutoFit/>
+          </a:bodyPr>
+          <a:p>
+            <a:r>
+              <a:rPr lang="x-none" altLang="en-US">
+                <a:solidFill>
+                  <a:srgbClr val="FF0000"/>
+                </a:solidFill>
+              </a:rPr>
+              <a:t>X</a:t>
+            </a:r>
+            <a:r>
+              <a:rPr lang="x-none" altLang="en-US"/>
+              <a:t>XXXX</a:t>
+            </a:r>
+            <a:endParaRPr lang="x-none" altLang="en-US"/>
+          </a:p>
+        </p:txBody>
+      </p:sp>
+      <p:cxnSp>
+        <p:nvCxnSpPr>
+          <p:cNvPr id="9" name="Straight Connector 8"/>
+          <p:cNvCxnSpPr>
+            <a:stCxn id="4" idx="2"/>
+            <a:endCxn id="5" idx="0"/>
+          </p:cNvCxnSpPr>
+          <p:nvPr/>
+        </p:nvCxnSpPr>
+        <p:spPr>
+          <a:xfrm flipH="1">
+            <a:off x="1644015" y="2380615"/>
+            <a:ext cx="743585" cy="464185"/>
+          </a:xfrm>
+          <a:prstGeom prst="line">
+            <a:avLst/>
+          </a:prstGeom>
+          <a:ln w="12700"/>
+        </p:spPr>
+        <p:style>
+          <a:lnRef idx="1">
+            <a:schemeClr val="dk1"/>
+          </a:lnRef>
+          <a:fillRef idx="0">
+            <a:schemeClr val="dk1"/>
+          </a:fillRef>
+          <a:effectRef idx="0">
+            <a:schemeClr val="dk1"/>
+          </a:effectRef>
+          <a:fontRef idx="minor">
+            <a:schemeClr val="tx1"/>
+          </a:fontRef>
+        </p:style>
+      </p:cxnSp>
+      <p:cxnSp>
+        <p:nvCxnSpPr>
+          <p:cNvPr id="10" name="Straight Connector 9"/>
+          <p:cNvCxnSpPr>
+            <a:stCxn id="4" idx="2"/>
+            <a:endCxn id="6" idx="0"/>
+          </p:cNvCxnSpPr>
+          <p:nvPr/>
+        </p:nvCxnSpPr>
+        <p:spPr>
+          <a:xfrm>
+            <a:off x="2387600" y="2380615"/>
+            <a:ext cx="812165" cy="476885"/>
+          </a:xfrm>
+          <a:prstGeom prst="line">
+            <a:avLst/>
+          </a:prstGeom>
+          <a:ln w="12700"/>
+        </p:spPr>
+        <p:style>
+          <a:lnRef idx="1">
+            <a:schemeClr val="dk1"/>
+          </a:lnRef>
+          <a:fillRef idx="0">
+            <a:schemeClr val="dk1"/>
+          </a:fillRef>
+          <a:effectRef idx="0">
+            <a:schemeClr val="dk1"/>
+          </a:effectRef>
+          <a:fontRef idx="minor">
+            <a:schemeClr val="tx1"/>
+          </a:fontRef>
+        </p:style>
+      </p:cxnSp>
+      <p:sp>
+        <p:nvSpPr>
+          <p:cNvPr id="11" name="Text Box 10"/>
+          <p:cNvSpPr txBox="1"/>
+          <p:nvPr/>
+        </p:nvSpPr>
+        <p:spPr>
+          <a:xfrm>
+            <a:off x="1730375" y="2335530"/>
+            <a:ext cx="308610" cy="367665"/>
+          </a:xfrm>
+          <a:prstGeom prst="rect">
+            <a:avLst/>
+          </a:prstGeom>
+          <a:noFill/>
+        </p:spPr>
+        <p:txBody>
+          <a:bodyPr wrap="none" rtlCol="0">
+            <a:spAutoFit/>
+          </a:bodyPr>
+          <a:p>
+            <a:r>
+              <a:rPr lang="x-none" altLang="en-US">
+                <a:solidFill>
+                  <a:srgbClr val="FF0000"/>
+                </a:solidFill>
+              </a:rPr>
+              <a:t>0</a:t>
+            </a:r>
+            <a:endParaRPr lang="x-none" altLang="en-US">
+              <a:solidFill>
+                <a:srgbClr val="FF0000"/>
+              </a:solidFill>
+            </a:endParaRPr>
+          </a:p>
+        </p:txBody>
+      </p:sp>
+      <p:sp>
+        <p:nvSpPr>
+          <p:cNvPr id="14" name="Text Box 13"/>
+          <p:cNvSpPr txBox="1"/>
+          <p:nvPr/>
+        </p:nvSpPr>
+        <p:spPr>
+          <a:xfrm>
+            <a:off x="2760980" y="2376805"/>
+            <a:ext cx="308610" cy="367665"/>
+          </a:xfrm>
+          <a:prstGeom prst="rect">
+            <a:avLst/>
+          </a:prstGeom>
+          <a:noFill/>
+        </p:spPr>
+        <p:txBody>
+          <a:bodyPr wrap="none" rtlCol="0">
+            <a:spAutoFit/>
+          </a:bodyPr>
+          <a:p>
+            <a:r>
+              <a:rPr lang="x-none" altLang="en-US">
+                <a:solidFill>
+                  <a:srgbClr val="FF0000"/>
+                </a:solidFill>
+              </a:rPr>
+              <a:t>1</a:t>
+            </a:r>
+            <a:endParaRPr lang="x-none" altLang="en-US">
+              <a:solidFill>
+                <a:srgbClr val="FF0000"/>
+              </a:solidFill>
+            </a:endParaRPr>
+          </a:p>
+        </p:txBody>
+      </p:sp>
+      <p:sp>
+        <p:nvSpPr>
+          <p:cNvPr id="15" name="Text Box 14"/>
+          <p:cNvSpPr txBox="1"/>
+          <p:nvPr/>
+        </p:nvSpPr>
+        <p:spPr>
+          <a:xfrm>
+            <a:off x="798195" y="3670300"/>
+            <a:ext cx="689610" cy="367665"/>
+          </a:xfrm>
+          <a:prstGeom prst="rect">
+            <a:avLst/>
+          </a:prstGeom>
+          <a:noFill/>
+        </p:spPr>
+        <p:txBody>
+          <a:bodyPr wrap="none" rtlCol="0">
+            <a:spAutoFit/>
+          </a:bodyPr>
+          <a:p>
+            <a:r>
+              <a:rPr lang="x-none" altLang="en-US"/>
+              <a:t>[0, 7]</a:t>
+            </a:r>
+            <a:endParaRPr lang="x-none" altLang="en-US"/>
+          </a:p>
+        </p:txBody>
+      </p:sp>
+      <p:sp>
+        <p:nvSpPr>
+          <p:cNvPr id="16" name="Text Box 15"/>
+          <p:cNvSpPr txBox="1"/>
+          <p:nvPr/>
+        </p:nvSpPr>
+        <p:spPr>
+          <a:xfrm>
+            <a:off x="1732280" y="3657600"/>
+            <a:ext cx="815340" cy="367665"/>
+          </a:xfrm>
+          <a:prstGeom prst="rect">
+            <a:avLst/>
+          </a:prstGeom>
+          <a:noFill/>
+        </p:spPr>
+        <p:txBody>
+          <a:bodyPr wrap="none" rtlCol="0">
+            <a:spAutoFit/>
+          </a:bodyPr>
+          <a:p>
+            <a:r>
+              <a:rPr lang="x-none" altLang="en-US"/>
+              <a:t>[8, 15]</a:t>
+            </a:r>
+            <a:endParaRPr lang="x-none" altLang="en-US"/>
+          </a:p>
+        </p:txBody>
+      </p:sp>
+      <p:cxnSp>
+        <p:nvCxnSpPr>
+          <p:cNvPr id="17" name="Straight Connector 16"/>
+          <p:cNvCxnSpPr>
+            <a:stCxn id="5" idx="2"/>
+            <a:endCxn id="15" idx="0"/>
+          </p:cNvCxnSpPr>
+          <p:nvPr/>
+        </p:nvCxnSpPr>
+        <p:spPr>
+          <a:xfrm flipH="1">
+            <a:off x="1143000" y="3212465"/>
+            <a:ext cx="501015" cy="457835"/>
+          </a:xfrm>
+          <a:prstGeom prst="line">
+            <a:avLst/>
+          </a:prstGeom>
+          <a:ln w="12700"/>
+        </p:spPr>
+        <p:style>
+          <a:lnRef idx="1">
+            <a:schemeClr val="dk1"/>
+          </a:lnRef>
+          <a:fillRef idx="0">
+            <a:schemeClr val="dk1"/>
+          </a:fillRef>
+          <a:effectRef idx="0">
+            <a:schemeClr val="dk1"/>
+          </a:effectRef>
+          <a:fontRef idx="minor">
+            <a:schemeClr val="tx1"/>
+          </a:fontRef>
+        </p:style>
+      </p:cxnSp>
+      <p:sp>
+        <p:nvSpPr>
+          <p:cNvPr id="18" name="Text Box 17"/>
+          <p:cNvSpPr txBox="1"/>
+          <p:nvPr/>
+        </p:nvSpPr>
+        <p:spPr>
+          <a:xfrm>
+            <a:off x="1095375" y="3205480"/>
+            <a:ext cx="308610" cy="367665"/>
+          </a:xfrm>
+          <a:prstGeom prst="rect">
+            <a:avLst/>
+          </a:prstGeom>
+          <a:noFill/>
+        </p:spPr>
+        <p:txBody>
+          <a:bodyPr wrap="none" rtlCol="0">
+            <a:spAutoFit/>
+          </a:bodyPr>
+          <a:p>
+            <a:r>
+              <a:rPr lang="x-none" altLang="en-US">
+                <a:solidFill>
+                  <a:srgbClr val="FF0000"/>
+                </a:solidFill>
+              </a:rPr>
+              <a:t>0</a:t>
+            </a:r>
+            <a:endParaRPr lang="x-none" altLang="en-US">
+              <a:solidFill>
+                <a:srgbClr val="FF0000"/>
+              </a:solidFill>
+            </a:endParaRPr>
+          </a:p>
+        </p:txBody>
+      </p:sp>
+      <p:sp>
+        <p:nvSpPr>
+          <p:cNvPr id="19" name="Text Box 18"/>
+          <p:cNvSpPr txBox="1"/>
+          <p:nvPr/>
+        </p:nvSpPr>
+        <p:spPr>
+          <a:xfrm>
+            <a:off x="1916430" y="3202305"/>
+            <a:ext cx="308610" cy="367665"/>
+          </a:xfrm>
+          <a:prstGeom prst="rect">
+            <a:avLst/>
+          </a:prstGeom>
+          <a:noFill/>
+        </p:spPr>
+        <p:txBody>
+          <a:bodyPr wrap="none" rtlCol="0">
+            <a:spAutoFit/>
+          </a:bodyPr>
+          <a:p>
+            <a:r>
+              <a:rPr lang="x-none" altLang="en-US">
+                <a:solidFill>
+                  <a:srgbClr val="FF0000"/>
+                </a:solidFill>
+              </a:rPr>
+              <a:t>1</a:t>
+            </a:r>
+            <a:endParaRPr lang="x-none" altLang="en-US">
+              <a:solidFill>
+                <a:srgbClr val="FF0000"/>
+              </a:solidFill>
+            </a:endParaRPr>
+          </a:p>
+        </p:txBody>
+      </p:sp>
+      <p:cxnSp>
+        <p:nvCxnSpPr>
+          <p:cNvPr id="20" name="Straight Connector 19"/>
+          <p:cNvCxnSpPr>
+            <a:stCxn id="5" idx="2"/>
+            <a:endCxn id="16" idx="0"/>
+          </p:cNvCxnSpPr>
+          <p:nvPr/>
+        </p:nvCxnSpPr>
+        <p:spPr>
+          <a:xfrm>
+            <a:off x="1644015" y="3212465"/>
+            <a:ext cx="495935" cy="445135"/>
+          </a:xfrm>
+          <a:prstGeom prst="line">
+            <a:avLst/>
+          </a:prstGeom>
+          <a:ln w="12700"/>
+        </p:spPr>
+        <p:style>
+          <a:lnRef idx="1">
+            <a:schemeClr val="dk1"/>
+          </a:lnRef>
+          <a:fillRef idx="0">
+            <a:schemeClr val="dk1"/>
+          </a:fillRef>
+          <a:effectRef idx="0">
+            <a:schemeClr val="dk1"/>
+          </a:effectRef>
+          <a:fontRef idx="minor">
+            <a:schemeClr val="tx1"/>
+          </a:fontRef>
+        </p:style>
+      </p:cxnSp>
+      <p:sp>
+        <p:nvSpPr>
+          <p:cNvPr id="21" name="Text Box 20"/>
+          <p:cNvSpPr txBox="1"/>
+          <p:nvPr/>
+        </p:nvSpPr>
+        <p:spPr>
+          <a:xfrm>
+            <a:off x="2885440" y="3712210"/>
+            <a:ext cx="597535" cy="367665"/>
+          </a:xfrm>
+          <a:prstGeom prst="rect">
+            <a:avLst/>
+          </a:prstGeom>
+          <a:noFill/>
+        </p:spPr>
+        <p:txBody>
+          <a:bodyPr wrap="square" rtlCol="0">
+            <a:spAutoFit/>
+          </a:bodyPr>
+          <a:p>
+            <a:r>
+              <a:rPr lang="x-none" altLang="en-US"/>
+              <a:t>......</a:t>
+            </a:r>
+            <a:endParaRPr lang="x-none" altLang="en-US"/>
+          </a:p>
+        </p:txBody>
+      </p:sp>
+      <p:cxnSp>
+        <p:nvCxnSpPr>
+          <p:cNvPr id="22" name="Straight Connector 21"/>
+          <p:cNvCxnSpPr>
+            <a:stCxn id="6" idx="2"/>
+          </p:cNvCxnSpPr>
+          <p:nvPr/>
+        </p:nvCxnSpPr>
+        <p:spPr>
+          <a:xfrm flipH="1">
+            <a:off x="2735580" y="3225165"/>
+            <a:ext cx="464185" cy="438785"/>
+          </a:xfrm>
+          <a:prstGeom prst="line">
+            <a:avLst/>
+          </a:prstGeom>
+          <a:ln w="12700"/>
+        </p:spPr>
+        <p:style>
+          <a:lnRef idx="1">
+            <a:schemeClr val="dk1"/>
+          </a:lnRef>
+          <a:fillRef idx="0">
+            <a:schemeClr val="dk1"/>
+          </a:fillRef>
+          <a:effectRef idx="0">
+            <a:schemeClr val="dk1"/>
+          </a:effectRef>
+          <a:fontRef idx="minor">
+            <a:schemeClr val="tx1"/>
+          </a:fontRef>
+        </p:style>
+      </p:cxnSp>
+      <p:cxnSp>
+        <p:nvCxnSpPr>
+          <p:cNvPr id="23" name="Straight Connector 22"/>
+          <p:cNvCxnSpPr>
+            <a:stCxn id="6" idx="2"/>
+          </p:cNvCxnSpPr>
+          <p:nvPr/>
+        </p:nvCxnSpPr>
+        <p:spPr>
+          <a:xfrm>
+            <a:off x="3199765" y="3225165"/>
+            <a:ext cx="481965" cy="451485"/>
+          </a:xfrm>
+          <a:prstGeom prst="line">
+            <a:avLst/>
+          </a:prstGeom>
+          <a:ln w="12700"/>
+        </p:spPr>
+        <p:style>
+          <a:lnRef idx="1">
+            <a:schemeClr val="dk1"/>
+          </a:lnRef>
+          <a:fillRef idx="0">
+            <a:schemeClr val="dk1"/>
+          </a:fillRef>
+          <a:effectRef idx="0">
+            <a:schemeClr val="dk1"/>
+          </a:effectRef>
+          <a:fontRef idx="minor">
+            <a:schemeClr val="tx1"/>
+          </a:fontRef>
+        </p:style>
+      </p:cxnSp>
+      <p:sp>
+        <p:nvSpPr>
+          <p:cNvPr id="24" name="Text Box 23"/>
+          <p:cNvSpPr txBox="1"/>
+          <p:nvPr/>
+        </p:nvSpPr>
+        <p:spPr>
+          <a:xfrm>
+            <a:off x="3840480" y="3209925"/>
+            <a:ext cx="808355" cy="367665"/>
+          </a:xfrm>
+          <a:prstGeom prst="rect">
+            <a:avLst/>
+          </a:prstGeom>
+          <a:noFill/>
+        </p:spPr>
+        <p:txBody>
+          <a:bodyPr wrap="none" rtlCol="0">
+            <a:spAutoFit/>
+          </a:bodyPr>
+          <a:p>
+            <a:r>
+              <a:rPr lang="x-none" altLang="en-US">
+                <a:solidFill>
+                  <a:schemeClr val="tx1"/>
+                </a:solidFill>
+              </a:rPr>
+              <a:t>X</a:t>
+            </a:r>
+            <a:r>
+              <a:rPr lang="x-none" altLang="en-US">
+                <a:solidFill>
+                  <a:srgbClr val="FF0000"/>
+                </a:solidFill>
+              </a:rPr>
+              <a:t>X</a:t>
+            </a:r>
+            <a:r>
+              <a:rPr lang="x-none" altLang="en-US"/>
+              <a:t>XXX</a:t>
+            </a:r>
+            <a:endParaRPr lang="x-none" altLang="en-US"/>
+          </a:p>
+        </p:txBody>
+      </p:sp>
+      <p:sp>
+        <p:nvSpPr>
+          <p:cNvPr id="25" name="Text Box 24"/>
+          <p:cNvSpPr txBox="1"/>
+          <p:nvPr/>
+        </p:nvSpPr>
+        <p:spPr>
+          <a:xfrm>
+            <a:off x="3402330" y="3183255"/>
+            <a:ext cx="308610" cy="367665"/>
+          </a:xfrm>
+          <a:prstGeom prst="rect">
+            <a:avLst/>
+          </a:prstGeom>
+          <a:noFill/>
+        </p:spPr>
+        <p:txBody>
+          <a:bodyPr wrap="none" rtlCol="0">
+            <a:spAutoFit/>
+          </a:bodyPr>
+          <a:p>
+            <a:r>
+              <a:rPr lang="x-none" altLang="en-US">
+                <a:solidFill>
+                  <a:srgbClr val="FF0000"/>
+                </a:solidFill>
+              </a:rPr>
+              <a:t>1</a:t>
+            </a:r>
+            <a:endParaRPr lang="x-none" altLang="en-US">
+              <a:solidFill>
+                <a:srgbClr val="FF0000"/>
+              </a:solidFill>
+            </a:endParaRPr>
+          </a:p>
+        </p:txBody>
+      </p:sp>
+      <p:sp>
+        <p:nvSpPr>
+          <p:cNvPr id="26" name="Text Box 25"/>
+          <p:cNvSpPr txBox="1"/>
+          <p:nvPr/>
+        </p:nvSpPr>
+        <p:spPr>
+          <a:xfrm>
+            <a:off x="2661285" y="3202305"/>
+            <a:ext cx="308610" cy="367665"/>
+          </a:xfrm>
+          <a:prstGeom prst="rect">
+            <a:avLst/>
+          </a:prstGeom>
+          <a:noFill/>
+        </p:spPr>
+        <p:txBody>
+          <a:bodyPr wrap="none" rtlCol="0">
+            <a:spAutoFit/>
+          </a:bodyPr>
+          <a:p>
+            <a:r>
+              <a:rPr lang="x-none" altLang="en-US">
+                <a:solidFill>
+                  <a:srgbClr val="FF0000"/>
+                </a:solidFill>
+              </a:rPr>
+              <a:t>0</a:t>
+            </a:r>
+            <a:endParaRPr lang="x-none" altLang="en-US">
+              <a:solidFill>
+                <a:srgbClr val="FF0000"/>
+              </a:solidFill>
+            </a:endParaRPr>
+          </a:p>
+        </p:txBody>
+      </p:sp>
+    </p:spTree>
+  </p:cSld>
+  <p:clrMapOvr>
+    <a:masterClrMapping/>
+  </p:clrMapOvr>
+</p:sld>
+</file>
+
+<file path=ppt/slides/slide4.xml><?xml version="1.0" encoding="utf-8"?>
 <p:sld xmlns:a="http://schemas.openxmlformats.org/drawingml/2006/main" xmlns:r="http://schemas.openxmlformats.org/officeDocument/2006/relationships" xmlns:p="http://schemas.openxmlformats.org/presentationml/2006/main">
   <p:cSld>
     <p:spTree>
@@ -4740,6 +5898,3059 @@
           </a:graphicData>
         </a:graphic>
       </p:graphicFrame>
+    </p:spTree>
+  </p:cSld>
+  <p:clrMapOvr>
+    <a:masterClrMapping/>
+  </p:clrMapOvr>
+</p:sld>
+</file>
+
+<file path=ppt/slides/slide5.xml><?xml version="1.0" encoding="utf-8"?>
+<p:sld xmlns:a="http://schemas.openxmlformats.org/drawingml/2006/main" xmlns:r="http://schemas.openxmlformats.org/officeDocument/2006/relationships" xmlns:p="http://schemas.openxmlformats.org/presentationml/2006/main">
+  <p:cSld>
+    <p:spTree>
+      <p:nvGrpSpPr>
+        <p:cNvPr id="1" name=""/>
+        <p:cNvGrpSpPr/>
+        <p:nvPr/>
+      </p:nvGrpSpPr>
+      <p:grpSpPr/>
+      <p:sp>
+        <p:nvSpPr>
+          <p:cNvPr id="2" name="Title 1"/>
+          <p:cNvSpPr>
+            <a:spLocks noGrp="1"/>
+          </p:cNvSpPr>
+          <p:nvPr>
+            <p:ph type="title"/>
+          </p:nvPr>
+        </p:nvSpPr>
+        <p:spPr/>
+        <p:txBody>
+          <a:bodyPr/>
+          <a:p>
+            <a:endParaRPr lang="en-US"/>
+          </a:p>
+        </p:txBody>
+      </p:sp>
+      <p:sp>
+        <p:nvSpPr>
+          <p:cNvPr id="5" name="Rectangle 4"/>
+          <p:cNvSpPr/>
+          <p:nvPr/>
+        </p:nvSpPr>
+        <p:spPr>
+          <a:xfrm>
+            <a:off x="4350385" y="3001645"/>
+            <a:ext cx="1508125" cy="1352550"/>
+          </a:xfrm>
+          <a:prstGeom prst="rect">
+            <a:avLst/>
+          </a:prstGeom>
+          <a:ln w="19050"/>
+        </p:spPr>
+        <p:style>
+          <a:lnRef idx="2">
+            <a:schemeClr val="dk1"/>
+          </a:lnRef>
+          <a:fillRef idx="1">
+            <a:schemeClr val="lt1"/>
+          </a:fillRef>
+          <a:effectRef idx="0">
+            <a:schemeClr val="dk1"/>
+          </a:effectRef>
+          <a:fontRef idx="minor">
+            <a:schemeClr val="dk1"/>
+          </a:fontRef>
+        </p:style>
+        <p:txBody>
+          <a:bodyPr rtlCol="0" anchor="ctr"/>
+          <a:p>
+            <a:pPr algn="l"/>
+            <a:r>
+              <a:rPr lang="x-none" altLang="en-US" sz="1600">
+                <a:latin typeface="Ubuntu Mono" charset="0"/>
+              </a:rPr>
+              <a:t> </a:t>
+            </a:r>
+            <a:endParaRPr lang="x-none" altLang="en-US" sz="1600">
+              <a:latin typeface="Ubuntu Mono" charset="0"/>
+            </a:endParaRPr>
+          </a:p>
+          <a:p>
+            <a:pPr algn="l"/>
+            <a:r>
+              <a:rPr lang="x-none" altLang="en-US" sz="1600">
+                <a:latin typeface="Ubuntu Mono" charset="0"/>
+              </a:rPr>
+              <a:t> ALU</a:t>
+            </a:r>
+            <a:endParaRPr lang="x-none" altLang="en-US" sz="1600">
+              <a:latin typeface="Ubuntu Mono" charset="0"/>
+            </a:endParaRPr>
+          </a:p>
+        </p:txBody>
+      </p:sp>
+      <p:sp>
+        <p:nvSpPr>
+          <p:cNvPr id="6" name="Trapezoid 5"/>
+          <p:cNvSpPr/>
+          <p:nvPr/>
+        </p:nvSpPr>
+        <p:spPr>
+          <a:xfrm rot="5400000">
+            <a:off x="4740910" y="3579495"/>
+            <a:ext cx="1188720" cy="187960"/>
+          </a:xfrm>
+          <a:prstGeom prst="trapezoid">
+            <a:avLst>
+              <a:gd name="adj" fmla="val 48565"/>
+            </a:avLst>
+          </a:prstGeom>
+          <a:ln>
+            <a:solidFill>
+              <a:srgbClr val="FF0000"/>
+            </a:solidFill>
+          </a:ln>
+        </p:spPr>
+        <p:style>
+          <a:lnRef idx="2">
+            <a:schemeClr val="dk1"/>
+          </a:lnRef>
+          <a:fillRef idx="1">
+            <a:schemeClr val="lt1"/>
+          </a:fillRef>
+          <a:effectRef idx="0">
+            <a:schemeClr val="dk1"/>
+          </a:effectRef>
+          <a:fontRef idx="minor">
+            <a:schemeClr val="dk1"/>
+          </a:fontRef>
+        </p:style>
+        <p:txBody>
+          <a:bodyPr rtlCol="0" anchor="ctr"/>
+          <a:p>
+            <a:pPr algn="ctr"/>
+            <a:endParaRPr lang="en-US"/>
+          </a:p>
+        </p:txBody>
+      </p:sp>
+      <p:cxnSp>
+        <p:nvCxnSpPr>
+          <p:cNvPr id="7" name="Straight Connector 6"/>
+          <p:cNvCxnSpPr>
+            <a:endCxn id="6" idx="1"/>
+          </p:cNvCxnSpPr>
+          <p:nvPr/>
+        </p:nvCxnSpPr>
+        <p:spPr>
+          <a:xfrm flipH="1">
+            <a:off x="5342890" y="2882265"/>
+            <a:ext cx="5080" cy="242570"/>
+          </a:xfrm>
+          <a:prstGeom prst="line">
+            <a:avLst/>
+          </a:prstGeom>
+          <a:ln w="12700">
+            <a:solidFill>
+              <a:schemeClr val="tx1"/>
+            </a:solidFill>
+          </a:ln>
+        </p:spPr>
+        <p:style>
+          <a:lnRef idx="1">
+            <a:schemeClr val="accent1"/>
+          </a:lnRef>
+          <a:fillRef idx="0">
+            <a:schemeClr val="accent1"/>
+          </a:fillRef>
+          <a:effectRef idx="0">
+            <a:schemeClr val="accent1"/>
+          </a:effectRef>
+          <a:fontRef idx="minor">
+            <a:schemeClr val="tx1"/>
+          </a:fontRef>
+        </p:style>
+      </p:cxnSp>
+      <p:cxnSp>
+        <p:nvCxnSpPr>
+          <p:cNvPr id="8" name="Straight Connector 7"/>
+          <p:cNvCxnSpPr>
+            <a:stCxn id="24" idx="6"/>
+          </p:cNvCxnSpPr>
+          <p:nvPr/>
+        </p:nvCxnSpPr>
+        <p:spPr>
+          <a:xfrm>
+            <a:off x="4967605" y="3228975"/>
+            <a:ext cx="270510" cy="635"/>
+          </a:xfrm>
+          <a:prstGeom prst="line">
+            <a:avLst/>
+          </a:prstGeom>
+          <a:ln w="19050">
+            <a:solidFill>
+              <a:srgbClr val="FF0000"/>
+            </a:solidFill>
+          </a:ln>
+        </p:spPr>
+        <p:style>
+          <a:lnRef idx="1">
+            <a:schemeClr val="accent1"/>
+          </a:lnRef>
+          <a:fillRef idx="0">
+            <a:schemeClr val="accent1"/>
+          </a:fillRef>
+          <a:effectRef idx="0">
+            <a:schemeClr val="accent1"/>
+          </a:effectRef>
+          <a:fontRef idx="minor">
+            <a:schemeClr val="tx1"/>
+          </a:fontRef>
+        </p:style>
+      </p:cxnSp>
+      <p:cxnSp>
+        <p:nvCxnSpPr>
+          <p:cNvPr id="9" name="Straight Connector 8"/>
+          <p:cNvCxnSpPr/>
+          <p:nvPr/>
+        </p:nvCxnSpPr>
+        <p:spPr>
+          <a:xfrm>
+            <a:off x="5067300" y="3356610"/>
+            <a:ext cx="170815" cy="0"/>
+          </a:xfrm>
+          <a:prstGeom prst="line">
+            <a:avLst/>
+          </a:prstGeom>
+          <a:ln w="19050">
+            <a:solidFill>
+              <a:schemeClr val="tx1"/>
+            </a:solidFill>
+          </a:ln>
+        </p:spPr>
+        <p:style>
+          <a:lnRef idx="1">
+            <a:schemeClr val="accent1"/>
+          </a:lnRef>
+          <a:fillRef idx="0">
+            <a:schemeClr val="accent1"/>
+          </a:fillRef>
+          <a:effectRef idx="0">
+            <a:schemeClr val="accent1"/>
+          </a:effectRef>
+          <a:fontRef idx="minor">
+            <a:schemeClr val="tx1"/>
+          </a:fontRef>
+        </p:style>
+      </p:cxnSp>
+      <p:cxnSp>
+        <p:nvCxnSpPr>
+          <p:cNvPr id="10" name="Straight Connector 9"/>
+          <p:cNvCxnSpPr/>
+          <p:nvPr/>
+        </p:nvCxnSpPr>
+        <p:spPr>
+          <a:xfrm>
+            <a:off x="5067300" y="3483610"/>
+            <a:ext cx="170815" cy="0"/>
+          </a:xfrm>
+          <a:prstGeom prst="line">
+            <a:avLst/>
+          </a:prstGeom>
+          <a:ln w="19050">
+            <a:solidFill>
+              <a:schemeClr val="tx1"/>
+            </a:solidFill>
+          </a:ln>
+        </p:spPr>
+        <p:style>
+          <a:lnRef idx="1">
+            <a:schemeClr val="accent1"/>
+          </a:lnRef>
+          <a:fillRef idx="0">
+            <a:schemeClr val="accent1"/>
+          </a:fillRef>
+          <a:effectRef idx="0">
+            <a:schemeClr val="accent1"/>
+          </a:effectRef>
+          <a:fontRef idx="minor">
+            <a:schemeClr val="tx1"/>
+          </a:fontRef>
+        </p:style>
+      </p:cxnSp>
+      <p:cxnSp>
+        <p:nvCxnSpPr>
+          <p:cNvPr id="11" name="Straight Connector 10"/>
+          <p:cNvCxnSpPr/>
+          <p:nvPr/>
+        </p:nvCxnSpPr>
+        <p:spPr>
+          <a:xfrm>
+            <a:off x="5067300" y="3610610"/>
+            <a:ext cx="170815" cy="0"/>
+          </a:xfrm>
+          <a:prstGeom prst="line">
+            <a:avLst/>
+          </a:prstGeom>
+          <a:ln w="19050">
+            <a:solidFill>
+              <a:schemeClr val="tx1"/>
+            </a:solidFill>
+          </a:ln>
+        </p:spPr>
+        <p:style>
+          <a:lnRef idx="1">
+            <a:schemeClr val="accent1"/>
+          </a:lnRef>
+          <a:fillRef idx="0">
+            <a:schemeClr val="accent1"/>
+          </a:fillRef>
+          <a:effectRef idx="0">
+            <a:schemeClr val="accent1"/>
+          </a:effectRef>
+          <a:fontRef idx="minor">
+            <a:schemeClr val="tx1"/>
+          </a:fontRef>
+        </p:style>
+      </p:cxnSp>
+      <p:cxnSp>
+        <p:nvCxnSpPr>
+          <p:cNvPr id="12" name="Straight Connector 11"/>
+          <p:cNvCxnSpPr/>
+          <p:nvPr/>
+        </p:nvCxnSpPr>
+        <p:spPr>
+          <a:xfrm>
+            <a:off x="5067300" y="3737610"/>
+            <a:ext cx="170815" cy="0"/>
+          </a:xfrm>
+          <a:prstGeom prst="line">
+            <a:avLst/>
+          </a:prstGeom>
+          <a:ln w="19050">
+            <a:solidFill>
+              <a:schemeClr val="tx1"/>
+            </a:solidFill>
+          </a:ln>
+        </p:spPr>
+        <p:style>
+          <a:lnRef idx="1">
+            <a:schemeClr val="accent1"/>
+          </a:lnRef>
+          <a:fillRef idx="0">
+            <a:schemeClr val="accent1"/>
+          </a:fillRef>
+          <a:effectRef idx="0">
+            <a:schemeClr val="accent1"/>
+          </a:effectRef>
+          <a:fontRef idx="minor">
+            <a:schemeClr val="tx1"/>
+          </a:fontRef>
+        </p:style>
+      </p:cxnSp>
+      <p:cxnSp>
+        <p:nvCxnSpPr>
+          <p:cNvPr id="13" name="Straight Connector 12"/>
+          <p:cNvCxnSpPr/>
+          <p:nvPr/>
+        </p:nvCxnSpPr>
+        <p:spPr>
+          <a:xfrm>
+            <a:off x="5067300" y="3864610"/>
+            <a:ext cx="170815" cy="0"/>
+          </a:xfrm>
+          <a:prstGeom prst="line">
+            <a:avLst/>
+          </a:prstGeom>
+          <a:ln w="19050">
+            <a:solidFill>
+              <a:schemeClr val="tx1"/>
+            </a:solidFill>
+          </a:ln>
+        </p:spPr>
+        <p:style>
+          <a:lnRef idx="1">
+            <a:schemeClr val="accent1"/>
+          </a:lnRef>
+          <a:fillRef idx="0">
+            <a:schemeClr val="accent1"/>
+          </a:fillRef>
+          <a:effectRef idx="0">
+            <a:schemeClr val="accent1"/>
+          </a:effectRef>
+          <a:fontRef idx="minor">
+            <a:schemeClr val="tx1"/>
+          </a:fontRef>
+        </p:style>
+      </p:cxnSp>
+      <p:cxnSp>
+        <p:nvCxnSpPr>
+          <p:cNvPr id="14" name="Straight Connector 13"/>
+          <p:cNvCxnSpPr/>
+          <p:nvPr/>
+        </p:nvCxnSpPr>
+        <p:spPr>
+          <a:xfrm>
+            <a:off x="5067300" y="3991610"/>
+            <a:ext cx="170815" cy="0"/>
+          </a:xfrm>
+          <a:prstGeom prst="line">
+            <a:avLst/>
+          </a:prstGeom>
+          <a:ln w="19050">
+            <a:solidFill>
+              <a:schemeClr val="tx1"/>
+            </a:solidFill>
+          </a:ln>
+        </p:spPr>
+        <p:style>
+          <a:lnRef idx="1">
+            <a:schemeClr val="accent1"/>
+          </a:lnRef>
+          <a:fillRef idx="0">
+            <a:schemeClr val="accent1"/>
+          </a:fillRef>
+          <a:effectRef idx="0">
+            <a:schemeClr val="accent1"/>
+          </a:effectRef>
+          <a:fontRef idx="minor">
+            <a:schemeClr val="tx1"/>
+          </a:fontRef>
+        </p:style>
+      </p:cxnSp>
+      <p:cxnSp>
+        <p:nvCxnSpPr>
+          <p:cNvPr id="15" name="Straight Connector 14"/>
+          <p:cNvCxnSpPr/>
+          <p:nvPr/>
+        </p:nvCxnSpPr>
+        <p:spPr>
+          <a:xfrm>
+            <a:off x="5067300" y="4118610"/>
+            <a:ext cx="170815" cy="0"/>
+          </a:xfrm>
+          <a:prstGeom prst="line">
+            <a:avLst/>
+          </a:prstGeom>
+          <a:ln w="19050">
+            <a:solidFill>
+              <a:schemeClr val="tx1"/>
+            </a:solidFill>
+          </a:ln>
+        </p:spPr>
+        <p:style>
+          <a:lnRef idx="1">
+            <a:schemeClr val="accent1"/>
+          </a:lnRef>
+          <a:fillRef idx="0">
+            <a:schemeClr val="accent1"/>
+          </a:fillRef>
+          <a:effectRef idx="0">
+            <a:schemeClr val="accent1"/>
+          </a:effectRef>
+          <a:fontRef idx="minor">
+            <a:schemeClr val="tx1"/>
+          </a:fontRef>
+        </p:style>
+      </p:cxnSp>
+      <p:sp>
+        <p:nvSpPr>
+          <p:cNvPr id="16" name="Rectangle 15"/>
+          <p:cNvSpPr/>
+          <p:nvPr/>
+        </p:nvSpPr>
+        <p:spPr>
+          <a:xfrm>
+            <a:off x="6123940" y="3517265"/>
+            <a:ext cx="871855" cy="700405"/>
+          </a:xfrm>
+          <a:prstGeom prst="rect">
+            <a:avLst/>
+          </a:prstGeom>
+          <a:ln w="19050"/>
+        </p:spPr>
+        <p:style>
+          <a:lnRef idx="2">
+            <a:schemeClr val="dk1"/>
+          </a:lnRef>
+          <a:fillRef idx="1">
+            <a:schemeClr val="lt1"/>
+          </a:fillRef>
+          <a:effectRef idx="0">
+            <a:schemeClr val="dk1"/>
+          </a:effectRef>
+          <a:fontRef idx="minor">
+            <a:schemeClr val="dk1"/>
+          </a:fontRef>
+        </p:style>
+        <p:txBody>
+          <a:bodyPr rtlCol="0" anchor="ctr"/>
+          <a:p>
+            <a:pPr algn="ctr"/>
+            <a:endParaRPr lang="en-US"/>
+          </a:p>
+        </p:txBody>
+      </p:sp>
+      <p:sp>
+        <p:nvSpPr>
+          <p:cNvPr id="17" name="Rectangle 16"/>
+          <p:cNvSpPr/>
+          <p:nvPr/>
+        </p:nvSpPr>
+        <p:spPr>
+          <a:xfrm>
+            <a:off x="2818765" y="3001645"/>
+            <a:ext cx="661035" cy="1369060"/>
+          </a:xfrm>
+          <a:prstGeom prst="rect">
+            <a:avLst/>
+          </a:prstGeom>
+          <a:ln w="19050"/>
+        </p:spPr>
+        <p:style>
+          <a:lnRef idx="2">
+            <a:schemeClr val="dk1"/>
+          </a:lnRef>
+          <a:fillRef idx="1">
+            <a:schemeClr val="lt1"/>
+          </a:fillRef>
+          <a:effectRef idx="0">
+            <a:schemeClr val="dk1"/>
+          </a:effectRef>
+          <a:fontRef idx="minor">
+            <a:schemeClr val="dk1"/>
+          </a:fontRef>
+        </p:style>
+        <p:txBody>
+          <a:bodyPr rtlCol="0" anchor="ctr"/>
+          <a:p>
+            <a:pPr algn="ctr"/>
+            <a:r>
+              <a:rPr lang="x-none" altLang="en-US" sz="900">
+                <a:latin typeface="Ubuntu Mono" charset="0"/>
+              </a:rPr>
+              <a:t>reg_file</a:t>
+            </a:r>
+            <a:endParaRPr lang="x-none" altLang="en-US" sz="900">
+              <a:latin typeface="Ubuntu Mono" charset="0"/>
+            </a:endParaRPr>
+          </a:p>
+        </p:txBody>
+      </p:sp>
+      <p:sp>
+        <p:nvSpPr>
+          <p:cNvPr id="18" name="Rectangle 17"/>
+          <p:cNvSpPr/>
+          <p:nvPr/>
+        </p:nvSpPr>
+        <p:spPr>
+          <a:xfrm>
+            <a:off x="1326515" y="2987675"/>
+            <a:ext cx="1024890" cy="862965"/>
+          </a:xfrm>
+          <a:prstGeom prst="rect">
+            <a:avLst/>
+          </a:prstGeom>
+          <a:ln w="19050"/>
+        </p:spPr>
+        <p:style>
+          <a:lnRef idx="2">
+            <a:schemeClr val="dk1"/>
+          </a:lnRef>
+          <a:fillRef idx="1">
+            <a:schemeClr val="lt1"/>
+          </a:fillRef>
+          <a:effectRef idx="0">
+            <a:schemeClr val="dk1"/>
+          </a:effectRef>
+          <a:fontRef idx="minor">
+            <a:schemeClr val="dk1"/>
+          </a:fontRef>
+        </p:style>
+        <p:txBody>
+          <a:bodyPr rtlCol="0" anchor="ctr"/>
+          <a:p>
+            <a:pPr algn="ctr"/>
+            <a:r>
+              <a:rPr lang="x-none" altLang="en-US" sz="1200">
+                <a:latin typeface="Ubuntu Mono" charset="0"/>
+              </a:rPr>
+              <a:t>Instruction memory</a:t>
+            </a:r>
+            <a:endParaRPr lang="x-none" altLang="en-US" sz="1200">
+              <a:latin typeface="Ubuntu Mono" charset="0"/>
+            </a:endParaRPr>
+          </a:p>
+        </p:txBody>
+      </p:sp>
+      <p:sp>
+        <p:nvSpPr>
+          <p:cNvPr id="19" name="Rectangle 18"/>
+          <p:cNvSpPr/>
+          <p:nvPr/>
+        </p:nvSpPr>
+        <p:spPr>
+          <a:xfrm>
+            <a:off x="630555" y="2992755"/>
+            <a:ext cx="398145" cy="627380"/>
+          </a:xfrm>
+          <a:prstGeom prst="rect">
+            <a:avLst/>
+          </a:prstGeom>
+          <a:ln w="19050"/>
+        </p:spPr>
+        <p:style>
+          <a:lnRef idx="2">
+            <a:schemeClr val="dk1"/>
+          </a:lnRef>
+          <a:fillRef idx="1">
+            <a:schemeClr val="lt1"/>
+          </a:fillRef>
+          <a:effectRef idx="0">
+            <a:schemeClr val="dk1"/>
+          </a:effectRef>
+          <a:fontRef idx="minor">
+            <a:schemeClr val="dk1"/>
+          </a:fontRef>
+        </p:style>
+        <p:txBody>
+          <a:bodyPr rtlCol="0" anchor="ctr"/>
+          <a:p>
+            <a:pPr algn="ctr"/>
+            <a:r>
+              <a:rPr lang="x-none" altLang="en-US" sz="1400">
+                <a:latin typeface="Ubuntu Mono" charset="0"/>
+              </a:rPr>
+              <a:t>PC</a:t>
+            </a:r>
+            <a:endParaRPr lang="x-none" altLang="en-US" sz="1400">
+              <a:latin typeface="Ubuntu Mono" charset="0"/>
+            </a:endParaRPr>
+          </a:p>
+        </p:txBody>
+      </p:sp>
+      <p:cxnSp>
+        <p:nvCxnSpPr>
+          <p:cNvPr id="20" name="Straight Connector 19"/>
+          <p:cNvCxnSpPr/>
+          <p:nvPr/>
+        </p:nvCxnSpPr>
+        <p:spPr>
+          <a:xfrm>
+            <a:off x="5436870" y="3673475"/>
+            <a:ext cx="683895" cy="7620"/>
+          </a:xfrm>
+          <a:prstGeom prst="line">
+            <a:avLst/>
+          </a:prstGeom>
+          <a:ln w="19050">
+            <a:solidFill>
+              <a:srgbClr val="FF0000"/>
+            </a:solidFill>
+          </a:ln>
+        </p:spPr>
+        <p:style>
+          <a:lnRef idx="1">
+            <a:schemeClr val="accent1"/>
+          </a:lnRef>
+          <a:fillRef idx="0">
+            <a:schemeClr val="accent1"/>
+          </a:fillRef>
+          <a:effectRef idx="0">
+            <a:schemeClr val="accent1"/>
+          </a:effectRef>
+          <a:fontRef idx="minor">
+            <a:schemeClr val="tx1"/>
+          </a:fontRef>
+        </p:style>
+      </p:cxnSp>
+      <p:cxnSp>
+        <p:nvCxnSpPr>
+          <p:cNvPr id="21" name="Straight Connector 20"/>
+          <p:cNvCxnSpPr/>
+          <p:nvPr/>
+        </p:nvCxnSpPr>
+        <p:spPr>
+          <a:xfrm>
+            <a:off x="7343775" y="4055745"/>
+            <a:ext cx="0" cy="586740"/>
+          </a:xfrm>
+          <a:prstGeom prst="line">
+            <a:avLst/>
+          </a:prstGeom>
+          <a:ln w="19050">
+            <a:solidFill>
+              <a:srgbClr val="FF0000"/>
+            </a:solidFill>
+          </a:ln>
+        </p:spPr>
+        <p:style>
+          <a:lnRef idx="1">
+            <a:schemeClr val="accent1"/>
+          </a:lnRef>
+          <a:fillRef idx="0">
+            <a:schemeClr val="accent1"/>
+          </a:fillRef>
+          <a:effectRef idx="0">
+            <a:schemeClr val="accent1"/>
+          </a:effectRef>
+          <a:fontRef idx="minor">
+            <a:schemeClr val="tx1"/>
+          </a:fontRef>
+        </p:style>
+      </p:cxnSp>
+      <p:cxnSp>
+        <p:nvCxnSpPr>
+          <p:cNvPr id="22" name="Straight Connector 21"/>
+          <p:cNvCxnSpPr>
+            <a:endCxn id="24" idx="1"/>
+          </p:cNvCxnSpPr>
+          <p:nvPr/>
+        </p:nvCxnSpPr>
+        <p:spPr>
+          <a:xfrm flipV="1">
+            <a:off x="3486150" y="3110865"/>
+            <a:ext cx="1196340" cy="1270"/>
+          </a:xfrm>
+          <a:prstGeom prst="line">
+            <a:avLst/>
+          </a:prstGeom>
+          <a:ln w="19050">
+            <a:solidFill>
+              <a:schemeClr val="tx1"/>
+            </a:solidFill>
+          </a:ln>
+        </p:spPr>
+        <p:style>
+          <a:lnRef idx="1">
+            <a:schemeClr val="accent1"/>
+          </a:lnRef>
+          <a:fillRef idx="0">
+            <a:schemeClr val="accent1"/>
+          </a:fillRef>
+          <a:effectRef idx="0">
+            <a:schemeClr val="accent1"/>
+          </a:effectRef>
+          <a:fontRef idx="minor">
+            <a:schemeClr val="tx1"/>
+          </a:fontRef>
+        </p:style>
+      </p:cxnSp>
+      <p:cxnSp>
+        <p:nvCxnSpPr>
+          <p:cNvPr id="23" name="Straight Connector 22"/>
+          <p:cNvCxnSpPr>
+            <a:endCxn id="24" idx="3"/>
+          </p:cNvCxnSpPr>
+          <p:nvPr/>
+        </p:nvCxnSpPr>
+        <p:spPr>
+          <a:xfrm flipV="1">
+            <a:off x="4012565" y="3347085"/>
+            <a:ext cx="669925" cy="7620"/>
+          </a:xfrm>
+          <a:prstGeom prst="line">
+            <a:avLst/>
+          </a:prstGeom>
+          <a:ln w="19050">
+            <a:solidFill>
+              <a:srgbClr val="FF0000"/>
+            </a:solidFill>
+          </a:ln>
+        </p:spPr>
+        <p:style>
+          <a:lnRef idx="1">
+            <a:schemeClr val="accent1"/>
+          </a:lnRef>
+          <a:fillRef idx="0">
+            <a:schemeClr val="accent1"/>
+          </a:fillRef>
+          <a:effectRef idx="0">
+            <a:schemeClr val="accent1"/>
+          </a:effectRef>
+          <a:fontRef idx="minor">
+            <a:schemeClr val="tx1"/>
+          </a:fontRef>
+        </p:style>
+      </p:cxnSp>
+      <p:sp>
+        <p:nvSpPr>
+          <p:cNvPr id="24" name="Oval 23"/>
+          <p:cNvSpPr/>
+          <p:nvPr/>
+        </p:nvSpPr>
+        <p:spPr>
+          <a:xfrm>
+            <a:off x="4633595" y="3061970"/>
+            <a:ext cx="334010" cy="334010"/>
+          </a:xfrm>
+          <a:prstGeom prst="ellipse">
+            <a:avLst/>
+          </a:prstGeom>
+          <a:ln>
+            <a:solidFill>
+              <a:srgbClr val="FF0000"/>
+            </a:solidFill>
+          </a:ln>
+        </p:spPr>
+        <p:style>
+          <a:lnRef idx="2">
+            <a:schemeClr val="dk1"/>
+          </a:lnRef>
+          <a:fillRef idx="1">
+            <a:schemeClr val="lt1"/>
+          </a:fillRef>
+          <a:effectRef idx="0">
+            <a:schemeClr val="dk1"/>
+          </a:effectRef>
+          <a:fontRef idx="minor">
+            <a:schemeClr val="dk1"/>
+          </a:fontRef>
+        </p:style>
+        <p:txBody>
+          <a:bodyPr rtlCol="0" anchor="ctr"/>
+          <a:p>
+            <a:pPr algn="ctr"/>
+            <a:r>
+              <a:rPr lang="x-none" altLang="en-US">
+                <a:solidFill>
+                  <a:srgbClr val="FF0000"/>
+                </a:solidFill>
+              </a:rPr>
+              <a:t>+</a:t>
+            </a:r>
+            <a:endParaRPr lang="x-none" altLang="en-US">
+              <a:solidFill>
+                <a:srgbClr val="FF0000"/>
+              </a:solidFill>
+            </a:endParaRPr>
+          </a:p>
+        </p:txBody>
+      </p:sp>
+      <p:sp>
+        <p:nvSpPr>
+          <p:cNvPr id="26" name="Text Box 25"/>
+          <p:cNvSpPr txBox="1"/>
+          <p:nvPr/>
+        </p:nvSpPr>
+        <p:spPr>
+          <a:xfrm>
+            <a:off x="4764405" y="2630170"/>
+            <a:ext cx="563880" cy="274320"/>
+          </a:xfrm>
+          <a:prstGeom prst="rect">
+            <a:avLst/>
+          </a:prstGeom>
+          <a:noFill/>
+        </p:spPr>
+        <p:txBody>
+          <a:bodyPr wrap="none" rtlCol="0">
+            <a:spAutoFit/>
+          </a:bodyPr>
+          <a:p>
+            <a:r>
+              <a:rPr lang="x-none" altLang="en-US" sz="1200">
+                <a:latin typeface="Ubuntu Mono" charset="0"/>
+              </a:rPr>
+              <a:t>funct</a:t>
+            </a:r>
+            <a:endParaRPr lang="x-none" altLang="en-US" sz="1200">
+              <a:latin typeface="Ubuntu Mono" charset="0"/>
+            </a:endParaRPr>
+          </a:p>
+        </p:txBody>
+      </p:sp>
+      <p:sp>
+        <p:nvSpPr>
+          <p:cNvPr id="27" name="Text Box 26"/>
+          <p:cNvSpPr txBox="1"/>
+          <p:nvPr/>
+        </p:nvSpPr>
+        <p:spPr>
+          <a:xfrm>
+            <a:off x="2807335" y="4011295"/>
+            <a:ext cx="335280" cy="274320"/>
+          </a:xfrm>
+          <a:prstGeom prst="rect">
+            <a:avLst/>
+          </a:prstGeom>
+          <a:noFill/>
+        </p:spPr>
+        <p:txBody>
+          <a:bodyPr wrap="none" rtlCol="0">
+            <a:spAutoFit/>
+          </a:bodyPr>
+          <a:p>
+            <a:r>
+              <a:rPr lang="x-none" altLang="en-US" sz="1200">
+                <a:latin typeface="Ubuntu Mono" charset="0"/>
+              </a:rPr>
+              <a:t>wd</a:t>
+            </a:r>
+            <a:endParaRPr lang="x-none" altLang="en-US" sz="1200">
+              <a:latin typeface="Ubuntu Mono" charset="0"/>
+            </a:endParaRPr>
+          </a:p>
+        </p:txBody>
+      </p:sp>
+      <p:sp>
+        <p:nvSpPr>
+          <p:cNvPr id="28" name="Text Box 27"/>
+          <p:cNvSpPr txBox="1"/>
+          <p:nvPr/>
+        </p:nvSpPr>
+        <p:spPr>
+          <a:xfrm>
+            <a:off x="6113145" y="3543935"/>
+            <a:ext cx="487680" cy="274320"/>
+          </a:xfrm>
+          <a:prstGeom prst="rect">
+            <a:avLst/>
+          </a:prstGeom>
+          <a:noFill/>
+        </p:spPr>
+        <p:txBody>
+          <a:bodyPr wrap="none" rtlCol="0">
+            <a:spAutoFit/>
+          </a:bodyPr>
+          <a:p>
+            <a:r>
+              <a:rPr lang="x-none" altLang="en-US" sz="1200">
+                <a:latin typeface="Ubuntu Mono" charset="0"/>
+              </a:rPr>
+              <a:t>addr</a:t>
+            </a:r>
+            <a:endParaRPr lang="x-none" altLang="en-US" sz="1200">
+              <a:latin typeface="Ubuntu Mono" charset="0"/>
+            </a:endParaRPr>
+          </a:p>
+        </p:txBody>
+      </p:sp>
+      <p:sp>
+        <p:nvSpPr>
+          <p:cNvPr id="29" name="Text Box 28"/>
+          <p:cNvSpPr txBox="1"/>
+          <p:nvPr/>
+        </p:nvSpPr>
+        <p:spPr>
+          <a:xfrm>
+            <a:off x="6565900" y="3923030"/>
+            <a:ext cx="487680" cy="274320"/>
+          </a:xfrm>
+          <a:prstGeom prst="rect">
+            <a:avLst/>
+          </a:prstGeom>
+          <a:noFill/>
+        </p:spPr>
+        <p:txBody>
+          <a:bodyPr wrap="none" rtlCol="0">
+            <a:spAutoFit/>
+          </a:bodyPr>
+          <a:p>
+            <a:r>
+              <a:rPr lang="x-none" altLang="en-US" sz="1200">
+                <a:latin typeface="Ubuntu Mono" charset="0"/>
+              </a:rPr>
+              <a:t>data</a:t>
+            </a:r>
+            <a:endParaRPr lang="x-none" altLang="en-US" sz="1200">
+              <a:latin typeface="Ubuntu Mono" charset="0"/>
+            </a:endParaRPr>
+          </a:p>
+        </p:txBody>
+      </p:sp>
+      <p:cxnSp>
+        <p:nvCxnSpPr>
+          <p:cNvPr id="30" name="Straight Connector 29"/>
+          <p:cNvCxnSpPr/>
+          <p:nvPr/>
+        </p:nvCxnSpPr>
+        <p:spPr>
+          <a:xfrm>
+            <a:off x="7008495" y="4063365"/>
+            <a:ext cx="337185" cy="0"/>
+          </a:xfrm>
+          <a:prstGeom prst="line">
+            <a:avLst/>
+          </a:prstGeom>
+          <a:ln w="19050">
+            <a:solidFill>
+              <a:srgbClr val="FF0000"/>
+            </a:solidFill>
+          </a:ln>
+        </p:spPr>
+        <p:style>
+          <a:lnRef idx="1">
+            <a:schemeClr val="accent1"/>
+          </a:lnRef>
+          <a:fillRef idx="0">
+            <a:schemeClr val="accent1"/>
+          </a:fillRef>
+          <a:effectRef idx="0">
+            <a:schemeClr val="accent1"/>
+          </a:effectRef>
+          <a:fontRef idx="minor">
+            <a:schemeClr val="tx1"/>
+          </a:fontRef>
+        </p:style>
+      </p:cxnSp>
+      <p:cxnSp>
+        <p:nvCxnSpPr>
+          <p:cNvPr id="31" name="Straight Connector 30"/>
+          <p:cNvCxnSpPr/>
+          <p:nvPr/>
+        </p:nvCxnSpPr>
+        <p:spPr>
+          <a:xfrm flipV="1">
+            <a:off x="2419350" y="4632960"/>
+            <a:ext cx="4941570" cy="8255"/>
+          </a:xfrm>
+          <a:prstGeom prst="line">
+            <a:avLst/>
+          </a:prstGeom>
+          <a:ln w="19050">
+            <a:solidFill>
+              <a:srgbClr val="FF0000"/>
+            </a:solidFill>
+          </a:ln>
+        </p:spPr>
+        <p:style>
+          <a:lnRef idx="1">
+            <a:schemeClr val="accent1"/>
+          </a:lnRef>
+          <a:fillRef idx="0">
+            <a:schemeClr val="accent1"/>
+          </a:fillRef>
+          <a:effectRef idx="0">
+            <a:schemeClr val="accent1"/>
+          </a:effectRef>
+          <a:fontRef idx="minor">
+            <a:schemeClr val="tx1"/>
+          </a:fontRef>
+        </p:style>
+      </p:cxnSp>
+      <p:cxnSp>
+        <p:nvCxnSpPr>
+          <p:cNvPr id="32" name="Straight Connector 31"/>
+          <p:cNvCxnSpPr/>
+          <p:nvPr/>
+        </p:nvCxnSpPr>
+        <p:spPr>
+          <a:xfrm>
+            <a:off x="2421255" y="4148455"/>
+            <a:ext cx="0" cy="497205"/>
+          </a:xfrm>
+          <a:prstGeom prst="line">
+            <a:avLst/>
+          </a:prstGeom>
+          <a:ln w="19050">
+            <a:solidFill>
+              <a:srgbClr val="FF0000"/>
+            </a:solidFill>
+          </a:ln>
+        </p:spPr>
+        <p:style>
+          <a:lnRef idx="1">
+            <a:schemeClr val="accent1"/>
+          </a:lnRef>
+          <a:fillRef idx="0">
+            <a:schemeClr val="accent1"/>
+          </a:fillRef>
+          <a:effectRef idx="0">
+            <a:schemeClr val="accent1"/>
+          </a:effectRef>
+          <a:fontRef idx="minor">
+            <a:schemeClr val="tx1"/>
+          </a:fontRef>
+        </p:style>
+      </p:cxnSp>
+      <p:cxnSp>
+        <p:nvCxnSpPr>
+          <p:cNvPr id="33" name="Straight Connector 32"/>
+          <p:cNvCxnSpPr/>
+          <p:nvPr/>
+        </p:nvCxnSpPr>
+        <p:spPr>
+          <a:xfrm flipV="1">
+            <a:off x="2414270" y="4154170"/>
+            <a:ext cx="414020" cy="1270"/>
+          </a:xfrm>
+          <a:prstGeom prst="line">
+            <a:avLst/>
+          </a:prstGeom>
+          <a:ln w="19050">
+            <a:solidFill>
+              <a:srgbClr val="FF0000"/>
+            </a:solidFill>
+          </a:ln>
+        </p:spPr>
+        <p:style>
+          <a:lnRef idx="1">
+            <a:schemeClr val="accent1"/>
+          </a:lnRef>
+          <a:fillRef idx="0">
+            <a:schemeClr val="accent1"/>
+          </a:fillRef>
+          <a:effectRef idx="0">
+            <a:schemeClr val="accent1"/>
+          </a:effectRef>
+          <a:fontRef idx="minor">
+            <a:schemeClr val="tx1"/>
+          </a:fontRef>
+        </p:style>
+      </p:cxnSp>
+      <p:sp>
+        <p:nvSpPr>
+          <p:cNvPr id="34" name="Text Box 33"/>
+          <p:cNvSpPr txBox="1"/>
+          <p:nvPr/>
+        </p:nvSpPr>
+        <p:spPr>
+          <a:xfrm>
+            <a:off x="2771140" y="2976880"/>
+            <a:ext cx="335280" cy="457200"/>
+          </a:xfrm>
+          <a:prstGeom prst="rect">
+            <a:avLst/>
+          </a:prstGeom>
+          <a:noFill/>
+        </p:spPr>
+        <p:txBody>
+          <a:bodyPr wrap="none" rtlCol="0">
+            <a:spAutoFit/>
+          </a:bodyPr>
+          <a:p>
+            <a:r>
+              <a:rPr lang="x-none" altLang="en-US" sz="1200">
+                <a:latin typeface="Ubuntu Mono" charset="0"/>
+              </a:rPr>
+              <a:t>rs</a:t>
+            </a:r>
+            <a:endParaRPr lang="x-none" altLang="en-US" sz="1200">
+              <a:latin typeface="Ubuntu Mono" charset="0"/>
+            </a:endParaRPr>
+          </a:p>
+          <a:p>
+            <a:r>
+              <a:rPr lang="x-none" altLang="en-US" sz="1200">
+                <a:latin typeface="Ubuntu Mono" charset="0"/>
+              </a:rPr>
+              <a:t>rt</a:t>
+            </a:r>
+            <a:endParaRPr lang="x-none" altLang="en-US" sz="1200">
+              <a:latin typeface="Ubuntu Mono" charset="0"/>
+            </a:endParaRPr>
+          </a:p>
+        </p:txBody>
+      </p:sp>
+      <p:cxnSp>
+        <p:nvCxnSpPr>
+          <p:cNvPr id="35" name="Straight Connector 34"/>
+          <p:cNvCxnSpPr/>
+          <p:nvPr/>
+        </p:nvCxnSpPr>
+        <p:spPr>
+          <a:xfrm>
+            <a:off x="2357120" y="3307715"/>
+            <a:ext cx="462915" cy="635"/>
+          </a:xfrm>
+          <a:prstGeom prst="line">
+            <a:avLst/>
+          </a:prstGeom>
+          <a:ln w="19050">
+            <a:solidFill>
+              <a:srgbClr val="FF0000"/>
+            </a:solidFill>
+          </a:ln>
+        </p:spPr>
+        <p:style>
+          <a:lnRef idx="1">
+            <a:schemeClr val="accent1"/>
+          </a:lnRef>
+          <a:fillRef idx="0">
+            <a:schemeClr val="accent1"/>
+          </a:fillRef>
+          <a:effectRef idx="0">
+            <a:schemeClr val="accent1"/>
+          </a:effectRef>
+          <a:fontRef idx="minor">
+            <a:schemeClr val="tx1"/>
+          </a:fontRef>
+        </p:style>
+      </p:cxnSp>
+      <p:cxnSp>
+        <p:nvCxnSpPr>
+          <p:cNvPr id="38" name="Straight Connector 37"/>
+          <p:cNvCxnSpPr/>
+          <p:nvPr/>
+        </p:nvCxnSpPr>
+        <p:spPr>
+          <a:xfrm flipV="1">
+            <a:off x="1036320" y="3320415"/>
+            <a:ext cx="296545" cy="1905"/>
+          </a:xfrm>
+          <a:prstGeom prst="line">
+            <a:avLst/>
+          </a:prstGeom>
+          <a:ln w="19050">
+            <a:solidFill>
+              <a:srgbClr val="FF0000"/>
+            </a:solidFill>
+          </a:ln>
+        </p:spPr>
+        <p:style>
+          <a:lnRef idx="1">
+            <a:schemeClr val="accent1"/>
+          </a:lnRef>
+          <a:fillRef idx="0">
+            <a:schemeClr val="accent1"/>
+          </a:fillRef>
+          <a:effectRef idx="0">
+            <a:schemeClr val="accent1"/>
+          </a:effectRef>
+          <a:fontRef idx="minor">
+            <a:schemeClr val="tx1"/>
+          </a:fontRef>
+        </p:style>
+      </p:cxnSp>
+      <p:sp>
+        <p:nvSpPr>
+          <p:cNvPr id="39" name="Trapezoid 38"/>
+          <p:cNvSpPr/>
+          <p:nvPr/>
+        </p:nvSpPr>
+        <p:spPr>
+          <a:xfrm rot="5400000">
+            <a:off x="3763645" y="3342005"/>
+            <a:ext cx="391160" cy="114935"/>
+          </a:xfrm>
+          <a:prstGeom prst="trapezoid">
+            <a:avLst>
+              <a:gd name="adj" fmla="val 48565"/>
+            </a:avLst>
+          </a:prstGeom>
+          <a:ln>
+            <a:solidFill>
+              <a:srgbClr val="FF0000"/>
+            </a:solidFill>
+          </a:ln>
+        </p:spPr>
+        <p:style>
+          <a:lnRef idx="2">
+            <a:schemeClr val="dk1"/>
+          </a:lnRef>
+          <a:fillRef idx="1">
+            <a:schemeClr val="lt1"/>
+          </a:fillRef>
+          <a:effectRef idx="0">
+            <a:schemeClr val="dk1"/>
+          </a:effectRef>
+          <a:fontRef idx="minor">
+            <a:schemeClr val="dk1"/>
+          </a:fontRef>
+        </p:style>
+        <p:txBody>
+          <a:bodyPr rtlCol="0" anchor="ctr"/>
+          <a:p>
+            <a:pPr algn="ctr"/>
+            <a:endParaRPr lang="en-US"/>
+          </a:p>
+        </p:txBody>
+      </p:sp>
+      <p:cxnSp>
+        <p:nvCxnSpPr>
+          <p:cNvPr id="40" name="Straight Connector 39"/>
+          <p:cNvCxnSpPr/>
+          <p:nvPr/>
+        </p:nvCxnSpPr>
+        <p:spPr>
+          <a:xfrm>
+            <a:off x="3479800" y="3302000"/>
+            <a:ext cx="423545" cy="3810"/>
+          </a:xfrm>
+          <a:prstGeom prst="line">
+            <a:avLst/>
+          </a:prstGeom>
+          <a:ln w="19050">
+            <a:solidFill>
+              <a:srgbClr val="FF0000"/>
+            </a:solidFill>
+          </a:ln>
+        </p:spPr>
+        <p:style>
+          <a:lnRef idx="1">
+            <a:schemeClr val="accent1"/>
+          </a:lnRef>
+          <a:fillRef idx="0">
+            <a:schemeClr val="accent1"/>
+          </a:fillRef>
+          <a:effectRef idx="0">
+            <a:schemeClr val="accent1"/>
+          </a:effectRef>
+          <a:fontRef idx="minor">
+            <a:schemeClr val="tx1"/>
+          </a:fontRef>
+        </p:style>
+      </p:cxnSp>
+      <p:cxnSp>
+        <p:nvCxnSpPr>
+          <p:cNvPr id="44" name="Straight Connector 43"/>
+          <p:cNvCxnSpPr/>
+          <p:nvPr/>
+        </p:nvCxnSpPr>
+        <p:spPr>
+          <a:xfrm flipV="1">
+            <a:off x="3717290" y="3503295"/>
+            <a:ext cx="182880" cy="1270"/>
+          </a:xfrm>
+          <a:prstGeom prst="line">
+            <a:avLst/>
+          </a:prstGeom>
+          <a:ln w="19050">
+            <a:solidFill>
+              <a:schemeClr val="tx1"/>
+            </a:solidFill>
+          </a:ln>
+        </p:spPr>
+        <p:style>
+          <a:lnRef idx="1">
+            <a:schemeClr val="accent1"/>
+          </a:lnRef>
+          <a:fillRef idx="0">
+            <a:schemeClr val="accent1"/>
+          </a:fillRef>
+          <a:effectRef idx="0">
+            <a:schemeClr val="accent1"/>
+          </a:effectRef>
+          <a:fontRef idx="minor">
+            <a:schemeClr val="tx1"/>
+          </a:fontRef>
+        </p:style>
+      </p:cxnSp>
+      <p:sp>
+        <p:nvSpPr>
+          <p:cNvPr id="46" name="Text Box 45"/>
+          <p:cNvSpPr txBox="1"/>
+          <p:nvPr/>
+        </p:nvSpPr>
+        <p:spPr>
+          <a:xfrm>
+            <a:off x="3132455" y="2977515"/>
+            <a:ext cx="411480" cy="457200"/>
+          </a:xfrm>
+          <a:prstGeom prst="rect">
+            <a:avLst/>
+          </a:prstGeom>
+          <a:noFill/>
+        </p:spPr>
+        <p:txBody>
+          <a:bodyPr wrap="none" rtlCol="0">
+            <a:spAutoFit/>
+          </a:bodyPr>
+          <a:p>
+            <a:r>
+              <a:rPr lang="x-none" altLang="en-US" sz="1200">
+                <a:latin typeface="Ubuntu Mono" charset="0"/>
+              </a:rPr>
+              <a:t>rd1</a:t>
+            </a:r>
+            <a:endParaRPr lang="x-none" altLang="en-US" sz="1200">
+              <a:latin typeface="Ubuntu Mono" charset="0"/>
+            </a:endParaRPr>
+          </a:p>
+          <a:p>
+            <a:r>
+              <a:rPr lang="x-none" altLang="en-US" sz="1200">
+                <a:latin typeface="Ubuntu Mono" charset="0"/>
+              </a:rPr>
+              <a:t>rd2</a:t>
+            </a:r>
+            <a:endParaRPr lang="x-none" altLang="en-US" sz="1200">
+              <a:latin typeface="Ubuntu Mono" charset="0"/>
+            </a:endParaRPr>
+          </a:p>
+        </p:txBody>
+      </p:sp>
+    </p:spTree>
+  </p:cSld>
+  <p:clrMapOvr>
+    <a:masterClrMapping/>
+  </p:clrMapOvr>
+</p:sld>
+</file>
+
+<file path=ppt/slides/slide6.xml><?xml version="1.0" encoding="utf-8"?>
+<p:sld xmlns:a="http://schemas.openxmlformats.org/drawingml/2006/main" xmlns:r="http://schemas.openxmlformats.org/officeDocument/2006/relationships" xmlns:p="http://schemas.openxmlformats.org/presentationml/2006/main">
+  <p:cSld>
+    <p:spTree>
+      <p:nvGrpSpPr>
+        <p:cNvPr id="1" name=""/>
+        <p:cNvGrpSpPr/>
+        <p:nvPr/>
+      </p:nvGrpSpPr>
+      <p:grpSpPr/>
+      <p:sp>
+        <p:nvSpPr>
+          <p:cNvPr id="2" name="Title 1"/>
+          <p:cNvSpPr>
+            <a:spLocks noGrp="1"/>
+          </p:cNvSpPr>
+          <p:nvPr>
+            <p:ph type="title"/>
+          </p:nvPr>
+        </p:nvSpPr>
+        <p:spPr/>
+        <p:txBody>
+          <a:bodyPr/>
+          <a:p>
+            <a:endParaRPr lang="en-US"/>
+          </a:p>
+        </p:txBody>
+      </p:sp>
+      <p:sp>
+        <p:nvSpPr>
+          <p:cNvPr id="5" name="Rectangle 4"/>
+          <p:cNvSpPr/>
+          <p:nvPr/>
+        </p:nvSpPr>
+        <p:spPr>
+          <a:xfrm>
+            <a:off x="4350385" y="3001645"/>
+            <a:ext cx="1508125" cy="1352550"/>
+          </a:xfrm>
+          <a:prstGeom prst="rect">
+            <a:avLst/>
+          </a:prstGeom>
+          <a:ln w="19050"/>
+        </p:spPr>
+        <p:style>
+          <a:lnRef idx="2">
+            <a:schemeClr val="dk1"/>
+          </a:lnRef>
+          <a:fillRef idx="1">
+            <a:schemeClr val="lt1"/>
+          </a:fillRef>
+          <a:effectRef idx="0">
+            <a:schemeClr val="dk1"/>
+          </a:effectRef>
+          <a:fontRef idx="minor">
+            <a:schemeClr val="dk1"/>
+          </a:fontRef>
+        </p:style>
+        <p:txBody>
+          <a:bodyPr rtlCol="0" anchor="ctr"/>
+          <a:p>
+            <a:pPr algn="l"/>
+            <a:r>
+              <a:rPr lang="x-none" altLang="en-US" sz="1600">
+                <a:latin typeface="Ubuntu Mono" charset="0"/>
+              </a:rPr>
+              <a:t> </a:t>
+            </a:r>
+            <a:endParaRPr lang="x-none" altLang="en-US" sz="1600">
+              <a:latin typeface="Ubuntu Mono" charset="0"/>
+            </a:endParaRPr>
+          </a:p>
+          <a:p>
+            <a:pPr algn="l"/>
+            <a:r>
+              <a:rPr lang="x-none" altLang="en-US" sz="1600">
+                <a:latin typeface="Ubuntu Mono" charset="0"/>
+              </a:rPr>
+              <a:t> ALU</a:t>
+            </a:r>
+            <a:endParaRPr lang="x-none" altLang="en-US" sz="1600">
+              <a:latin typeface="Ubuntu Mono" charset="0"/>
+            </a:endParaRPr>
+          </a:p>
+        </p:txBody>
+      </p:sp>
+      <p:sp>
+        <p:nvSpPr>
+          <p:cNvPr id="6" name="Trapezoid 5"/>
+          <p:cNvSpPr/>
+          <p:nvPr/>
+        </p:nvSpPr>
+        <p:spPr>
+          <a:xfrm rot="5400000">
+            <a:off x="4740910" y="3579495"/>
+            <a:ext cx="1188720" cy="187960"/>
+          </a:xfrm>
+          <a:prstGeom prst="trapezoid">
+            <a:avLst>
+              <a:gd name="adj" fmla="val 48565"/>
+            </a:avLst>
+          </a:prstGeom>
+          <a:ln>
+            <a:solidFill>
+              <a:schemeClr val="tx1"/>
+            </a:solidFill>
+          </a:ln>
+        </p:spPr>
+        <p:style>
+          <a:lnRef idx="2">
+            <a:schemeClr val="dk1"/>
+          </a:lnRef>
+          <a:fillRef idx="1">
+            <a:schemeClr val="lt1"/>
+          </a:fillRef>
+          <a:effectRef idx="0">
+            <a:schemeClr val="dk1"/>
+          </a:effectRef>
+          <a:fontRef idx="minor">
+            <a:schemeClr val="dk1"/>
+          </a:fontRef>
+        </p:style>
+        <p:txBody>
+          <a:bodyPr rtlCol="0" anchor="ctr"/>
+          <a:p>
+            <a:pPr algn="ctr"/>
+            <a:endParaRPr lang="en-US"/>
+          </a:p>
+        </p:txBody>
+      </p:sp>
+      <p:cxnSp>
+        <p:nvCxnSpPr>
+          <p:cNvPr id="7" name="Straight Connector 6"/>
+          <p:cNvCxnSpPr>
+            <a:endCxn id="6" idx="1"/>
+          </p:cNvCxnSpPr>
+          <p:nvPr/>
+        </p:nvCxnSpPr>
+        <p:spPr>
+          <a:xfrm flipH="1">
+            <a:off x="5342890" y="2882265"/>
+            <a:ext cx="5080" cy="242570"/>
+          </a:xfrm>
+          <a:prstGeom prst="line">
+            <a:avLst/>
+          </a:prstGeom>
+          <a:ln w="12700">
+            <a:solidFill>
+              <a:schemeClr val="tx1"/>
+            </a:solidFill>
+          </a:ln>
+        </p:spPr>
+        <p:style>
+          <a:lnRef idx="1">
+            <a:schemeClr val="accent1"/>
+          </a:lnRef>
+          <a:fillRef idx="0">
+            <a:schemeClr val="accent1"/>
+          </a:fillRef>
+          <a:effectRef idx="0">
+            <a:schemeClr val="accent1"/>
+          </a:effectRef>
+          <a:fontRef idx="minor">
+            <a:schemeClr val="tx1"/>
+          </a:fontRef>
+        </p:style>
+      </p:cxnSp>
+      <p:cxnSp>
+        <p:nvCxnSpPr>
+          <p:cNvPr id="8" name="Straight Connector 7"/>
+          <p:cNvCxnSpPr>
+            <a:stCxn id="24" idx="6"/>
+          </p:cNvCxnSpPr>
+          <p:nvPr/>
+        </p:nvCxnSpPr>
+        <p:spPr>
+          <a:xfrm>
+            <a:off x="4967605" y="3228975"/>
+            <a:ext cx="270510" cy="635"/>
+          </a:xfrm>
+          <a:prstGeom prst="line">
+            <a:avLst/>
+          </a:prstGeom>
+          <a:ln w="19050">
+            <a:solidFill>
+              <a:schemeClr val="tx1"/>
+            </a:solidFill>
+          </a:ln>
+        </p:spPr>
+        <p:style>
+          <a:lnRef idx="1">
+            <a:schemeClr val="accent1"/>
+          </a:lnRef>
+          <a:fillRef idx="0">
+            <a:schemeClr val="accent1"/>
+          </a:fillRef>
+          <a:effectRef idx="0">
+            <a:schemeClr val="accent1"/>
+          </a:effectRef>
+          <a:fontRef idx="minor">
+            <a:schemeClr val="tx1"/>
+          </a:fontRef>
+        </p:style>
+      </p:cxnSp>
+      <p:cxnSp>
+        <p:nvCxnSpPr>
+          <p:cNvPr id="9" name="Straight Connector 8"/>
+          <p:cNvCxnSpPr/>
+          <p:nvPr/>
+        </p:nvCxnSpPr>
+        <p:spPr>
+          <a:xfrm>
+            <a:off x="5067300" y="3356610"/>
+            <a:ext cx="170815" cy="0"/>
+          </a:xfrm>
+          <a:prstGeom prst="line">
+            <a:avLst/>
+          </a:prstGeom>
+          <a:ln w="19050">
+            <a:solidFill>
+              <a:schemeClr val="tx1"/>
+            </a:solidFill>
+          </a:ln>
+        </p:spPr>
+        <p:style>
+          <a:lnRef idx="1">
+            <a:schemeClr val="accent1"/>
+          </a:lnRef>
+          <a:fillRef idx="0">
+            <a:schemeClr val="accent1"/>
+          </a:fillRef>
+          <a:effectRef idx="0">
+            <a:schemeClr val="accent1"/>
+          </a:effectRef>
+          <a:fontRef idx="minor">
+            <a:schemeClr val="tx1"/>
+          </a:fontRef>
+        </p:style>
+      </p:cxnSp>
+      <p:cxnSp>
+        <p:nvCxnSpPr>
+          <p:cNvPr id="10" name="Straight Connector 9"/>
+          <p:cNvCxnSpPr/>
+          <p:nvPr/>
+        </p:nvCxnSpPr>
+        <p:spPr>
+          <a:xfrm>
+            <a:off x="5067300" y="3483610"/>
+            <a:ext cx="170815" cy="0"/>
+          </a:xfrm>
+          <a:prstGeom prst="line">
+            <a:avLst/>
+          </a:prstGeom>
+          <a:ln w="19050">
+            <a:solidFill>
+              <a:schemeClr val="tx1"/>
+            </a:solidFill>
+          </a:ln>
+        </p:spPr>
+        <p:style>
+          <a:lnRef idx="1">
+            <a:schemeClr val="accent1"/>
+          </a:lnRef>
+          <a:fillRef idx="0">
+            <a:schemeClr val="accent1"/>
+          </a:fillRef>
+          <a:effectRef idx="0">
+            <a:schemeClr val="accent1"/>
+          </a:effectRef>
+          <a:fontRef idx="minor">
+            <a:schemeClr val="tx1"/>
+          </a:fontRef>
+        </p:style>
+      </p:cxnSp>
+      <p:cxnSp>
+        <p:nvCxnSpPr>
+          <p:cNvPr id="11" name="Straight Connector 10"/>
+          <p:cNvCxnSpPr/>
+          <p:nvPr/>
+        </p:nvCxnSpPr>
+        <p:spPr>
+          <a:xfrm>
+            <a:off x="5067300" y="3610610"/>
+            <a:ext cx="170815" cy="0"/>
+          </a:xfrm>
+          <a:prstGeom prst="line">
+            <a:avLst/>
+          </a:prstGeom>
+          <a:ln w="19050">
+            <a:solidFill>
+              <a:schemeClr val="tx1"/>
+            </a:solidFill>
+          </a:ln>
+        </p:spPr>
+        <p:style>
+          <a:lnRef idx="1">
+            <a:schemeClr val="accent1"/>
+          </a:lnRef>
+          <a:fillRef idx="0">
+            <a:schemeClr val="accent1"/>
+          </a:fillRef>
+          <a:effectRef idx="0">
+            <a:schemeClr val="accent1"/>
+          </a:effectRef>
+          <a:fontRef idx="minor">
+            <a:schemeClr val="tx1"/>
+          </a:fontRef>
+        </p:style>
+      </p:cxnSp>
+      <p:cxnSp>
+        <p:nvCxnSpPr>
+          <p:cNvPr id="12" name="Straight Connector 11"/>
+          <p:cNvCxnSpPr/>
+          <p:nvPr/>
+        </p:nvCxnSpPr>
+        <p:spPr>
+          <a:xfrm>
+            <a:off x="5067300" y="3737610"/>
+            <a:ext cx="170815" cy="0"/>
+          </a:xfrm>
+          <a:prstGeom prst="line">
+            <a:avLst/>
+          </a:prstGeom>
+          <a:ln w="19050">
+            <a:solidFill>
+              <a:schemeClr val="tx1"/>
+            </a:solidFill>
+          </a:ln>
+        </p:spPr>
+        <p:style>
+          <a:lnRef idx="1">
+            <a:schemeClr val="accent1"/>
+          </a:lnRef>
+          <a:fillRef idx="0">
+            <a:schemeClr val="accent1"/>
+          </a:fillRef>
+          <a:effectRef idx="0">
+            <a:schemeClr val="accent1"/>
+          </a:effectRef>
+          <a:fontRef idx="minor">
+            <a:schemeClr val="tx1"/>
+          </a:fontRef>
+        </p:style>
+      </p:cxnSp>
+      <p:cxnSp>
+        <p:nvCxnSpPr>
+          <p:cNvPr id="13" name="Straight Connector 12"/>
+          <p:cNvCxnSpPr/>
+          <p:nvPr/>
+        </p:nvCxnSpPr>
+        <p:spPr>
+          <a:xfrm>
+            <a:off x="5067300" y="3864610"/>
+            <a:ext cx="170815" cy="0"/>
+          </a:xfrm>
+          <a:prstGeom prst="line">
+            <a:avLst/>
+          </a:prstGeom>
+          <a:ln w="19050">
+            <a:solidFill>
+              <a:schemeClr val="tx1"/>
+            </a:solidFill>
+          </a:ln>
+        </p:spPr>
+        <p:style>
+          <a:lnRef idx="1">
+            <a:schemeClr val="accent1"/>
+          </a:lnRef>
+          <a:fillRef idx="0">
+            <a:schemeClr val="accent1"/>
+          </a:fillRef>
+          <a:effectRef idx="0">
+            <a:schemeClr val="accent1"/>
+          </a:effectRef>
+          <a:fontRef idx="minor">
+            <a:schemeClr val="tx1"/>
+          </a:fontRef>
+        </p:style>
+      </p:cxnSp>
+      <p:cxnSp>
+        <p:nvCxnSpPr>
+          <p:cNvPr id="14" name="Straight Connector 13"/>
+          <p:cNvCxnSpPr/>
+          <p:nvPr/>
+        </p:nvCxnSpPr>
+        <p:spPr>
+          <a:xfrm>
+            <a:off x="5067300" y="3991610"/>
+            <a:ext cx="170815" cy="0"/>
+          </a:xfrm>
+          <a:prstGeom prst="line">
+            <a:avLst/>
+          </a:prstGeom>
+          <a:ln w="19050">
+            <a:solidFill>
+              <a:schemeClr val="tx1"/>
+            </a:solidFill>
+          </a:ln>
+        </p:spPr>
+        <p:style>
+          <a:lnRef idx="1">
+            <a:schemeClr val="accent1"/>
+          </a:lnRef>
+          <a:fillRef idx="0">
+            <a:schemeClr val="accent1"/>
+          </a:fillRef>
+          <a:effectRef idx="0">
+            <a:schemeClr val="accent1"/>
+          </a:effectRef>
+          <a:fontRef idx="minor">
+            <a:schemeClr val="tx1"/>
+          </a:fontRef>
+        </p:style>
+      </p:cxnSp>
+      <p:cxnSp>
+        <p:nvCxnSpPr>
+          <p:cNvPr id="15" name="Straight Connector 14"/>
+          <p:cNvCxnSpPr/>
+          <p:nvPr/>
+        </p:nvCxnSpPr>
+        <p:spPr>
+          <a:xfrm>
+            <a:off x="5067300" y="4118610"/>
+            <a:ext cx="170815" cy="0"/>
+          </a:xfrm>
+          <a:prstGeom prst="line">
+            <a:avLst/>
+          </a:prstGeom>
+          <a:ln w="19050">
+            <a:solidFill>
+              <a:schemeClr val="tx1"/>
+            </a:solidFill>
+          </a:ln>
+        </p:spPr>
+        <p:style>
+          <a:lnRef idx="1">
+            <a:schemeClr val="accent1"/>
+          </a:lnRef>
+          <a:fillRef idx="0">
+            <a:schemeClr val="accent1"/>
+          </a:fillRef>
+          <a:effectRef idx="0">
+            <a:schemeClr val="accent1"/>
+          </a:effectRef>
+          <a:fontRef idx="minor">
+            <a:schemeClr val="tx1"/>
+          </a:fontRef>
+        </p:style>
+      </p:cxnSp>
+      <p:sp>
+        <p:nvSpPr>
+          <p:cNvPr id="16" name="Rectangle 15"/>
+          <p:cNvSpPr/>
+          <p:nvPr/>
+        </p:nvSpPr>
+        <p:spPr>
+          <a:xfrm>
+            <a:off x="6322060" y="3517265"/>
+            <a:ext cx="871855" cy="700405"/>
+          </a:xfrm>
+          <a:prstGeom prst="rect">
+            <a:avLst/>
+          </a:prstGeom>
+          <a:ln w="19050"/>
+        </p:spPr>
+        <p:style>
+          <a:lnRef idx="2">
+            <a:schemeClr val="dk1"/>
+          </a:lnRef>
+          <a:fillRef idx="1">
+            <a:schemeClr val="lt1"/>
+          </a:fillRef>
+          <a:effectRef idx="0">
+            <a:schemeClr val="dk1"/>
+          </a:effectRef>
+          <a:fontRef idx="minor">
+            <a:schemeClr val="dk1"/>
+          </a:fontRef>
+        </p:style>
+        <p:txBody>
+          <a:bodyPr rtlCol="0" anchor="ctr"/>
+          <a:p>
+            <a:pPr algn="ctr"/>
+            <a:endParaRPr lang="en-US"/>
+          </a:p>
+        </p:txBody>
+      </p:sp>
+      <p:sp>
+        <p:nvSpPr>
+          <p:cNvPr id="17" name="Rectangle 16"/>
+          <p:cNvSpPr/>
+          <p:nvPr/>
+        </p:nvSpPr>
+        <p:spPr>
+          <a:xfrm>
+            <a:off x="2818765" y="3001645"/>
+            <a:ext cx="661035" cy="1369060"/>
+          </a:xfrm>
+          <a:prstGeom prst="rect">
+            <a:avLst/>
+          </a:prstGeom>
+          <a:ln w="19050"/>
+        </p:spPr>
+        <p:style>
+          <a:lnRef idx="2">
+            <a:schemeClr val="dk1"/>
+          </a:lnRef>
+          <a:fillRef idx="1">
+            <a:schemeClr val="lt1"/>
+          </a:fillRef>
+          <a:effectRef idx="0">
+            <a:schemeClr val="dk1"/>
+          </a:effectRef>
+          <a:fontRef idx="minor">
+            <a:schemeClr val="dk1"/>
+          </a:fontRef>
+        </p:style>
+        <p:txBody>
+          <a:bodyPr rtlCol="0" anchor="ctr"/>
+          <a:p>
+            <a:pPr algn="ctr"/>
+            <a:r>
+              <a:rPr lang="x-none" altLang="en-US" sz="900">
+                <a:latin typeface="Ubuntu Mono" charset="0"/>
+              </a:rPr>
+              <a:t>reg_file</a:t>
+            </a:r>
+            <a:endParaRPr lang="x-none" altLang="en-US" sz="900">
+              <a:latin typeface="Ubuntu Mono" charset="0"/>
+            </a:endParaRPr>
+          </a:p>
+        </p:txBody>
+      </p:sp>
+      <p:sp>
+        <p:nvSpPr>
+          <p:cNvPr id="18" name="Rectangle 17"/>
+          <p:cNvSpPr/>
+          <p:nvPr/>
+        </p:nvSpPr>
+        <p:spPr>
+          <a:xfrm>
+            <a:off x="1326515" y="2987675"/>
+            <a:ext cx="1024890" cy="862965"/>
+          </a:xfrm>
+          <a:prstGeom prst="rect">
+            <a:avLst/>
+          </a:prstGeom>
+          <a:ln w="19050"/>
+        </p:spPr>
+        <p:style>
+          <a:lnRef idx="2">
+            <a:schemeClr val="dk1"/>
+          </a:lnRef>
+          <a:fillRef idx="1">
+            <a:schemeClr val="lt1"/>
+          </a:fillRef>
+          <a:effectRef idx="0">
+            <a:schemeClr val="dk1"/>
+          </a:effectRef>
+          <a:fontRef idx="minor">
+            <a:schemeClr val="dk1"/>
+          </a:fontRef>
+        </p:style>
+        <p:txBody>
+          <a:bodyPr rtlCol="0" anchor="ctr"/>
+          <a:p>
+            <a:pPr algn="ctr"/>
+            <a:r>
+              <a:rPr lang="x-none" altLang="en-US" sz="1200">
+                <a:latin typeface="Ubuntu Mono" charset="0"/>
+              </a:rPr>
+              <a:t>Instruction memory</a:t>
+            </a:r>
+            <a:endParaRPr lang="x-none" altLang="en-US" sz="1200">
+              <a:latin typeface="Ubuntu Mono" charset="0"/>
+            </a:endParaRPr>
+          </a:p>
+        </p:txBody>
+      </p:sp>
+      <p:sp>
+        <p:nvSpPr>
+          <p:cNvPr id="19" name="Rectangle 18"/>
+          <p:cNvSpPr/>
+          <p:nvPr/>
+        </p:nvSpPr>
+        <p:spPr>
+          <a:xfrm>
+            <a:off x="630555" y="2992755"/>
+            <a:ext cx="398145" cy="627380"/>
+          </a:xfrm>
+          <a:prstGeom prst="rect">
+            <a:avLst/>
+          </a:prstGeom>
+          <a:ln w="19050"/>
+        </p:spPr>
+        <p:style>
+          <a:lnRef idx="2">
+            <a:schemeClr val="dk1"/>
+          </a:lnRef>
+          <a:fillRef idx="1">
+            <a:schemeClr val="lt1"/>
+          </a:fillRef>
+          <a:effectRef idx="0">
+            <a:schemeClr val="dk1"/>
+          </a:effectRef>
+          <a:fontRef idx="minor">
+            <a:schemeClr val="dk1"/>
+          </a:fontRef>
+        </p:style>
+        <p:txBody>
+          <a:bodyPr rtlCol="0" anchor="ctr"/>
+          <a:p>
+            <a:pPr algn="ctr"/>
+            <a:r>
+              <a:rPr lang="x-none" altLang="en-US" sz="1400">
+                <a:latin typeface="Ubuntu Mono" charset="0"/>
+              </a:rPr>
+              <a:t>PC</a:t>
+            </a:r>
+            <a:endParaRPr lang="x-none" altLang="en-US" sz="1400">
+              <a:latin typeface="Ubuntu Mono" charset="0"/>
+            </a:endParaRPr>
+          </a:p>
+        </p:txBody>
+      </p:sp>
+      <p:cxnSp>
+        <p:nvCxnSpPr>
+          <p:cNvPr id="20" name="Straight Connector 19"/>
+          <p:cNvCxnSpPr/>
+          <p:nvPr/>
+        </p:nvCxnSpPr>
+        <p:spPr>
+          <a:xfrm flipV="1">
+            <a:off x="5436870" y="3672840"/>
+            <a:ext cx="518160" cy="635"/>
+          </a:xfrm>
+          <a:prstGeom prst="line">
+            <a:avLst/>
+          </a:prstGeom>
+          <a:ln w="19050">
+            <a:solidFill>
+              <a:schemeClr val="tx1"/>
+            </a:solidFill>
+          </a:ln>
+        </p:spPr>
+        <p:style>
+          <a:lnRef idx="1">
+            <a:schemeClr val="accent1"/>
+          </a:lnRef>
+          <a:fillRef idx="0">
+            <a:schemeClr val="accent1"/>
+          </a:fillRef>
+          <a:effectRef idx="0">
+            <a:schemeClr val="accent1"/>
+          </a:effectRef>
+          <a:fontRef idx="minor">
+            <a:schemeClr val="tx1"/>
+          </a:fontRef>
+        </p:style>
+      </p:cxnSp>
+      <p:cxnSp>
+        <p:nvCxnSpPr>
+          <p:cNvPr id="21" name="Straight Connector 20"/>
+          <p:cNvCxnSpPr/>
+          <p:nvPr/>
+        </p:nvCxnSpPr>
+        <p:spPr>
+          <a:xfrm>
+            <a:off x="7351395" y="4055745"/>
+            <a:ext cx="0" cy="586740"/>
+          </a:xfrm>
+          <a:prstGeom prst="line">
+            <a:avLst/>
+          </a:prstGeom>
+          <a:ln w="19050">
+            <a:solidFill>
+              <a:srgbClr val="FF0000"/>
+            </a:solidFill>
+          </a:ln>
+        </p:spPr>
+        <p:style>
+          <a:lnRef idx="1">
+            <a:schemeClr val="accent1"/>
+          </a:lnRef>
+          <a:fillRef idx="0">
+            <a:schemeClr val="accent1"/>
+          </a:fillRef>
+          <a:effectRef idx="0">
+            <a:schemeClr val="accent1"/>
+          </a:effectRef>
+          <a:fontRef idx="minor">
+            <a:schemeClr val="tx1"/>
+          </a:fontRef>
+        </p:style>
+      </p:cxnSp>
+      <p:cxnSp>
+        <p:nvCxnSpPr>
+          <p:cNvPr id="22" name="Straight Connector 21"/>
+          <p:cNvCxnSpPr>
+            <a:endCxn id="24" idx="1"/>
+          </p:cNvCxnSpPr>
+          <p:nvPr/>
+        </p:nvCxnSpPr>
+        <p:spPr>
+          <a:xfrm flipV="1">
+            <a:off x="3486150" y="3110865"/>
+            <a:ext cx="1196340" cy="1270"/>
+          </a:xfrm>
+          <a:prstGeom prst="line">
+            <a:avLst/>
+          </a:prstGeom>
+          <a:ln w="19050">
+            <a:solidFill>
+              <a:schemeClr val="tx1"/>
+            </a:solidFill>
+          </a:ln>
+        </p:spPr>
+        <p:style>
+          <a:lnRef idx="1">
+            <a:schemeClr val="accent1"/>
+          </a:lnRef>
+          <a:fillRef idx="0">
+            <a:schemeClr val="accent1"/>
+          </a:fillRef>
+          <a:effectRef idx="0">
+            <a:schemeClr val="accent1"/>
+          </a:effectRef>
+          <a:fontRef idx="minor">
+            <a:schemeClr val="tx1"/>
+          </a:fontRef>
+        </p:style>
+      </p:cxnSp>
+      <p:cxnSp>
+        <p:nvCxnSpPr>
+          <p:cNvPr id="23" name="Straight Connector 22"/>
+          <p:cNvCxnSpPr>
+            <a:endCxn id="24" idx="3"/>
+          </p:cNvCxnSpPr>
+          <p:nvPr/>
+        </p:nvCxnSpPr>
+        <p:spPr>
+          <a:xfrm flipV="1">
+            <a:off x="4012565" y="3347085"/>
+            <a:ext cx="669925" cy="7620"/>
+          </a:xfrm>
+          <a:prstGeom prst="line">
+            <a:avLst/>
+          </a:prstGeom>
+          <a:ln w="19050">
+            <a:solidFill>
+              <a:schemeClr val="tx1"/>
+            </a:solidFill>
+          </a:ln>
+        </p:spPr>
+        <p:style>
+          <a:lnRef idx="1">
+            <a:schemeClr val="accent1"/>
+          </a:lnRef>
+          <a:fillRef idx="0">
+            <a:schemeClr val="accent1"/>
+          </a:fillRef>
+          <a:effectRef idx="0">
+            <a:schemeClr val="accent1"/>
+          </a:effectRef>
+          <a:fontRef idx="minor">
+            <a:schemeClr val="tx1"/>
+          </a:fontRef>
+        </p:style>
+      </p:cxnSp>
+      <p:sp>
+        <p:nvSpPr>
+          <p:cNvPr id="24" name="Oval 23"/>
+          <p:cNvSpPr/>
+          <p:nvPr/>
+        </p:nvSpPr>
+        <p:spPr>
+          <a:xfrm>
+            <a:off x="4633595" y="3061970"/>
+            <a:ext cx="334010" cy="334010"/>
+          </a:xfrm>
+          <a:prstGeom prst="ellipse">
+            <a:avLst/>
+          </a:prstGeom>
+          <a:ln>
+            <a:solidFill>
+              <a:schemeClr val="tx1"/>
+            </a:solidFill>
+          </a:ln>
+        </p:spPr>
+        <p:style>
+          <a:lnRef idx="2">
+            <a:schemeClr val="dk1"/>
+          </a:lnRef>
+          <a:fillRef idx="1">
+            <a:schemeClr val="lt1"/>
+          </a:fillRef>
+          <a:effectRef idx="0">
+            <a:schemeClr val="dk1"/>
+          </a:effectRef>
+          <a:fontRef idx="minor">
+            <a:schemeClr val="dk1"/>
+          </a:fontRef>
+        </p:style>
+        <p:txBody>
+          <a:bodyPr rtlCol="0" anchor="ctr"/>
+          <a:p>
+            <a:pPr algn="ctr"/>
+            <a:r>
+              <a:rPr lang="x-none" altLang="en-US">
+                <a:solidFill>
+                  <a:schemeClr val="tx1"/>
+                </a:solidFill>
+              </a:rPr>
+              <a:t>+</a:t>
+            </a:r>
+            <a:endParaRPr lang="x-none" altLang="en-US">
+              <a:solidFill>
+                <a:schemeClr val="tx1"/>
+              </a:solidFill>
+            </a:endParaRPr>
+          </a:p>
+        </p:txBody>
+      </p:sp>
+      <p:sp>
+        <p:nvSpPr>
+          <p:cNvPr id="25" name="Text Box 24"/>
+          <p:cNvSpPr txBox="1"/>
+          <p:nvPr/>
+        </p:nvSpPr>
+        <p:spPr>
+          <a:xfrm>
+            <a:off x="3132455" y="2977515"/>
+            <a:ext cx="411480" cy="457200"/>
+          </a:xfrm>
+          <a:prstGeom prst="rect">
+            <a:avLst/>
+          </a:prstGeom>
+          <a:noFill/>
+        </p:spPr>
+        <p:txBody>
+          <a:bodyPr wrap="none" rtlCol="0">
+            <a:spAutoFit/>
+          </a:bodyPr>
+          <a:p>
+            <a:r>
+              <a:rPr lang="x-none" altLang="en-US" sz="1200">
+                <a:latin typeface="Ubuntu Mono" charset="0"/>
+              </a:rPr>
+              <a:t>rd1</a:t>
+            </a:r>
+            <a:endParaRPr lang="x-none" altLang="en-US" sz="1200">
+              <a:latin typeface="Ubuntu Mono" charset="0"/>
+            </a:endParaRPr>
+          </a:p>
+          <a:p>
+            <a:r>
+              <a:rPr lang="x-none" altLang="en-US" sz="1200">
+                <a:latin typeface="Ubuntu Mono" charset="0"/>
+              </a:rPr>
+              <a:t>rd2</a:t>
+            </a:r>
+            <a:endParaRPr lang="x-none" altLang="en-US" sz="1200">
+              <a:latin typeface="Ubuntu Mono" charset="0"/>
+            </a:endParaRPr>
+          </a:p>
+        </p:txBody>
+      </p:sp>
+      <p:sp>
+        <p:nvSpPr>
+          <p:cNvPr id="27" name="Text Box 26"/>
+          <p:cNvSpPr txBox="1"/>
+          <p:nvPr/>
+        </p:nvSpPr>
+        <p:spPr>
+          <a:xfrm>
+            <a:off x="2807335" y="4011295"/>
+            <a:ext cx="335280" cy="274320"/>
+          </a:xfrm>
+          <a:prstGeom prst="rect">
+            <a:avLst/>
+          </a:prstGeom>
+          <a:noFill/>
+        </p:spPr>
+        <p:txBody>
+          <a:bodyPr wrap="none" rtlCol="0">
+            <a:spAutoFit/>
+          </a:bodyPr>
+          <a:p>
+            <a:r>
+              <a:rPr lang="x-none" altLang="en-US" sz="1200">
+                <a:latin typeface="Ubuntu Mono" charset="0"/>
+              </a:rPr>
+              <a:t>wd</a:t>
+            </a:r>
+            <a:endParaRPr lang="x-none" altLang="en-US" sz="1200">
+              <a:latin typeface="Ubuntu Mono" charset="0"/>
+            </a:endParaRPr>
+          </a:p>
+        </p:txBody>
+      </p:sp>
+      <p:sp>
+        <p:nvSpPr>
+          <p:cNvPr id="28" name="Text Box 27"/>
+          <p:cNvSpPr txBox="1"/>
+          <p:nvPr/>
+        </p:nvSpPr>
+        <p:spPr>
+          <a:xfrm>
+            <a:off x="6311265" y="3543935"/>
+            <a:ext cx="487680" cy="274320"/>
+          </a:xfrm>
+          <a:prstGeom prst="rect">
+            <a:avLst/>
+          </a:prstGeom>
+          <a:noFill/>
+        </p:spPr>
+        <p:txBody>
+          <a:bodyPr wrap="none" rtlCol="0">
+            <a:spAutoFit/>
+          </a:bodyPr>
+          <a:p>
+            <a:r>
+              <a:rPr lang="x-none" altLang="en-US" sz="1200">
+                <a:latin typeface="Ubuntu Mono" charset="0"/>
+              </a:rPr>
+              <a:t>addr</a:t>
+            </a:r>
+            <a:endParaRPr lang="x-none" altLang="en-US" sz="1200">
+              <a:latin typeface="Ubuntu Mono" charset="0"/>
+            </a:endParaRPr>
+          </a:p>
+        </p:txBody>
+      </p:sp>
+      <p:sp>
+        <p:nvSpPr>
+          <p:cNvPr id="29" name="Text Box 28"/>
+          <p:cNvSpPr txBox="1"/>
+          <p:nvPr/>
+        </p:nvSpPr>
+        <p:spPr>
+          <a:xfrm>
+            <a:off x="6764020" y="3923030"/>
+            <a:ext cx="487680" cy="274320"/>
+          </a:xfrm>
+          <a:prstGeom prst="rect">
+            <a:avLst/>
+          </a:prstGeom>
+          <a:noFill/>
+        </p:spPr>
+        <p:txBody>
+          <a:bodyPr wrap="none" rtlCol="0">
+            <a:spAutoFit/>
+          </a:bodyPr>
+          <a:p>
+            <a:r>
+              <a:rPr lang="x-none" altLang="en-US" sz="1200">
+                <a:latin typeface="Ubuntu Mono" charset="0"/>
+              </a:rPr>
+              <a:t>data</a:t>
+            </a:r>
+            <a:endParaRPr lang="x-none" altLang="en-US" sz="1200">
+              <a:latin typeface="Ubuntu Mono" charset="0"/>
+            </a:endParaRPr>
+          </a:p>
+        </p:txBody>
+      </p:sp>
+      <p:cxnSp>
+        <p:nvCxnSpPr>
+          <p:cNvPr id="30" name="Straight Connector 29"/>
+          <p:cNvCxnSpPr/>
+          <p:nvPr/>
+        </p:nvCxnSpPr>
+        <p:spPr>
+          <a:xfrm>
+            <a:off x="7206615" y="4063365"/>
+            <a:ext cx="135255" cy="5715"/>
+          </a:xfrm>
+          <a:prstGeom prst="line">
+            <a:avLst/>
+          </a:prstGeom>
+          <a:ln w="19050">
+            <a:solidFill>
+              <a:srgbClr val="FF0000"/>
+            </a:solidFill>
+          </a:ln>
+        </p:spPr>
+        <p:style>
+          <a:lnRef idx="1">
+            <a:schemeClr val="accent1"/>
+          </a:lnRef>
+          <a:fillRef idx="0">
+            <a:schemeClr val="accent1"/>
+          </a:fillRef>
+          <a:effectRef idx="0">
+            <a:schemeClr val="accent1"/>
+          </a:effectRef>
+          <a:fontRef idx="minor">
+            <a:schemeClr val="tx1"/>
+          </a:fontRef>
+        </p:style>
+      </p:cxnSp>
+      <p:cxnSp>
+        <p:nvCxnSpPr>
+          <p:cNvPr id="31" name="Straight Connector 30"/>
+          <p:cNvCxnSpPr/>
+          <p:nvPr/>
+        </p:nvCxnSpPr>
+        <p:spPr>
+          <a:xfrm flipV="1">
+            <a:off x="2426970" y="4632960"/>
+            <a:ext cx="4941570" cy="8255"/>
+          </a:xfrm>
+          <a:prstGeom prst="line">
+            <a:avLst/>
+          </a:prstGeom>
+          <a:ln w="19050">
+            <a:solidFill>
+              <a:srgbClr val="FF0000"/>
+            </a:solidFill>
+          </a:ln>
+        </p:spPr>
+        <p:style>
+          <a:lnRef idx="1">
+            <a:schemeClr val="accent1"/>
+          </a:lnRef>
+          <a:fillRef idx="0">
+            <a:schemeClr val="accent1"/>
+          </a:fillRef>
+          <a:effectRef idx="0">
+            <a:schemeClr val="accent1"/>
+          </a:effectRef>
+          <a:fontRef idx="minor">
+            <a:schemeClr val="tx1"/>
+          </a:fontRef>
+        </p:style>
+      </p:cxnSp>
+      <p:cxnSp>
+        <p:nvCxnSpPr>
+          <p:cNvPr id="32" name="Straight Connector 31"/>
+          <p:cNvCxnSpPr/>
+          <p:nvPr/>
+        </p:nvCxnSpPr>
+        <p:spPr>
+          <a:xfrm>
+            <a:off x="2421255" y="4148455"/>
+            <a:ext cx="0" cy="497205"/>
+          </a:xfrm>
+          <a:prstGeom prst="line">
+            <a:avLst/>
+          </a:prstGeom>
+          <a:ln w="19050">
+            <a:solidFill>
+              <a:srgbClr val="FF0000"/>
+            </a:solidFill>
+          </a:ln>
+        </p:spPr>
+        <p:style>
+          <a:lnRef idx="1">
+            <a:schemeClr val="accent1"/>
+          </a:lnRef>
+          <a:fillRef idx="0">
+            <a:schemeClr val="accent1"/>
+          </a:fillRef>
+          <a:effectRef idx="0">
+            <a:schemeClr val="accent1"/>
+          </a:effectRef>
+          <a:fontRef idx="minor">
+            <a:schemeClr val="tx1"/>
+          </a:fontRef>
+        </p:style>
+      </p:cxnSp>
+      <p:cxnSp>
+        <p:nvCxnSpPr>
+          <p:cNvPr id="33" name="Straight Connector 32"/>
+          <p:cNvCxnSpPr/>
+          <p:nvPr/>
+        </p:nvCxnSpPr>
+        <p:spPr>
+          <a:xfrm flipV="1">
+            <a:off x="2414270" y="4154170"/>
+            <a:ext cx="414020" cy="1270"/>
+          </a:xfrm>
+          <a:prstGeom prst="line">
+            <a:avLst/>
+          </a:prstGeom>
+          <a:ln w="19050">
+            <a:solidFill>
+              <a:srgbClr val="FF0000"/>
+            </a:solidFill>
+          </a:ln>
+        </p:spPr>
+        <p:style>
+          <a:lnRef idx="1">
+            <a:schemeClr val="accent1"/>
+          </a:lnRef>
+          <a:fillRef idx="0">
+            <a:schemeClr val="accent1"/>
+          </a:fillRef>
+          <a:effectRef idx="0">
+            <a:schemeClr val="accent1"/>
+          </a:effectRef>
+          <a:fontRef idx="minor">
+            <a:schemeClr val="tx1"/>
+          </a:fontRef>
+        </p:style>
+      </p:cxnSp>
+      <p:sp>
+        <p:nvSpPr>
+          <p:cNvPr id="34" name="Text Box 33"/>
+          <p:cNvSpPr txBox="1"/>
+          <p:nvPr/>
+        </p:nvSpPr>
+        <p:spPr>
+          <a:xfrm>
+            <a:off x="2771140" y="2976880"/>
+            <a:ext cx="335280" cy="457200"/>
+          </a:xfrm>
+          <a:prstGeom prst="rect">
+            <a:avLst/>
+          </a:prstGeom>
+          <a:noFill/>
+        </p:spPr>
+        <p:txBody>
+          <a:bodyPr wrap="none" rtlCol="0">
+            <a:spAutoFit/>
+          </a:bodyPr>
+          <a:p>
+            <a:r>
+              <a:rPr lang="x-none" altLang="en-US" sz="1200">
+                <a:latin typeface="Ubuntu Mono" charset="0"/>
+              </a:rPr>
+              <a:t>rs</a:t>
+            </a:r>
+            <a:endParaRPr lang="x-none" altLang="en-US" sz="1200">
+              <a:latin typeface="Ubuntu Mono" charset="0"/>
+            </a:endParaRPr>
+          </a:p>
+          <a:p>
+            <a:r>
+              <a:rPr lang="x-none" altLang="en-US" sz="1200">
+                <a:latin typeface="Ubuntu Mono" charset="0"/>
+              </a:rPr>
+              <a:t>rt</a:t>
+            </a:r>
+            <a:endParaRPr lang="x-none" altLang="en-US" sz="1200">
+              <a:latin typeface="Ubuntu Mono" charset="0"/>
+            </a:endParaRPr>
+          </a:p>
+        </p:txBody>
+      </p:sp>
+      <p:cxnSp>
+        <p:nvCxnSpPr>
+          <p:cNvPr id="35" name="Straight Connector 34"/>
+          <p:cNvCxnSpPr/>
+          <p:nvPr/>
+        </p:nvCxnSpPr>
+        <p:spPr>
+          <a:xfrm>
+            <a:off x="2357120" y="3307715"/>
+            <a:ext cx="462915" cy="635"/>
+          </a:xfrm>
+          <a:prstGeom prst="line">
+            <a:avLst/>
+          </a:prstGeom>
+          <a:ln w="19050">
+            <a:solidFill>
+              <a:srgbClr val="FF0000"/>
+            </a:solidFill>
+          </a:ln>
+        </p:spPr>
+        <p:style>
+          <a:lnRef idx="1">
+            <a:schemeClr val="accent1"/>
+          </a:lnRef>
+          <a:fillRef idx="0">
+            <a:schemeClr val="accent1"/>
+          </a:fillRef>
+          <a:effectRef idx="0">
+            <a:schemeClr val="accent1"/>
+          </a:effectRef>
+          <a:fontRef idx="minor">
+            <a:schemeClr val="tx1"/>
+          </a:fontRef>
+        </p:style>
+      </p:cxnSp>
+      <p:cxnSp>
+        <p:nvCxnSpPr>
+          <p:cNvPr id="38" name="Straight Connector 37"/>
+          <p:cNvCxnSpPr/>
+          <p:nvPr/>
+        </p:nvCxnSpPr>
+        <p:spPr>
+          <a:xfrm flipV="1">
+            <a:off x="1036320" y="3320415"/>
+            <a:ext cx="296545" cy="1905"/>
+          </a:xfrm>
+          <a:prstGeom prst="line">
+            <a:avLst/>
+          </a:prstGeom>
+          <a:ln w="19050">
+            <a:solidFill>
+              <a:srgbClr val="FF0000"/>
+            </a:solidFill>
+          </a:ln>
+        </p:spPr>
+        <p:style>
+          <a:lnRef idx="1">
+            <a:schemeClr val="accent1"/>
+          </a:lnRef>
+          <a:fillRef idx="0">
+            <a:schemeClr val="accent1"/>
+          </a:fillRef>
+          <a:effectRef idx="0">
+            <a:schemeClr val="accent1"/>
+          </a:effectRef>
+          <a:fontRef idx="minor">
+            <a:schemeClr val="tx1"/>
+          </a:fontRef>
+        </p:style>
+      </p:cxnSp>
+      <p:sp>
+        <p:nvSpPr>
+          <p:cNvPr id="39" name="Trapezoid 38"/>
+          <p:cNvSpPr/>
+          <p:nvPr/>
+        </p:nvSpPr>
+        <p:spPr>
+          <a:xfrm rot="5400000">
+            <a:off x="3763645" y="3342005"/>
+            <a:ext cx="391160" cy="114935"/>
+          </a:xfrm>
+          <a:prstGeom prst="trapezoid">
+            <a:avLst>
+              <a:gd name="adj" fmla="val 48565"/>
+            </a:avLst>
+          </a:prstGeom>
+          <a:ln>
+            <a:solidFill>
+              <a:schemeClr val="tx1"/>
+            </a:solidFill>
+          </a:ln>
+        </p:spPr>
+        <p:style>
+          <a:lnRef idx="2">
+            <a:schemeClr val="dk1"/>
+          </a:lnRef>
+          <a:fillRef idx="1">
+            <a:schemeClr val="lt1"/>
+          </a:fillRef>
+          <a:effectRef idx="0">
+            <a:schemeClr val="dk1"/>
+          </a:effectRef>
+          <a:fontRef idx="minor">
+            <a:schemeClr val="dk1"/>
+          </a:fontRef>
+        </p:style>
+        <p:txBody>
+          <a:bodyPr rtlCol="0" anchor="ctr"/>
+          <a:p>
+            <a:pPr algn="ctr"/>
+            <a:endParaRPr lang="en-US"/>
+          </a:p>
+        </p:txBody>
+      </p:sp>
+      <p:cxnSp>
+        <p:nvCxnSpPr>
+          <p:cNvPr id="40" name="Straight Connector 39"/>
+          <p:cNvCxnSpPr/>
+          <p:nvPr/>
+        </p:nvCxnSpPr>
+        <p:spPr>
+          <a:xfrm>
+            <a:off x="3479800" y="3302000"/>
+            <a:ext cx="423545" cy="3810"/>
+          </a:xfrm>
+          <a:prstGeom prst="line">
+            <a:avLst/>
+          </a:prstGeom>
+          <a:ln w="19050">
+            <a:solidFill>
+              <a:schemeClr val="tx1"/>
+            </a:solidFill>
+          </a:ln>
+        </p:spPr>
+        <p:style>
+          <a:lnRef idx="1">
+            <a:schemeClr val="accent1"/>
+          </a:lnRef>
+          <a:fillRef idx="0">
+            <a:schemeClr val="accent1"/>
+          </a:fillRef>
+          <a:effectRef idx="0">
+            <a:schemeClr val="accent1"/>
+          </a:effectRef>
+          <a:fontRef idx="minor">
+            <a:schemeClr val="tx1"/>
+          </a:fontRef>
+        </p:style>
+      </p:cxnSp>
+      <p:cxnSp>
+        <p:nvCxnSpPr>
+          <p:cNvPr id="44" name="Straight Connector 43"/>
+          <p:cNvCxnSpPr/>
+          <p:nvPr/>
+        </p:nvCxnSpPr>
+        <p:spPr>
+          <a:xfrm flipV="1">
+            <a:off x="3717290" y="3503295"/>
+            <a:ext cx="182880" cy="1270"/>
+          </a:xfrm>
+          <a:prstGeom prst="line">
+            <a:avLst/>
+          </a:prstGeom>
+          <a:ln w="19050">
+            <a:solidFill>
+              <a:schemeClr val="tx1"/>
+            </a:solidFill>
+          </a:ln>
+        </p:spPr>
+        <p:style>
+          <a:lnRef idx="1">
+            <a:schemeClr val="accent1"/>
+          </a:lnRef>
+          <a:fillRef idx="0">
+            <a:schemeClr val="accent1"/>
+          </a:fillRef>
+          <a:effectRef idx="0">
+            <a:schemeClr val="accent1"/>
+          </a:effectRef>
+          <a:fontRef idx="minor">
+            <a:schemeClr val="tx1"/>
+          </a:fontRef>
+        </p:style>
+      </p:cxnSp>
+      <p:cxnSp>
+        <p:nvCxnSpPr>
+          <p:cNvPr id="4" name="Straight Connector 3"/>
+          <p:cNvCxnSpPr/>
+          <p:nvPr/>
+        </p:nvCxnSpPr>
+        <p:spPr>
+          <a:xfrm flipH="1">
+            <a:off x="2586355" y="2476500"/>
+            <a:ext cx="635" cy="822325"/>
+          </a:xfrm>
+          <a:prstGeom prst="line">
+            <a:avLst/>
+          </a:prstGeom>
+          <a:ln w="19050">
+            <a:solidFill>
+              <a:schemeClr val="tx1"/>
+            </a:solidFill>
+          </a:ln>
+        </p:spPr>
+        <p:style>
+          <a:lnRef idx="1">
+            <a:schemeClr val="accent1"/>
+          </a:lnRef>
+          <a:fillRef idx="0">
+            <a:schemeClr val="accent1"/>
+          </a:fillRef>
+          <a:effectRef idx="0">
+            <a:schemeClr val="accent1"/>
+          </a:effectRef>
+          <a:fontRef idx="minor">
+            <a:schemeClr val="tx1"/>
+          </a:fontRef>
+        </p:style>
+      </p:cxnSp>
+      <p:cxnSp>
+        <p:nvCxnSpPr>
+          <p:cNvPr id="36" name="Straight Connector 35"/>
+          <p:cNvCxnSpPr/>
+          <p:nvPr/>
+        </p:nvCxnSpPr>
+        <p:spPr>
+          <a:xfrm flipH="1">
+            <a:off x="3637915" y="2682240"/>
+            <a:ext cx="635" cy="433705"/>
+          </a:xfrm>
+          <a:prstGeom prst="line">
+            <a:avLst/>
+          </a:prstGeom>
+          <a:ln w="19050">
+            <a:solidFill>
+              <a:srgbClr val="FF0000"/>
+            </a:solidFill>
+          </a:ln>
+        </p:spPr>
+        <p:style>
+          <a:lnRef idx="1">
+            <a:schemeClr val="accent1"/>
+          </a:lnRef>
+          <a:fillRef idx="0">
+            <a:schemeClr val="accent1"/>
+          </a:fillRef>
+          <a:effectRef idx="0">
+            <a:schemeClr val="accent1"/>
+          </a:effectRef>
+          <a:fontRef idx="minor">
+            <a:schemeClr val="tx1"/>
+          </a:fontRef>
+        </p:style>
+      </p:cxnSp>
+      <p:cxnSp>
+        <p:nvCxnSpPr>
+          <p:cNvPr id="37" name="Straight Connector 36"/>
+          <p:cNvCxnSpPr/>
+          <p:nvPr/>
+        </p:nvCxnSpPr>
+        <p:spPr>
+          <a:xfrm flipV="1">
+            <a:off x="2599690" y="2468880"/>
+            <a:ext cx="2517140" cy="5715"/>
+          </a:xfrm>
+          <a:prstGeom prst="line">
+            <a:avLst/>
+          </a:prstGeom>
+          <a:ln w="19050">
+            <a:solidFill>
+              <a:schemeClr val="tx1"/>
+            </a:solidFill>
+          </a:ln>
+        </p:spPr>
+        <p:style>
+          <a:lnRef idx="1">
+            <a:schemeClr val="accent1"/>
+          </a:lnRef>
+          <a:fillRef idx="0">
+            <a:schemeClr val="accent1"/>
+          </a:fillRef>
+          <a:effectRef idx="0">
+            <a:schemeClr val="accent1"/>
+          </a:effectRef>
+          <a:fontRef idx="minor">
+            <a:schemeClr val="tx1"/>
+          </a:fontRef>
+        </p:style>
+      </p:cxnSp>
+      <p:cxnSp>
+        <p:nvCxnSpPr>
+          <p:cNvPr id="41" name="Straight Connector 40"/>
+          <p:cNvCxnSpPr/>
+          <p:nvPr/>
+        </p:nvCxnSpPr>
+        <p:spPr>
+          <a:xfrm flipV="1">
+            <a:off x="3636010" y="2689860"/>
+            <a:ext cx="1518920" cy="5715"/>
+          </a:xfrm>
+          <a:prstGeom prst="line">
+            <a:avLst/>
+          </a:prstGeom>
+          <a:ln w="19050">
+            <a:solidFill>
+              <a:srgbClr val="FF0000"/>
+            </a:solidFill>
+          </a:ln>
+        </p:spPr>
+        <p:style>
+          <a:lnRef idx="1">
+            <a:schemeClr val="accent1"/>
+          </a:lnRef>
+          <a:fillRef idx="0">
+            <a:schemeClr val="accent1"/>
+          </a:fillRef>
+          <a:effectRef idx="0">
+            <a:schemeClr val="accent1"/>
+          </a:effectRef>
+          <a:fontRef idx="minor">
+            <a:schemeClr val="tx1"/>
+          </a:fontRef>
+        </p:style>
+      </p:cxnSp>
+      <p:cxnSp>
+        <p:nvCxnSpPr>
+          <p:cNvPr id="42" name="Straight Connector 41"/>
+          <p:cNvCxnSpPr/>
+          <p:nvPr/>
+        </p:nvCxnSpPr>
+        <p:spPr>
+          <a:xfrm>
+            <a:off x="6115050" y="2598420"/>
+            <a:ext cx="0" cy="1089660"/>
+          </a:xfrm>
+          <a:prstGeom prst="line">
+            <a:avLst/>
+          </a:prstGeom>
+          <a:ln w="19050">
+            <a:solidFill>
+              <a:srgbClr val="FF0000"/>
+            </a:solidFill>
+          </a:ln>
+        </p:spPr>
+        <p:style>
+          <a:lnRef idx="1">
+            <a:schemeClr val="accent1"/>
+          </a:lnRef>
+          <a:fillRef idx="0">
+            <a:schemeClr val="accent1"/>
+          </a:fillRef>
+          <a:effectRef idx="0">
+            <a:schemeClr val="accent1"/>
+          </a:effectRef>
+          <a:fontRef idx="minor">
+            <a:schemeClr val="tx1"/>
+          </a:fontRef>
+        </p:style>
+      </p:cxnSp>
+      <p:cxnSp>
+        <p:nvCxnSpPr>
+          <p:cNvPr id="43" name="Straight Connector 42"/>
+          <p:cNvCxnSpPr/>
+          <p:nvPr/>
+        </p:nvCxnSpPr>
+        <p:spPr>
+          <a:xfrm>
+            <a:off x="6122670" y="3688080"/>
+            <a:ext cx="205740" cy="0"/>
+          </a:xfrm>
+          <a:prstGeom prst="line">
+            <a:avLst/>
+          </a:prstGeom>
+          <a:ln w="19050">
+            <a:solidFill>
+              <a:srgbClr val="FF0000"/>
+            </a:solidFill>
+          </a:ln>
+        </p:spPr>
+        <p:style>
+          <a:lnRef idx="1">
+            <a:schemeClr val="accent1"/>
+          </a:lnRef>
+          <a:fillRef idx="0">
+            <a:schemeClr val="accent1"/>
+          </a:fillRef>
+          <a:effectRef idx="0">
+            <a:schemeClr val="accent1"/>
+          </a:effectRef>
+          <a:fontRef idx="minor">
+            <a:schemeClr val="tx1"/>
+          </a:fontRef>
+        </p:style>
+      </p:cxnSp>
+      <p:sp>
+        <p:nvSpPr>
+          <p:cNvPr id="45" name="Oval 44"/>
+          <p:cNvSpPr/>
+          <p:nvPr/>
+        </p:nvSpPr>
+        <p:spPr>
+          <a:xfrm>
+            <a:off x="5073015" y="2426970"/>
+            <a:ext cx="334010" cy="334010"/>
+          </a:xfrm>
+          <a:prstGeom prst="ellipse">
+            <a:avLst/>
+          </a:prstGeom>
+          <a:ln>
+            <a:solidFill>
+              <a:srgbClr val="FF0000"/>
+            </a:solidFill>
+          </a:ln>
+        </p:spPr>
+        <p:style>
+          <a:lnRef idx="2">
+            <a:schemeClr val="dk1"/>
+          </a:lnRef>
+          <a:fillRef idx="1">
+            <a:schemeClr val="lt1"/>
+          </a:fillRef>
+          <a:effectRef idx="0">
+            <a:schemeClr val="dk1"/>
+          </a:effectRef>
+          <a:fontRef idx="minor">
+            <a:schemeClr val="dk1"/>
+          </a:fontRef>
+        </p:style>
+        <p:txBody>
+          <a:bodyPr rtlCol="0" anchor="ctr"/>
+          <a:p>
+            <a:pPr algn="ctr"/>
+            <a:r>
+              <a:rPr lang="x-none" altLang="en-US">
+                <a:solidFill>
+                  <a:srgbClr val="FF0000"/>
+                </a:solidFill>
+              </a:rPr>
+              <a:t>+</a:t>
+            </a:r>
+            <a:endParaRPr lang="x-none" altLang="en-US">
+              <a:solidFill>
+                <a:srgbClr val="FF0000"/>
+              </a:solidFill>
+            </a:endParaRPr>
+          </a:p>
+        </p:txBody>
+      </p:sp>
+      <p:cxnSp>
+        <p:nvCxnSpPr>
+          <p:cNvPr id="46" name="Straight Connector 45"/>
+          <p:cNvCxnSpPr>
+            <a:stCxn id="45" idx="6"/>
+          </p:cNvCxnSpPr>
+          <p:nvPr/>
+        </p:nvCxnSpPr>
+        <p:spPr>
+          <a:xfrm>
+            <a:off x="5407025" y="2593975"/>
+            <a:ext cx="716915" cy="1905"/>
+          </a:xfrm>
+          <a:prstGeom prst="line">
+            <a:avLst/>
+          </a:prstGeom>
+          <a:ln w="19050">
+            <a:solidFill>
+              <a:srgbClr val="FF0000"/>
+            </a:solidFill>
+          </a:ln>
+        </p:spPr>
+        <p:style>
+          <a:lnRef idx="1">
+            <a:schemeClr val="accent1"/>
+          </a:lnRef>
+          <a:fillRef idx="0">
+            <a:schemeClr val="accent1"/>
+          </a:fillRef>
+          <a:effectRef idx="0">
+            <a:schemeClr val="accent1"/>
+          </a:effectRef>
+          <a:fontRef idx="minor">
+            <a:schemeClr val="tx1"/>
+          </a:fontRef>
+        </p:style>
+      </p:cxnSp>
+      <p:cxnSp>
+        <p:nvCxnSpPr>
+          <p:cNvPr id="47" name="Straight Connector 46"/>
+          <p:cNvCxnSpPr/>
+          <p:nvPr/>
+        </p:nvCxnSpPr>
+        <p:spPr>
+          <a:xfrm>
+            <a:off x="3479165" y="3110865"/>
+            <a:ext cx="160020" cy="0"/>
+          </a:xfrm>
+          <a:prstGeom prst="line">
+            <a:avLst/>
+          </a:prstGeom>
+          <a:ln w="19050">
+            <a:solidFill>
+              <a:srgbClr val="FF0000"/>
+            </a:solidFill>
+          </a:ln>
+        </p:spPr>
+        <p:style>
+          <a:lnRef idx="1">
+            <a:schemeClr val="accent1"/>
+          </a:lnRef>
+          <a:fillRef idx="0">
+            <a:schemeClr val="accent1"/>
+          </a:fillRef>
+          <a:effectRef idx="0">
+            <a:schemeClr val="accent1"/>
+          </a:effectRef>
+          <a:fontRef idx="minor">
+            <a:schemeClr val="tx1"/>
+          </a:fontRef>
+        </p:style>
+      </p:cxnSp>
     </p:spTree>
   </p:cSld>
   <p:clrMapOvr>

--- a/reports/submit/part3/pre.pptx
+++ b/reports/submit/part3/pre.pptx
@@ -11,6 +11,8 @@
     <p:sldId id="258" r:id="rId6"/>
     <p:sldId id="259" r:id="rId7"/>
     <p:sldId id="260" r:id="rId8"/>
+    <p:sldId id="262" r:id="rId9"/>
+    <p:sldId id="263" r:id="rId10"/>
   </p:sldIdLst>
   <p:sldSz cx="9144000" cy="6858000" type="screen4x3"/>
   <p:notesSz cx="6858000" cy="9144000"/>
@@ -3519,13 +3521,13 @@
         </p:spPr>
         <p:style>
           <a:lnRef idx="2">
-            <a:schemeClr val="dk1"/>
+            <a:schemeClr val="accent5"/>
           </a:lnRef>
           <a:fillRef idx="1">
             <a:schemeClr val="lt1"/>
           </a:fillRef>
           <a:effectRef idx="0">
-            <a:schemeClr val="dk1"/>
+            <a:schemeClr val="accent5"/>
           </a:effectRef>
           <a:fontRef idx="minor">
             <a:schemeClr val="dk1"/>
@@ -3555,7 +3557,7 @@
         </p:nvSpPr>
         <p:spPr>
           <a:xfrm>
-            <a:off x="1337945" y="2856865"/>
+            <a:off x="1337945" y="2635885"/>
             <a:ext cx="709295" cy="306705"/>
           </a:xfrm>
           <a:prstGeom prst="roundRect">
@@ -3564,13 +3566,13 @@
         </p:spPr>
         <p:style>
           <a:lnRef idx="2">
-            <a:schemeClr val="dk1"/>
+            <a:schemeClr val="accent5"/>
           </a:lnRef>
           <a:fillRef idx="1">
             <a:schemeClr val="lt1"/>
           </a:fillRef>
           <a:effectRef idx="0">
-            <a:schemeClr val="dk1"/>
+            <a:schemeClr val="accent5"/>
           </a:effectRef>
           <a:fontRef idx="minor">
             <a:schemeClr val="dk1"/>
@@ -3594,14 +3596,149 @@
       </p:sp>
       <p:sp>
         <p:nvSpPr>
-          <p:cNvPr id="15" name="Curved Right Arrow 14"/>
+          <p:cNvPr id="18" name="Rounded Rectangle 17"/>
           <p:cNvSpPr/>
           <p:nvPr/>
         </p:nvSpPr>
         <p:spPr>
           <a:xfrm>
-            <a:off x="1379855" y="2416175"/>
-            <a:ext cx="128905" cy="441325"/>
+            <a:off x="1335405" y="3166745"/>
+            <a:ext cx="709295" cy="306705"/>
+          </a:xfrm>
+          <a:prstGeom prst="roundRect">
+            <a:avLst/>
+          </a:prstGeom>
+        </p:spPr>
+        <p:style>
+          <a:lnRef idx="2">
+            <a:schemeClr val="accent5"/>
+          </a:lnRef>
+          <a:fillRef idx="1">
+            <a:schemeClr val="lt1"/>
+          </a:fillRef>
+          <a:effectRef idx="0">
+            <a:schemeClr val="accent5"/>
+          </a:effectRef>
+          <a:fontRef idx="minor">
+            <a:schemeClr val="dk1"/>
+          </a:fontRef>
+        </p:style>
+        <p:txBody>
+          <a:bodyPr rtlCol="0" anchor="ctr"/>
+          <a:p>
+            <a:pPr algn="ctr"/>
+            <a:r>
+              <a:rPr lang="x-none" altLang="en-US" sz="1200">
+                <a:latin typeface="Ubuntu Mono" charset="0"/>
+              </a:rPr>
+              <a:t>Menu 3</a:t>
+            </a:r>
+            <a:endParaRPr lang="x-none" altLang="en-US" sz="1200">
+              <a:latin typeface="Ubuntu Mono" charset="0"/>
+            </a:endParaRPr>
+          </a:p>
+        </p:txBody>
+      </p:sp>
+      <p:sp>
+        <p:nvSpPr>
+          <p:cNvPr id="21" name="Rounded Rectangle 20"/>
+          <p:cNvSpPr/>
+          <p:nvPr/>
+        </p:nvSpPr>
+        <p:spPr>
+          <a:xfrm>
+            <a:off x="1343025" y="3700145"/>
+            <a:ext cx="709295" cy="306705"/>
+          </a:xfrm>
+          <a:prstGeom prst="roundRect">
+            <a:avLst/>
+          </a:prstGeom>
+        </p:spPr>
+        <p:style>
+          <a:lnRef idx="2">
+            <a:schemeClr val="accent5"/>
+          </a:lnRef>
+          <a:fillRef idx="1">
+            <a:schemeClr val="lt1"/>
+          </a:fillRef>
+          <a:effectRef idx="0">
+            <a:schemeClr val="accent5"/>
+          </a:effectRef>
+          <a:fontRef idx="minor">
+            <a:schemeClr val="dk1"/>
+          </a:fontRef>
+        </p:style>
+        <p:txBody>
+          <a:bodyPr rtlCol="0" anchor="ctr"/>
+          <a:p>
+            <a:pPr algn="ctr"/>
+            <a:r>
+              <a:rPr lang="x-none" altLang="en-US" sz="1200">
+                <a:latin typeface="Ubuntu Mono" charset="0"/>
+              </a:rPr>
+              <a:t>Menu 4</a:t>
+            </a:r>
+            <a:endParaRPr lang="x-none" altLang="en-US" sz="1200">
+              <a:latin typeface="Ubuntu Mono" charset="0"/>
+            </a:endParaRPr>
+          </a:p>
+        </p:txBody>
+      </p:sp>
+      <p:sp>
+        <p:nvSpPr>
+          <p:cNvPr id="24" name="Rounded Rectangle 23"/>
+          <p:cNvSpPr/>
+          <p:nvPr/>
+        </p:nvSpPr>
+        <p:spPr>
+          <a:xfrm>
+            <a:off x="1365885" y="4225925"/>
+            <a:ext cx="709295" cy="306705"/>
+          </a:xfrm>
+          <a:prstGeom prst="roundRect">
+            <a:avLst/>
+          </a:prstGeom>
+        </p:spPr>
+        <p:style>
+          <a:lnRef idx="2">
+            <a:schemeClr val="accent5"/>
+          </a:lnRef>
+          <a:fillRef idx="1">
+            <a:schemeClr val="lt1"/>
+          </a:fillRef>
+          <a:effectRef idx="0">
+            <a:schemeClr val="accent5"/>
+          </a:effectRef>
+          <a:fontRef idx="minor">
+            <a:schemeClr val="dk1"/>
+          </a:fontRef>
+        </p:style>
+        <p:txBody>
+          <a:bodyPr rtlCol="0" anchor="ctr"/>
+          <a:p>
+            <a:pPr algn="ctr"/>
+            <a:r>
+              <a:rPr lang="x-none" altLang="en-US" sz="1200">
+                <a:latin typeface="Ubuntu Mono" charset="0"/>
+              </a:rPr>
+              <a:t>Menu 5</a:t>
+            </a:r>
+            <a:endParaRPr lang="x-none" altLang="en-US" sz="1200">
+              <a:latin typeface="Ubuntu Mono" charset="0"/>
+            </a:endParaRPr>
+          </a:p>
+        </p:txBody>
+      </p:sp>
+      <p:sp>
+        <p:nvSpPr>
+          <p:cNvPr id="25" name="Curved Right Arrow 24"/>
+          <p:cNvSpPr/>
+          <p:nvPr/>
+        </p:nvSpPr>
+        <p:spPr>
+          <a:xfrm>
+            <a:off x="1409065" y="4005580"/>
+            <a:ext cx="128905" cy="220980"/>
           </a:xfrm>
           <a:prstGeom prst="curvedRightArrow">
             <a:avLst/>
@@ -3635,14 +3772,14 @@
       </p:sp>
       <p:sp>
         <p:nvSpPr>
-          <p:cNvPr id="17" name="Curved Right Arrow 16"/>
+          <p:cNvPr id="26" name="Curved Right Arrow 25"/>
           <p:cNvSpPr/>
           <p:nvPr/>
         </p:nvSpPr>
         <p:spPr>
           <a:xfrm rot="10800000">
-            <a:off x="1842135" y="2406015"/>
-            <a:ext cx="128905" cy="441325"/>
+            <a:off x="1870075" y="3995420"/>
+            <a:ext cx="128905" cy="220980"/>
           </a:xfrm>
           <a:prstGeom prst="curvedRightArrow">
             <a:avLst/>
@@ -3676,28 +3813,141 @@
       </p:sp>
       <p:sp>
         <p:nvSpPr>
-          <p:cNvPr id="18" name="Rounded Rectangle 17"/>
+          <p:cNvPr id="30" name="Text Box 29"/>
+          <p:cNvSpPr txBox="1"/>
+          <p:nvPr/>
+        </p:nvSpPr>
+        <p:spPr>
+          <a:xfrm>
+            <a:off x="1495425" y="3967480"/>
+            <a:ext cx="411480" cy="274320"/>
+          </a:xfrm>
+          <a:prstGeom prst="rect">
+            <a:avLst/>
+          </a:prstGeom>
+          <a:noFill/>
+        </p:spPr>
+        <p:txBody>
+          <a:bodyPr wrap="none" rtlCol="0">
+            <a:spAutoFit/>
+          </a:bodyPr>
+          <a:p>
+            <a:r>
+              <a:rPr lang="x-none" altLang="en-US" sz="1200">
+                <a:solidFill>
+                  <a:schemeClr val="accent2"/>
+                </a:solidFill>
+                <a:latin typeface="Ubuntu Mono" charset="0"/>
+              </a:rPr>
+              <a:t>L/R</a:t>
+            </a:r>
+            <a:endParaRPr lang="x-none" altLang="en-US" sz="1200">
+              <a:solidFill>
+                <a:schemeClr val="accent2"/>
+              </a:solidFill>
+              <a:latin typeface="Ubuntu Mono" charset="0"/>
+            </a:endParaRPr>
+          </a:p>
+        </p:txBody>
+      </p:sp>
+      <p:sp>
+        <p:nvSpPr>
+          <p:cNvPr id="31" name="Right Arrow 30"/>
           <p:cNvSpPr/>
           <p:nvPr/>
         </p:nvSpPr>
         <p:spPr>
           <a:xfrm>
-            <a:off x="1358265" y="3616325"/>
-            <a:ext cx="709295" cy="306705"/>
-          </a:xfrm>
-          <a:prstGeom prst="roundRect">
+            <a:off x="2052955" y="2210435"/>
+            <a:ext cx="571500" cy="75565"/>
+          </a:xfrm>
+          <a:prstGeom prst="rightArrow">
             <a:avLst/>
           </a:prstGeom>
         </p:spPr>
         <p:style>
           <a:lnRef idx="2">
-            <a:schemeClr val="dk1"/>
+            <a:schemeClr val="accent1"/>
           </a:lnRef>
           <a:fillRef idx="1">
             <a:schemeClr val="lt1"/>
           </a:fillRef>
           <a:effectRef idx="0">
+            <a:schemeClr val="accent1"/>
+          </a:effectRef>
+          <a:fontRef idx="minor">
             <a:schemeClr val="dk1"/>
+          </a:fontRef>
+        </p:style>
+        <p:txBody>
+          <a:bodyPr rtlCol="0" anchor="ctr"/>
+          <a:p>
+            <a:pPr algn="ctr"/>
+            <a:endParaRPr lang="en-US"/>
+          </a:p>
+        </p:txBody>
+      </p:sp>
+      <p:sp>
+        <p:nvSpPr>
+          <p:cNvPr id="32" name="Right Arrow 31"/>
+          <p:cNvSpPr/>
+          <p:nvPr/>
+        </p:nvSpPr>
+        <p:spPr>
+          <a:xfrm>
+            <a:off x="2058035" y="3274695"/>
+            <a:ext cx="571500" cy="75565"/>
+          </a:xfrm>
+          <a:prstGeom prst="rightArrow">
+            <a:avLst/>
+          </a:prstGeom>
+        </p:spPr>
+        <p:style>
+          <a:lnRef idx="2">
+            <a:schemeClr val="accent1"/>
+          </a:lnRef>
+          <a:fillRef idx="1">
+            <a:schemeClr val="lt1"/>
+          </a:fillRef>
+          <a:effectRef idx="0">
+            <a:schemeClr val="accent1"/>
+          </a:effectRef>
+          <a:fontRef idx="minor">
+            <a:schemeClr val="dk1"/>
+          </a:fontRef>
+        </p:style>
+        <p:txBody>
+          <a:bodyPr rtlCol="0" anchor="ctr"/>
+          <a:p>
+            <a:pPr algn="ctr"/>
+            <a:endParaRPr lang="en-US"/>
+          </a:p>
+        </p:txBody>
+      </p:sp>
+      <p:sp>
+        <p:nvSpPr>
+          <p:cNvPr id="33" name="Rounded Rectangle 32"/>
+          <p:cNvSpPr/>
+          <p:nvPr/>
+        </p:nvSpPr>
+        <p:spPr>
+          <a:xfrm>
+            <a:off x="2633980" y="2088515"/>
+            <a:ext cx="761365" cy="306705"/>
+          </a:xfrm>
+          <a:prstGeom prst="roundRect">
+            <a:avLst/>
+          </a:prstGeom>
+        </p:spPr>
+        <p:style>
+          <a:lnRef idx="2">
+            <a:schemeClr val="accent5"/>
+          </a:lnRef>
+          <a:fillRef idx="1">
+            <a:schemeClr val="lt1"/>
+          </a:fillRef>
+          <a:effectRef idx="0">
+            <a:schemeClr val="accent5"/>
           </a:effectRef>
           <a:fontRef idx="minor">
             <a:schemeClr val="dk1"/>
@@ -3711,7 +3961,7 @@
               <a:rPr lang="x-none" altLang="en-US" sz="1200">
                 <a:latin typeface="Ubuntu Mono" charset="0"/>
               </a:rPr>
-              <a:t>Menu 3</a:t>
+              <a:t>ukey_in</a:t>
             </a:r>
             <a:endParaRPr lang="x-none" altLang="en-US" sz="1200">
               <a:latin typeface="Ubuntu Mono" charset="0"/>
@@ -3721,14 +3971,387 @@
       </p:sp>
       <p:sp>
         <p:nvSpPr>
-          <p:cNvPr id="19" name="Curved Right Arrow 18"/>
+          <p:cNvPr id="34" name="Rounded Rectangle 33"/>
           <p:cNvSpPr/>
           <p:nvPr/>
         </p:nvSpPr>
         <p:spPr>
           <a:xfrm>
-            <a:off x="1400175" y="3175635"/>
-            <a:ext cx="128905" cy="441325"/>
+            <a:off x="2639060" y="3160395"/>
+            <a:ext cx="761365" cy="306705"/>
+          </a:xfrm>
+          <a:prstGeom prst="roundRect">
+            <a:avLst/>
+          </a:prstGeom>
+        </p:spPr>
+        <p:style>
+          <a:lnRef idx="2">
+            <a:schemeClr val="accent5"/>
+          </a:lnRef>
+          <a:fillRef idx="1">
+            <a:schemeClr val="lt1"/>
+          </a:fillRef>
+          <a:effectRef idx="0">
+            <a:schemeClr val="accent5"/>
+          </a:effectRef>
+          <a:fontRef idx="minor">
+            <a:schemeClr val="dk1"/>
+          </a:fontRef>
+        </p:style>
+        <p:txBody>
+          <a:bodyPr rtlCol="0" anchor="ctr"/>
+          <a:p>
+            <a:pPr algn="ctr"/>
+            <a:r>
+              <a:rPr lang="x-none" altLang="en-US" sz="1200">
+                <a:latin typeface="Ubuntu Mono" charset="0"/>
+              </a:rPr>
+              <a:t>text_in</a:t>
+            </a:r>
+            <a:endParaRPr lang="x-none" altLang="en-US" sz="1200">
+              <a:latin typeface="Ubuntu Mono" charset="0"/>
+            </a:endParaRPr>
+          </a:p>
+        </p:txBody>
+      </p:sp>
+      <p:sp>
+        <p:nvSpPr>
+          <p:cNvPr id="35" name="Right Arrow 34"/>
+          <p:cNvSpPr/>
+          <p:nvPr/>
+        </p:nvSpPr>
+        <p:spPr>
+          <a:xfrm>
+            <a:off x="2050415" y="2748915"/>
+            <a:ext cx="571500" cy="75565"/>
+          </a:xfrm>
+          <a:prstGeom prst="rightArrow">
+            <a:avLst/>
+          </a:prstGeom>
+        </p:spPr>
+        <p:style>
+          <a:lnRef idx="2">
+            <a:schemeClr val="accent1"/>
+          </a:lnRef>
+          <a:fillRef idx="1">
+            <a:schemeClr val="lt1"/>
+          </a:fillRef>
+          <a:effectRef idx="0">
+            <a:schemeClr val="accent1"/>
+          </a:effectRef>
+          <a:fontRef idx="minor">
+            <a:schemeClr val="dk1"/>
+          </a:fontRef>
+        </p:style>
+        <p:txBody>
+          <a:bodyPr rtlCol="0" anchor="ctr"/>
+          <a:p>
+            <a:pPr algn="ctr"/>
+            <a:endParaRPr lang="en-US"/>
+          </a:p>
+        </p:txBody>
+      </p:sp>
+      <p:sp>
+        <p:nvSpPr>
+          <p:cNvPr id="36" name="Rounded Rectangle 35"/>
+          <p:cNvSpPr/>
+          <p:nvPr/>
+        </p:nvSpPr>
+        <p:spPr>
+          <a:xfrm>
+            <a:off x="2631440" y="2626995"/>
+            <a:ext cx="761365" cy="306705"/>
+          </a:xfrm>
+          <a:prstGeom prst="roundRect">
+            <a:avLst/>
+          </a:prstGeom>
+        </p:spPr>
+        <p:style>
+          <a:lnRef idx="2">
+            <a:schemeClr val="accent5"/>
+          </a:lnRef>
+          <a:fillRef idx="1">
+            <a:schemeClr val="lt1"/>
+          </a:fillRef>
+          <a:effectRef idx="0">
+            <a:schemeClr val="accent5"/>
+          </a:effectRef>
+          <a:fontRef idx="minor">
+            <a:schemeClr val="dk1"/>
+          </a:fontRef>
+        </p:style>
+        <p:txBody>
+          <a:bodyPr rtlCol="0" anchor="ctr"/>
+          <a:p>
+            <a:pPr algn="ctr"/>
+            <a:r>
+              <a:rPr lang="x-none" altLang="en-US" sz="1200">
+                <a:latin typeface="Ubuntu Mono" charset="0"/>
+              </a:rPr>
+              <a:t>key_exp</a:t>
+            </a:r>
+            <a:endParaRPr lang="x-none" altLang="en-US" sz="1200">
+              <a:latin typeface="Ubuntu Mono" charset="0"/>
+            </a:endParaRPr>
+          </a:p>
+        </p:txBody>
+      </p:sp>
+      <p:sp>
+        <p:nvSpPr>
+          <p:cNvPr id="37" name="Right Arrow 36"/>
+          <p:cNvSpPr/>
+          <p:nvPr/>
+        </p:nvSpPr>
+        <p:spPr>
+          <a:xfrm>
+            <a:off x="2065655" y="3823335"/>
+            <a:ext cx="571500" cy="75565"/>
+          </a:xfrm>
+          <a:prstGeom prst="rightArrow">
+            <a:avLst/>
+          </a:prstGeom>
+        </p:spPr>
+        <p:style>
+          <a:lnRef idx="2">
+            <a:schemeClr val="accent1"/>
+          </a:lnRef>
+          <a:fillRef idx="1">
+            <a:schemeClr val="lt1"/>
+          </a:fillRef>
+          <a:effectRef idx="0">
+            <a:schemeClr val="accent1"/>
+          </a:effectRef>
+          <a:fontRef idx="minor">
+            <a:schemeClr val="dk1"/>
+          </a:fontRef>
+        </p:style>
+        <p:txBody>
+          <a:bodyPr rtlCol="0" anchor="ctr"/>
+          <a:p>
+            <a:pPr algn="ctr"/>
+            <a:endParaRPr lang="en-US"/>
+          </a:p>
+        </p:txBody>
+      </p:sp>
+      <p:sp>
+        <p:nvSpPr>
+          <p:cNvPr id="38" name="Rounded Rectangle 37"/>
+          <p:cNvSpPr/>
+          <p:nvPr/>
+        </p:nvSpPr>
+        <p:spPr>
+          <a:xfrm>
+            <a:off x="2646680" y="3701415"/>
+            <a:ext cx="761365" cy="306705"/>
+          </a:xfrm>
+          <a:prstGeom prst="roundRect">
+            <a:avLst/>
+          </a:prstGeom>
+        </p:spPr>
+        <p:style>
+          <a:lnRef idx="2">
+            <a:schemeClr val="accent5"/>
+          </a:lnRef>
+          <a:fillRef idx="1">
+            <a:schemeClr val="lt1"/>
+          </a:fillRef>
+          <a:effectRef idx="0">
+            <a:schemeClr val="accent5"/>
+          </a:effectRef>
+          <a:fontRef idx="minor">
+            <a:schemeClr val="dk1"/>
+          </a:fontRef>
+        </p:style>
+        <p:txBody>
+          <a:bodyPr rtlCol="0" anchor="ctr"/>
+          <a:p>
+            <a:pPr algn="ctr"/>
+            <a:r>
+              <a:rPr lang="x-none" altLang="en-US" sz="1200">
+                <a:latin typeface="Ubuntu Mono" charset="0"/>
+              </a:rPr>
+              <a:t>enc</a:t>
+            </a:r>
+            <a:endParaRPr lang="x-none" altLang="en-US" sz="1200">
+              <a:latin typeface="Ubuntu Mono" charset="0"/>
+            </a:endParaRPr>
+          </a:p>
+        </p:txBody>
+      </p:sp>
+      <p:sp>
+        <p:nvSpPr>
+          <p:cNvPr id="39" name="Right Arrow 38"/>
+          <p:cNvSpPr/>
+          <p:nvPr/>
+        </p:nvSpPr>
+        <p:spPr>
+          <a:xfrm>
+            <a:off x="2088515" y="4341495"/>
+            <a:ext cx="571500" cy="75565"/>
+          </a:xfrm>
+          <a:prstGeom prst="rightArrow">
+            <a:avLst/>
+          </a:prstGeom>
+        </p:spPr>
+        <p:style>
+          <a:lnRef idx="2">
+            <a:schemeClr val="accent1"/>
+          </a:lnRef>
+          <a:fillRef idx="1">
+            <a:schemeClr val="lt1"/>
+          </a:fillRef>
+          <a:effectRef idx="0">
+            <a:schemeClr val="accent1"/>
+          </a:effectRef>
+          <a:fontRef idx="minor">
+            <a:schemeClr val="dk1"/>
+          </a:fontRef>
+        </p:style>
+        <p:txBody>
+          <a:bodyPr rtlCol="0" anchor="ctr"/>
+          <a:p>
+            <a:pPr algn="ctr"/>
+            <a:endParaRPr lang="en-US"/>
+          </a:p>
+        </p:txBody>
+      </p:sp>
+      <p:sp>
+        <p:nvSpPr>
+          <p:cNvPr id="40" name="Rounded Rectangle 39"/>
+          <p:cNvSpPr/>
+          <p:nvPr/>
+        </p:nvSpPr>
+        <p:spPr>
+          <a:xfrm>
+            <a:off x="2669540" y="4219575"/>
+            <a:ext cx="761365" cy="306705"/>
+          </a:xfrm>
+          <a:prstGeom prst="roundRect">
+            <a:avLst/>
+          </a:prstGeom>
+        </p:spPr>
+        <p:style>
+          <a:lnRef idx="2">
+            <a:schemeClr val="accent5"/>
+          </a:lnRef>
+          <a:fillRef idx="1">
+            <a:schemeClr val="lt1"/>
+          </a:fillRef>
+          <a:effectRef idx="0">
+            <a:schemeClr val="accent5"/>
+          </a:effectRef>
+          <a:fontRef idx="minor">
+            <a:schemeClr val="dk1"/>
+          </a:fontRef>
+        </p:style>
+        <p:txBody>
+          <a:bodyPr rtlCol="0" anchor="ctr"/>
+          <a:p>
+            <a:pPr algn="ctr"/>
+            <a:r>
+              <a:rPr lang="x-none" altLang="en-US" sz="1200">
+                <a:latin typeface="Ubuntu Mono" charset="0"/>
+              </a:rPr>
+              <a:t>dec</a:t>
+            </a:r>
+            <a:endParaRPr lang="x-none" altLang="en-US" sz="1200">
+              <a:latin typeface="Ubuntu Mono" charset="0"/>
+            </a:endParaRPr>
+          </a:p>
+        </p:txBody>
+      </p:sp>
+      <p:sp>
+        <p:nvSpPr>
+          <p:cNvPr id="41" name="Right Arrow 40"/>
+          <p:cNvSpPr/>
+          <p:nvPr/>
+        </p:nvSpPr>
+        <p:spPr>
+          <a:xfrm>
+            <a:off x="3429635" y="4341495"/>
+            <a:ext cx="571500" cy="75565"/>
+          </a:xfrm>
+          <a:prstGeom prst="rightArrow">
+            <a:avLst/>
+          </a:prstGeom>
+        </p:spPr>
+        <p:style>
+          <a:lnRef idx="2">
+            <a:schemeClr val="accent1"/>
+          </a:lnRef>
+          <a:fillRef idx="1">
+            <a:schemeClr val="lt1"/>
+          </a:fillRef>
+          <a:effectRef idx="0">
+            <a:schemeClr val="accent1"/>
+          </a:effectRef>
+          <a:fontRef idx="minor">
+            <a:schemeClr val="dk1"/>
+          </a:fontRef>
+        </p:style>
+        <p:txBody>
+          <a:bodyPr rtlCol="0" anchor="ctr"/>
+          <a:p>
+            <a:pPr algn="ctr"/>
+            <a:endParaRPr lang="en-US"/>
+          </a:p>
+        </p:txBody>
+      </p:sp>
+      <p:sp>
+        <p:nvSpPr>
+          <p:cNvPr id="42" name="Rounded Rectangle 41"/>
+          <p:cNvSpPr/>
+          <p:nvPr/>
+        </p:nvSpPr>
+        <p:spPr>
+          <a:xfrm>
+            <a:off x="4010660" y="4219575"/>
+            <a:ext cx="761365" cy="306705"/>
+          </a:xfrm>
+          <a:prstGeom prst="roundRect">
+            <a:avLst/>
+          </a:prstGeom>
+        </p:spPr>
+        <p:style>
+          <a:lnRef idx="2">
+            <a:schemeClr val="accent5"/>
+          </a:lnRef>
+          <a:fillRef idx="1">
+            <a:schemeClr val="lt1"/>
+          </a:fillRef>
+          <a:effectRef idx="0">
+            <a:schemeClr val="accent5"/>
+          </a:effectRef>
+          <a:fontRef idx="minor">
+            <a:schemeClr val="dk1"/>
+          </a:fontRef>
+        </p:style>
+        <p:txBody>
+          <a:bodyPr rtlCol="0" anchor="ctr"/>
+          <a:p>
+            <a:pPr algn="ctr"/>
+            <a:r>
+              <a:rPr lang="x-none" altLang="en-US" sz="1200">
+                <a:latin typeface="Ubuntu Mono" charset="0"/>
+              </a:rPr>
+              <a:t>display</a:t>
+            </a:r>
+            <a:endParaRPr lang="x-none" altLang="en-US" sz="1200">
+              <a:latin typeface="Ubuntu Mono" charset="0"/>
+            </a:endParaRPr>
+          </a:p>
+        </p:txBody>
+      </p:sp>
+      <p:sp>
+        <p:nvSpPr>
+          <p:cNvPr id="43" name="Curved Right Arrow 42"/>
+          <p:cNvSpPr/>
+          <p:nvPr/>
+        </p:nvSpPr>
+        <p:spPr>
+          <a:xfrm>
+            <a:off x="1406525" y="3484880"/>
+            <a:ext cx="128905" cy="220980"/>
           </a:xfrm>
           <a:prstGeom prst="curvedRightArrow">
             <a:avLst/>
@@ -3762,14 +4385,14 @@
       </p:sp>
       <p:sp>
         <p:nvSpPr>
-          <p:cNvPr id="20" name="Curved Right Arrow 19"/>
+          <p:cNvPr id="44" name="Curved Right Arrow 43"/>
           <p:cNvSpPr/>
           <p:nvPr/>
         </p:nvSpPr>
         <p:spPr>
           <a:xfrm rot="10800000">
-            <a:off x="1862455" y="3165475"/>
-            <a:ext cx="128905" cy="441325"/>
+            <a:off x="1867535" y="3474720"/>
+            <a:ext cx="128905" cy="220980"/>
           </a:xfrm>
           <a:prstGeom prst="curvedRightArrow">
             <a:avLst/>
@@ -3803,44 +4426,38 @@
       </p:sp>
       <p:sp>
         <p:nvSpPr>
-          <p:cNvPr id="21" name="Rounded Rectangle 20"/>
-          <p:cNvSpPr/>
-          <p:nvPr/>
-        </p:nvSpPr>
-        <p:spPr>
-          <a:xfrm>
-            <a:off x="1381125" y="4363085"/>
-            <a:ext cx="709295" cy="306705"/>
-          </a:xfrm>
-          <a:prstGeom prst="roundRect">
-            <a:avLst/>
-          </a:prstGeom>
-        </p:spPr>
-        <p:style>
-          <a:lnRef idx="2">
-            <a:schemeClr val="dk1"/>
-          </a:lnRef>
-          <a:fillRef idx="1">
-            <a:schemeClr val="lt1"/>
-          </a:fillRef>
-          <a:effectRef idx="0">
-            <a:schemeClr val="dk1"/>
-          </a:effectRef>
-          <a:fontRef idx="minor">
-            <a:schemeClr val="dk1"/>
-          </a:fontRef>
-        </p:style>
-        <p:txBody>
-          <a:bodyPr rtlCol="0" anchor="ctr"/>
-          <a:p>
-            <a:pPr algn="ctr"/>
+          <p:cNvPr id="45" name="Text Box 44"/>
+          <p:cNvSpPr txBox="1"/>
+          <p:nvPr/>
+        </p:nvSpPr>
+        <p:spPr>
+          <a:xfrm>
+            <a:off x="1492885" y="3446780"/>
+            <a:ext cx="411480" cy="274320"/>
+          </a:xfrm>
+          <a:prstGeom prst="rect">
+            <a:avLst/>
+          </a:prstGeom>
+          <a:noFill/>
+        </p:spPr>
+        <p:txBody>
+          <a:bodyPr wrap="none" rtlCol="0">
+            <a:spAutoFit/>
+          </a:bodyPr>
+          <a:p>
             <a:r>
               <a:rPr lang="x-none" altLang="en-US" sz="1200">
+                <a:solidFill>
+                  <a:schemeClr val="accent2"/>
+                </a:solidFill>
                 <a:latin typeface="Ubuntu Mono" charset="0"/>
               </a:rPr>
-              <a:t>Menu 4</a:t>
+              <a:t>L/R</a:t>
             </a:r>
             <a:endParaRPr lang="x-none" altLang="en-US" sz="1200">
+              <a:solidFill>
+                <a:schemeClr val="accent2"/>
+              </a:solidFill>
               <a:latin typeface="Ubuntu Mono" charset="0"/>
             </a:endParaRPr>
           </a:p>
@@ -3848,14 +4465,14 @@
       </p:sp>
       <p:sp>
         <p:nvSpPr>
-          <p:cNvPr id="22" name="Curved Right Arrow 21"/>
+          <p:cNvPr id="46" name="Curved Right Arrow 45"/>
           <p:cNvSpPr/>
           <p:nvPr/>
         </p:nvSpPr>
         <p:spPr>
           <a:xfrm>
-            <a:off x="1423035" y="3922395"/>
-            <a:ext cx="128905" cy="441325"/>
+            <a:off x="1398905" y="2943860"/>
+            <a:ext cx="128905" cy="220980"/>
           </a:xfrm>
           <a:prstGeom prst="curvedRightArrow">
             <a:avLst/>
@@ -3889,14 +4506,14 @@
       </p:sp>
       <p:sp>
         <p:nvSpPr>
-          <p:cNvPr id="23" name="Curved Right Arrow 22"/>
+          <p:cNvPr id="47" name="Curved Right Arrow 46"/>
           <p:cNvSpPr/>
           <p:nvPr/>
         </p:nvSpPr>
         <p:spPr>
           <a:xfrm rot="10800000">
-            <a:off x="1885315" y="3912235"/>
-            <a:ext cx="128905" cy="441325"/>
+            <a:off x="1859915" y="2933700"/>
+            <a:ext cx="128905" cy="220980"/>
           </a:xfrm>
           <a:prstGeom prst="curvedRightArrow">
             <a:avLst/>
@@ -3930,44 +4547,38 @@
       </p:sp>
       <p:sp>
         <p:nvSpPr>
-          <p:cNvPr id="24" name="Rounded Rectangle 23"/>
-          <p:cNvSpPr/>
-          <p:nvPr/>
-        </p:nvSpPr>
-        <p:spPr>
-          <a:xfrm>
-            <a:off x="1396365" y="5109845"/>
-            <a:ext cx="709295" cy="306705"/>
-          </a:xfrm>
-          <a:prstGeom prst="roundRect">
-            <a:avLst/>
-          </a:prstGeom>
-        </p:spPr>
-        <p:style>
-          <a:lnRef idx="2">
-            <a:schemeClr val="dk1"/>
-          </a:lnRef>
-          <a:fillRef idx="1">
-            <a:schemeClr val="lt1"/>
-          </a:fillRef>
-          <a:effectRef idx="0">
-            <a:schemeClr val="dk1"/>
-          </a:effectRef>
-          <a:fontRef idx="minor">
-            <a:schemeClr val="dk1"/>
-          </a:fontRef>
-        </p:style>
-        <p:txBody>
-          <a:bodyPr rtlCol="0" anchor="ctr"/>
-          <a:p>
-            <a:pPr algn="ctr"/>
+          <p:cNvPr id="48" name="Text Box 47"/>
+          <p:cNvSpPr txBox="1"/>
+          <p:nvPr/>
+        </p:nvSpPr>
+        <p:spPr>
+          <a:xfrm>
+            <a:off x="1485265" y="2905760"/>
+            <a:ext cx="411480" cy="274320"/>
+          </a:xfrm>
+          <a:prstGeom prst="rect">
+            <a:avLst/>
+          </a:prstGeom>
+          <a:noFill/>
+        </p:spPr>
+        <p:txBody>
+          <a:bodyPr wrap="none" rtlCol="0">
+            <a:spAutoFit/>
+          </a:bodyPr>
+          <a:p>
             <a:r>
               <a:rPr lang="x-none" altLang="en-US" sz="1200">
+                <a:solidFill>
+                  <a:schemeClr val="accent2"/>
+                </a:solidFill>
                 <a:latin typeface="Ubuntu Mono" charset="0"/>
               </a:rPr>
-              <a:t>Menu 5</a:t>
+              <a:t>L/R</a:t>
             </a:r>
             <a:endParaRPr lang="x-none" altLang="en-US" sz="1200">
+              <a:solidFill>
+                <a:schemeClr val="accent2"/>
+              </a:solidFill>
               <a:latin typeface="Ubuntu Mono" charset="0"/>
             </a:endParaRPr>
           </a:p>
@@ -3975,14 +4586,14 @@
       </p:sp>
       <p:sp>
         <p:nvSpPr>
-          <p:cNvPr id="25" name="Curved Right Arrow 24"/>
+          <p:cNvPr id="49" name="Curved Right Arrow 48"/>
           <p:cNvSpPr/>
           <p:nvPr/>
         </p:nvSpPr>
         <p:spPr>
           <a:xfrm>
-            <a:off x="1438275" y="4669155"/>
-            <a:ext cx="128905" cy="441325"/>
+            <a:off x="1391285" y="2418080"/>
+            <a:ext cx="128905" cy="220980"/>
           </a:xfrm>
           <a:prstGeom prst="curvedRightArrow">
             <a:avLst/>
@@ -4016,14 +4627,14 @@
       </p:sp>
       <p:sp>
         <p:nvSpPr>
-          <p:cNvPr id="26" name="Curved Right Arrow 25"/>
+          <p:cNvPr id="50" name="Curved Right Arrow 49"/>
           <p:cNvSpPr/>
           <p:nvPr/>
         </p:nvSpPr>
         <p:spPr>
           <a:xfrm rot="10800000">
-            <a:off x="1900555" y="4658995"/>
-            <a:ext cx="128905" cy="441325"/>
+            <a:off x="1852295" y="2407920"/>
+            <a:ext cx="128905" cy="220980"/>
           </a:xfrm>
           <a:prstGeom prst="curvedRightArrow">
             <a:avLst/>
@@ -4057,13 +4668,13 @@
       </p:sp>
       <p:sp>
         <p:nvSpPr>
-          <p:cNvPr id="27" name="Text Box 26"/>
+          <p:cNvPr id="51" name="Text Box 50"/>
           <p:cNvSpPr txBox="1"/>
           <p:nvPr/>
         </p:nvSpPr>
         <p:spPr>
           <a:xfrm>
-            <a:off x="1475105" y="2484120"/>
+            <a:off x="1477645" y="2379980"/>
             <a:ext cx="411480" cy="274320"/>
           </a:xfrm>
           <a:prstGeom prst="rect">
@@ -4079,7 +4690,7 @@
             <a:r>
               <a:rPr lang="x-none" altLang="en-US" sz="1200">
                 <a:solidFill>
-                  <a:schemeClr val="accent1"/>
+                  <a:schemeClr val="accent2"/>
                 </a:solidFill>
                 <a:latin typeface="Ubuntu Mono" charset="0"/>
               </a:rPr>
@@ -4087,7 +4698,7 @@
             </a:r>
             <a:endParaRPr lang="x-none" altLang="en-US" sz="1200">
               <a:solidFill>
-                <a:schemeClr val="accent1"/>
+                <a:schemeClr val="accent2"/>
               </a:solidFill>
               <a:latin typeface="Ubuntu Mono" charset="0"/>
             </a:endParaRPr>
@@ -4096,14 +4707,55 @@
       </p:sp>
       <p:sp>
         <p:nvSpPr>
-          <p:cNvPr id="28" name="Text Box 27"/>
+          <p:cNvPr id="52" name="Curved Right Arrow 51"/>
+          <p:cNvSpPr/>
+          <p:nvPr/>
+        </p:nvSpPr>
+        <p:spPr>
+          <a:xfrm rot="10800000">
+            <a:off x="4805680" y="4191000"/>
+            <a:ext cx="183515" cy="320040"/>
+          </a:xfrm>
+          <a:prstGeom prst="curvedRightArrow">
+            <a:avLst/>
+          </a:prstGeom>
+        </p:spPr>
+        <p:style>
+          <a:lnRef idx="2">
+            <a:schemeClr val="accent1"/>
+          </a:lnRef>
+          <a:fillRef idx="1">
+            <a:schemeClr val="lt1"/>
+          </a:fillRef>
+          <a:effectRef idx="0">
+            <a:schemeClr val="accent1"/>
+          </a:effectRef>
+          <a:fontRef idx="minor">
+            <a:schemeClr val="dk1"/>
+          </a:fontRef>
+        </p:style>
+        <p:txBody>
+          <a:bodyPr rtlCol="0" anchor="ctr"/>
+          <a:p>
+            <a:pPr algn="ctr"/>
+            <a:endParaRPr lang="en-US">
+              <a:solidFill>
+                <a:schemeClr val="tx1"/>
+              </a:solidFill>
+            </a:endParaRPr>
+          </a:p>
+        </p:txBody>
+      </p:sp>
+      <p:sp>
+        <p:nvSpPr>
+          <p:cNvPr id="53" name="Text Box 52"/>
           <p:cNvSpPr txBox="1"/>
           <p:nvPr/>
         </p:nvSpPr>
         <p:spPr>
           <a:xfrm>
-            <a:off x="1487805" y="3235960"/>
-            <a:ext cx="411480" cy="274320"/>
+            <a:off x="4956175" y="4206240"/>
+            <a:ext cx="1554480" cy="274320"/>
           </a:xfrm>
           <a:prstGeom prst="rect">
             <a:avLst/>
@@ -4118,15 +4770,15 @@
             <a:r>
               <a:rPr lang="x-none" altLang="en-US" sz="1200">
                 <a:solidFill>
-                  <a:schemeClr val="accent1"/>
+                  <a:schemeClr val="accent2"/>
                 </a:solidFill>
                 <a:latin typeface="Ubuntu Mono" charset="0"/>
               </a:rPr>
-              <a:t>L/R</a:t>
+              <a:t>L/R to switch bits</a:t>
             </a:r>
             <a:endParaRPr lang="x-none" altLang="en-US" sz="1200">
               <a:solidFill>
-                <a:schemeClr val="accent1"/>
+                <a:schemeClr val="accent2"/>
               </a:solidFill>
               <a:latin typeface="Ubuntu Mono" charset="0"/>
             </a:endParaRPr>
@@ -4135,14 +4787,137 @@
       </p:sp>
       <p:sp>
         <p:nvSpPr>
-          <p:cNvPr id="29" name="Text Box 28"/>
+          <p:cNvPr id="54" name="Right Arrow 53"/>
+          <p:cNvSpPr/>
+          <p:nvPr/>
+        </p:nvSpPr>
+        <p:spPr>
+          <a:xfrm>
+            <a:off x="3419475" y="3820795"/>
+            <a:ext cx="571500" cy="75565"/>
+          </a:xfrm>
+          <a:prstGeom prst="rightArrow">
+            <a:avLst/>
+          </a:prstGeom>
+        </p:spPr>
+        <p:style>
+          <a:lnRef idx="2">
+            <a:schemeClr val="accent1"/>
+          </a:lnRef>
+          <a:fillRef idx="1">
+            <a:schemeClr val="lt1"/>
+          </a:fillRef>
+          <a:effectRef idx="0">
+            <a:schemeClr val="accent1"/>
+          </a:effectRef>
+          <a:fontRef idx="minor">
+            <a:schemeClr val="dk1"/>
+          </a:fontRef>
+        </p:style>
+        <p:txBody>
+          <a:bodyPr rtlCol="0" anchor="ctr"/>
+          <a:p>
+            <a:pPr algn="ctr"/>
+            <a:endParaRPr lang="en-US"/>
+          </a:p>
+        </p:txBody>
+      </p:sp>
+      <p:sp>
+        <p:nvSpPr>
+          <p:cNvPr id="55" name="Rounded Rectangle 54"/>
+          <p:cNvSpPr/>
+          <p:nvPr/>
+        </p:nvSpPr>
+        <p:spPr>
+          <a:xfrm>
+            <a:off x="4000500" y="3698875"/>
+            <a:ext cx="761365" cy="306705"/>
+          </a:xfrm>
+          <a:prstGeom prst="roundRect">
+            <a:avLst/>
+          </a:prstGeom>
+        </p:spPr>
+        <p:style>
+          <a:lnRef idx="2">
+            <a:schemeClr val="accent5"/>
+          </a:lnRef>
+          <a:fillRef idx="1">
+            <a:schemeClr val="lt1"/>
+          </a:fillRef>
+          <a:effectRef idx="0">
+            <a:schemeClr val="accent5"/>
+          </a:effectRef>
+          <a:fontRef idx="minor">
+            <a:schemeClr val="dk1"/>
+          </a:fontRef>
+        </p:style>
+        <p:txBody>
+          <a:bodyPr rtlCol="0" anchor="ctr"/>
+          <a:p>
+            <a:pPr algn="ctr"/>
+            <a:r>
+              <a:rPr lang="x-none" altLang="en-US" sz="1200">
+                <a:latin typeface="Ubuntu Mono" charset="0"/>
+              </a:rPr>
+              <a:t>display</a:t>
+            </a:r>
+            <a:endParaRPr lang="x-none" altLang="en-US" sz="1200">
+              <a:latin typeface="Ubuntu Mono" charset="0"/>
+            </a:endParaRPr>
+          </a:p>
+        </p:txBody>
+      </p:sp>
+      <p:sp>
+        <p:nvSpPr>
+          <p:cNvPr id="56" name="Curved Right Arrow 55"/>
+          <p:cNvSpPr/>
+          <p:nvPr/>
+        </p:nvSpPr>
+        <p:spPr>
+          <a:xfrm rot="10800000">
+            <a:off x="4795520" y="3670300"/>
+            <a:ext cx="183515" cy="320040"/>
+          </a:xfrm>
+          <a:prstGeom prst="curvedRightArrow">
+            <a:avLst/>
+          </a:prstGeom>
+        </p:spPr>
+        <p:style>
+          <a:lnRef idx="2">
+            <a:schemeClr val="accent1"/>
+          </a:lnRef>
+          <a:fillRef idx="1">
+            <a:schemeClr val="lt1"/>
+          </a:fillRef>
+          <a:effectRef idx="0">
+            <a:schemeClr val="accent1"/>
+          </a:effectRef>
+          <a:fontRef idx="minor">
+            <a:schemeClr val="dk1"/>
+          </a:fontRef>
+        </p:style>
+        <p:txBody>
+          <a:bodyPr rtlCol="0" anchor="ctr"/>
+          <a:p>
+            <a:pPr algn="ctr"/>
+            <a:endParaRPr lang="en-US">
+              <a:solidFill>
+                <a:schemeClr val="tx1"/>
+              </a:solidFill>
+            </a:endParaRPr>
+          </a:p>
+        </p:txBody>
+      </p:sp>
+      <p:sp>
+        <p:nvSpPr>
+          <p:cNvPr id="57" name="Text Box 56"/>
           <p:cNvSpPr txBox="1"/>
           <p:nvPr/>
         </p:nvSpPr>
         <p:spPr>
           <a:xfrm>
-            <a:off x="1510665" y="3982720"/>
-            <a:ext cx="411480" cy="274320"/>
+            <a:off x="4936490" y="3685540"/>
+            <a:ext cx="1554480" cy="274320"/>
           </a:xfrm>
           <a:prstGeom prst="rect">
             <a:avLst/>
@@ -4157,15 +4932,15 @@
             <a:r>
               <a:rPr lang="x-none" altLang="en-US" sz="1200">
                 <a:solidFill>
-                  <a:schemeClr val="accent1"/>
+                  <a:schemeClr val="accent2"/>
                 </a:solidFill>
                 <a:latin typeface="Ubuntu Mono" charset="0"/>
               </a:rPr>
-              <a:t>L/R</a:t>
+              <a:t>L/R to switch bits</a:t>
             </a:r>
             <a:endParaRPr lang="x-none" altLang="en-US" sz="1200">
               <a:solidFill>
-                <a:schemeClr val="accent1"/>
+                <a:schemeClr val="accent2"/>
               </a:solidFill>
               <a:latin typeface="Ubuntu Mono" charset="0"/>
             </a:endParaRPr>
@@ -4174,14 +4949,137 @@
       </p:sp>
       <p:sp>
         <p:nvSpPr>
-          <p:cNvPr id="30" name="Text Box 29"/>
+          <p:cNvPr id="58" name="Right Arrow 57"/>
+          <p:cNvSpPr/>
+          <p:nvPr/>
+        </p:nvSpPr>
+        <p:spPr>
+          <a:xfrm>
+            <a:off x="3396615" y="2746375"/>
+            <a:ext cx="571500" cy="75565"/>
+          </a:xfrm>
+          <a:prstGeom prst="rightArrow">
+            <a:avLst/>
+          </a:prstGeom>
+        </p:spPr>
+        <p:style>
+          <a:lnRef idx="2">
+            <a:schemeClr val="accent1"/>
+          </a:lnRef>
+          <a:fillRef idx="1">
+            <a:schemeClr val="lt1"/>
+          </a:fillRef>
+          <a:effectRef idx="0">
+            <a:schemeClr val="accent1"/>
+          </a:effectRef>
+          <a:fontRef idx="minor">
+            <a:schemeClr val="dk1"/>
+          </a:fontRef>
+        </p:style>
+        <p:txBody>
+          <a:bodyPr rtlCol="0" anchor="ctr"/>
+          <a:p>
+            <a:pPr algn="ctr"/>
+            <a:endParaRPr lang="en-US"/>
+          </a:p>
+        </p:txBody>
+      </p:sp>
+      <p:sp>
+        <p:nvSpPr>
+          <p:cNvPr id="59" name="Rounded Rectangle 58"/>
+          <p:cNvSpPr/>
+          <p:nvPr/>
+        </p:nvSpPr>
+        <p:spPr>
+          <a:xfrm>
+            <a:off x="3977640" y="2624455"/>
+            <a:ext cx="761365" cy="306705"/>
+          </a:xfrm>
+          <a:prstGeom prst="roundRect">
+            <a:avLst/>
+          </a:prstGeom>
+        </p:spPr>
+        <p:style>
+          <a:lnRef idx="2">
+            <a:schemeClr val="accent5"/>
+          </a:lnRef>
+          <a:fillRef idx="1">
+            <a:schemeClr val="lt1"/>
+          </a:fillRef>
+          <a:effectRef idx="0">
+            <a:schemeClr val="accent5"/>
+          </a:effectRef>
+          <a:fontRef idx="minor">
+            <a:schemeClr val="dk1"/>
+          </a:fontRef>
+        </p:style>
+        <p:txBody>
+          <a:bodyPr rtlCol="0" anchor="ctr"/>
+          <a:p>
+            <a:pPr algn="ctr"/>
+            <a:r>
+              <a:rPr lang="x-none" altLang="en-US" sz="1200">
+                <a:latin typeface="Ubuntu Mono" charset="0"/>
+              </a:rPr>
+              <a:t>display</a:t>
+            </a:r>
+            <a:endParaRPr lang="x-none" altLang="en-US" sz="1200">
+              <a:latin typeface="Ubuntu Mono" charset="0"/>
+            </a:endParaRPr>
+          </a:p>
+        </p:txBody>
+      </p:sp>
+      <p:sp>
+        <p:nvSpPr>
+          <p:cNvPr id="60" name="Curved Right Arrow 59"/>
+          <p:cNvSpPr/>
+          <p:nvPr/>
+        </p:nvSpPr>
+        <p:spPr>
+          <a:xfrm rot="10800000">
+            <a:off x="4772660" y="2595880"/>
+            <a:ext cx="183515" cy="320040"/>
+          </a:xfrm>
+          <a:prstGeom prst="curvedRightArrow">
+            <a:avLst/>
+          </a:prstGeom>
+        </p:spPr>
+        <p:style>
+          <a:lnRef idx="2">
+            <a:schemeClr val="accent1"/>
+          </a:lnRef>
+          <a:fillRef idx="1">
+            <a:schemeClr val="lt1"/>
+          </a:fillRef>
+          <a:effectRef idx="0">
+            <a:schemeClr val="accent1"/>
+          </a:effectRef>
+          <a:fontRef idx="minor">
+            <a:schemeClr val="dk1"/>
+          </a:fontRef>
+        </p:style>
+        <p:txBody>
+          <a:bodyPr rtlCol="0" anchor="ctr"/>
+          <a:p>
+            <a:pPr algn="ctr"/>
+            <a:endParaRPr lang="en-US">
+              <a:solidFill>
+                <a:schemeClr val="tx1"/>
+              </a:solidFill>
+            </a:endParaRPr>
+          </a:p>
+        </p:txBody>
+      </p:sp>
+      <p:sp>
+        <p:nvSpPr>
+          <p:cNvPr id="61" name="Text Box 60"/>
           <p:cNvSpPr txBox="1"/>
           <p:nvPr/>
         </p:nvSpPr>
         <p:spPr>
           <a:xfrm>
-            <a:off x="1525905" y="4759960"/>
-            <a:ext cx="411480" cy="274320"/>
+            <a:off x="4913630" y="2611120"/>
+            <a:ext cx="1554480" cy="274320"/>
           </a:xfrm>
           <a:prstGeom prst="rect">
             <a:avLst/>
@@ -4196,15 +5094,15 @@
             <a:r>
               <a:rPr lang="x-none" altLang="en-US" sz="1200">
                 <a:solidFill>
-                  <a:schemeClr val="accent1"/>
+                  <a:schemeClr val="accent2"/>
                 </a:solidFill>
                 <a:latin typeface="Ubuntu Mono" charset="0"/>
               </a:rPr>
-              <a:t>L/R</a:t>
+              <a:t>L/R to switch bits</a:t>
             </a:r>
             <a:endParaRPr lang="x-none" altLang="en-US" sz="1200">
               <a:solidFill>
-                <a:schemeClr val="accent1"/>
+                <a:schemeClr val="accent2"/>
               </a:solidFill>
               <a:latin typeface="Ubuntu Mono" charset="0"/>
             </a:endParaRPr>
@@ -4213,17 +5111,21 @@
       </p:sp>
       <p:sp>
         <p:nvSpPr>
-          <p:cNvPr id="31" name="Right Arrow 30"/>
+          <p:cNvPr id="62" name="Curved Right Arrow 61"/>
           <p:cNvSpPr/>
           <p:nvPr/>
         </p:nvSpPr>
         <p:spPr>
-          <a:xfrm>
-            <a:off x="2052955" y="2210435"/>
-            <a:ext cx="571500" cy="75565"/>
-          </a:xfrm>
-          <a:prstGeom prst="rightArrow">
-            <a:avLst/>
+          <a:xfrm rot="5400000">
+            <a:off x="2890520" y="3173095"/>
+            <a:ext cx="190500" cy="2028825"/>
+          </a:xfrm>
+          <a:prstGeom prst="curvedRightArrow">
+            <a:avLst>
+              <a:gd name="adj1" fmla="val 25000"/>
+              <a:gd name="adj2" fmla="val 123480"/>
+              <a:gd name="adj3" fmla="val 25000"/>
+            </a:avLst>
           </a:prstGeom>
         </p:spPr>
         <p:style>
@@ -4244,23 +5146,31 @@
           <a:bodyPr rtlCol="0" anchor="ctr"/>
           <a:p>
             <a:pPr algn="ctr"/>
-            <a:endParaRPr lang="en-US"/>
-          </a:p>
-        </p:txBody>
-      </p:sp>
-      <p:sp>
-        <p:nvSpPr>
-          <p:cNvPr id="32" name="Right Arrow 31"/>
+            <a:endParaRPr lang="en-US">
+              <a:solidFill>
+                <a:schemeClr val="tx1"/>
+              </a:solidFill>
+            </a:endParaRPr>
+          </a:p>
+        </p:txBody>
+      </p:sp>
+      <p:sp>
+        <p:nvSpPr>
+          <p:cNvPr id="63" name="Curved Right Arrow 62"/>
           <p:cNvSpPr/>
           <p:nvPr/>
         </p:nvSpPr>
         <p:spPr>
-          <a:xfrm>
-            <a:off x="2080895" y="3724275"/>
-            <a:ext cx="571500" cy="75565"/>
-          </a:xfrm>
-          <a:prstGeom prst="rightArrow">
-            <a:avLst/>
+          <a:xfrm rot="5400000">
+            <a:off x="2893695" y="2623820"/>
+            <a:ext cx="190500" cy="2028825"/>
+          </a:xfrm>
+          <a:prstGeom prst="curvedRightArrow">
+            <a:avLst>
+              <a:gd name="adj1" fmla="val 25000"/>
+              <a:gd name="adj2" fmla="val 123480"/>
+              <a:gd name="adj3" fmla="val 25000"/>
+            </a:avLst>
           </a:prstGeom>
         </p:spPr>
         <p:style>
@@ -4281,34 +5191,87 @@
           <a:bodyPr rtlCol="0" anchor="ctr"/>
           <a:p>
             <a:pPr algn="ctr"/>
-            <a:endParaRPr lang="en-US"/>
-          </a:p>
-        </p:txBody>
-      </p:sp>
-      <p:sp>
-        <p:nvSpPr>
-          <p:cNvPr id="33" name="Rounded Rectangle 32"/>
+            <a:endParaRPr lang="en-US">
+              <a:solidFill>
+                <a:schemeClr val="tx1"/>
+              </a:solidFill>
+            </a:endParaRPr>
+          </a:p>
+        </p:txBody>
+      </p:sp>
+      <p:sp>
+        <p:nvSpPr>
+          <p:cNvPr id="64" name="Curved Right Arrow 63"/>
           <p:cNvSpPr/>
           <p:nvPr/>
         </p:nvSpPr>
         <p:spPr>
-          <a:xfrm>
-            <a:off x="2633980" y="2088515"/>
-            <a:ext cx="761365" cy="306705"/>
-          </a:xfrm>
-          <a:prstGeom prst="roundRect">
-            <a:avLst/>
+          <a:xfrm rot="5400000">
+            <a:off x="2874645" y="1557020"/>
+            <a:ext cx="190500" cy="2028825"/>
+          </a:xfrm>
+          <a:prstGeom prst="curvedRightArrow">
+            <a:avLst>
+              <a:gd name="adj1" fmla="val 25000"/>
+              <a:gd name="adj2" fmla="val 123480"/>
+              <a:gd name="adj3" fmla="val 25000"/>
+            </a:avLst>
           </a:prstGeom>
         </p:spPr>
         <p:style>
           <a:lnRef idx="2">
-            <a:schemeClr val="dk1"/>
+            <a:schemeClr val="accent1"/>
           </a:lnRef>
           <a:fillRef idx="1">
             <a:schemeClr val="lt1"/>
           </a:fillRef>
           <a:effectRef idx="0">
+            <a:schemeClr val="accent1"/>
+          </a:effectRef>
+          <a:fontRef idx="minor">
             <a:schemeClr val="dk1"/>
+          </a:fontRef>
+        </p:style>
+        <p:txBody>
+          <a:bodyPr rtlCol="0" anchor="ctr"/>
+          <a:p>
+            <a:pPr algn="ctr"/>
+            <a:endParaRPr lang="en-US">
+              <a:solidFill>
+                <a:schemeClr val="tx1"/>
+              </a:solidFill>
+            </a:endParaRPr>
+          </a:p>
+        </p:txBody>
+      </p:sp>
+      <p:sp>
+        <p:nvSpPr>
+          <p:cNvPr id="65" name="Curved Right Arrow 64"/>
+          <p:cNvSpPr/>
+          <p:nvPr/>
+        </p:nvSpPr>
+        <p:spPr>
+          <a:xfrm rot="5400000">
+            <a:off x="2179320" y="1662430"/>
+            <a:ext cx="190500" cy="714375"/>
+          </a:xfrm>
+          <a:prstGeom prst="curvedRightArrow">
+            <a:avLst>
+              <a:gd name="adj1" fmla="val 25000"/>
+              <a:gd name="adj2" fmla="val 123480"/>
+              <a:gd name="adj3" fmla="val 25000"/>
+            </a:avLst>
+          </a:prstGeom>
+        </p:spPr>
+        <p:style>
+          <a:lnRef idx="2">
+            <a:schemeClr val="accent1"/>
+          </a:lnRef>
+          <a:fillRef idx="1">
+            <a:schemeClr val="lt1"/>
+          </a:fillRef>
+          <a:effectRef idx="0">
+            <a:schemeClr val="accent1"/>
           </a:effectRef>
           <a:fontRef idx="minor">
             <a:schemeClr val="dk1"/>
@@ -4318,13 +5281,93 @@
           <a:bodyPr rtlCol="0" anchor="ctr"/>
           <a:p>
             <a:pPr algn="ctr"/>
+            <a:endParaRPr lang="en-US">
+              <a:solidFill>
+                <a:schemeClr val="tx1"/>
+              </a:solidFill>
+            </a:endParaRPr>
+          </a:p>
+        </p:txBody>
+      </p:sp>
+      <p:sp>
+        <p:nvSpPr>
+          <p:cNvPr id="66" name="Curved Right Arrow 65"/>
+          <p:cNvSpPr/>
+          <p:nvPr/>
+        </p:nvSpPr>
+        <p:spPr>
+          <a:xfrm rot="5400000">
+            <a:off x="2208530" y="2776220"/>
+            <a:ext cx="190500" cy="695960"/>
+          </a:xfrm>
+          <a:prstGeom prst="curvedRightArrow">
+            <a:avLst>
+              <a:gd name="adj1" fmla="val 25000"/>
+              <a:gd name="adj2" fmla="val 123480"/>
+              <a:gd name="adj3" fmla="val 25000"/>
+            </a:avLst>
+          </a:prstGeom>
+        </p:spPr>
+        <p:style>
+          <a:lnRef idx="2">
+            <a:schemeClr val="accent1"/>
+          </a:lnRef>
+          <a:fillRef idx="1">
+            <a:schemeClr val="lt1"/>
+          </a:fillRef>
+          <a:effectRef idx="0">
+            <a:schemeClr val="accent1"/>
+          </a:effectRef>
+          <a:fontRef idx="minor">
+            <a:schemeClr val="dk1"/>
+          </a:fontRef>
+        </p:style>
+        <p:txBody>
+          <a:bodyPr rtlCol="0" anchor="ctr"/>
+          <a:p>
+            <a:pPr algn="ctr"/>
+            <a:endParaRPr lang="en-US">
+              <a:solidFill>
+                <a:schemeClr val="tx1"/>
+              </a:solidFill>
+            </a:endParaRPr>
+          </a:p>
+        </p:txBody>
+      </p:sp>
+      <p:sp>
+        <p:nvSpPr>
+          <p:cNvPr id="67" name="Text Box 66"/>
+          <p:cNvSpPr txBox="1"/>
+          <p:nvPr/>
+        </p:nvSpPr>
+        <p:spPr>
+          <a:xfrm>
+            <a:off x="2195195" y="2564130"/>
+            <a:ext cx="259080" cy="274320"/>
+          </a:xfrm>
+          <a:prstGeom prst="rect">
+            <a:avLst/>
+          </a:prstGeom>
+          <a:noFill/>
+        </p:spPr>
+        <p:txBody>
+          <a:bodyPr wrap="none" rtlCol="0">
+            <a:spAutoFit/>
+          </a:bodyPr>
+          <a:p>
             <a:r>
               <a:rPr lang="x-none" altLang="en-US" sz="1200">
+                <a:solidFill>
+                  <a:schemeClr val="accent2"/>
+                </a:solidFill>
                 <a:latin typeface="Ubuntu Mono" charset="0"/>
               </a:rPr>
-              <a:t>ukey_in</a:t>
+              <a:t>C</a:t>
             </a:r>
             <a:endParaRPr lang="x-none" altLang="en-US" sz="1200">
+              <a:solidFill>
+                <a:schemeClr val="accent2"/>
+              </a:solidFill>
               <a:latin typeface="Ubuntu Mono" charset="0"/>
             </a:endParaRPr>
           </a:p>
@@ -4332,44 +5375,38 @@
       </p:sp>
       <p:sp>
         <p:nvSpPr>
-          <p:cNvPr id="34" name="Rounded Rectangle 33"/>
-          <p:cNvSpPr/>
-          <p:nvPr/>
-        </p:nvSpPr>
-        <p:spPr>
-          <a:xfrm>
-            <a:off x="2661920" y="3609975"/>
-            <a:ext cx="761365" cy="306705"/>
-          </a:xfrm>
-          <a:prstGeom prst="roundRect">
-            <a:avLst/>
-          </a:prstGeom>
-        </p:spPr>
-        <p:style>
-          <a:lnRef idx="2">
-            <a:schemeClr val="dk1"/>
-          </a:lnRef>
-          <a:fillRef idx="1">
-            <a:schemeClr val="lt1"/>
-          </a:fillRef>
-          <a:effectRef idx="0">
-            <a:schemeClr val="dk1"/>
-          </a:effectRef>
-          <a:fontRef idx="minor">
-            <a:schemeClr val="dk1"/>
-          </a:fontRef>
-        </p:style>
-        <p:txBody>
-          <a:bodyPr rtlCol="0" anchor="ctr"/>
-          <a:p>
-            <a:pPr algn="ctr"/>
+          <p:cNvPr id="68" name="Text Box 67"/>
+          <p:cNvSpPr txBox="1"/>
+          <p:nvPr/>
+        </p:nvSpPr>
+        <p:spPr>
+          <a:xfrm>
+            <a:off x="3598545" y="2310130"/>
+            <a:ext cx="259080" cy="274320"/>
+          </a:xfrm>
+          <a:prstGeom prst="rect">
+            <a:avLst/>
+          </a:prstGeom>
+          <a:noFill/>
+        </p:spPr>
+        <p:txBody>
+          <a:bodyPr wrap="none" rtlCol="0">
+            <a:spAutoFit/>
+          </a:bodyPr>
+          <a:p>
             <a:r>
               <a:rPr lang="x-none" altLang="en-US" sz="1200">
+                <a:solidFill>
+                  <a:schemeClr val="accent2"/>
+                </a:solidFill>
                 <a:latin typeface="Ubuntu Mono" charset="0"/>
               </a:rPr>
-              <a:t>text_in</a:t>
+              <a:t>B</a:t>
             </a:r>
             <a:endParaRPr lang="x-none" altLang="en-US" sz="1200">
+              <a:solidFill>
+                <a:schemeClr val="accent2"/>
+              </a:solidFill>
               <a:latin typeface="Ubuntu Mono" charset="0"/>
             </a:endParaRPr>
           </a:p>
@@ -4377,81 +5414,38 @@
       </p:sp>
       <p:sp>
         <p:nvSpPr>
-          <p:cNvPr id="35" name="Right Arrow 34"/>
-          <p:cNvSpPr/>
-          <p:nvPr/>
-        </p:nvSpPr>
-        <p:spPr>
-          <a:xfrm>
-            <a:off x="2050415" y="2969895"/>
-            <a:ext cx="571500" cy="75565"/>
-          </a:xfrm>
-          <a:prstGeom prst="rightArrow">
-            <a:avLst/>
-          </a:prstGeom>
-        </p:spPr>
-        <p:style>
-          <a:lnRef idx="2">
-            <a:schemeClr val="accent1"/>
-          </a:lnRef>
-          <a:fillRef idx="1">
-            <a:schemeClr val="lt1"/>
-          </a:fillRef>
-          <a:effectRef idx="0">
-            <a:schemeClr val="accent1"/>
-          </a:effectRef>
-          <a:fontRef idx="minor">
-            <a:schemeClr val="dk1"/>
-          </a:fontRef>
-        </p:style>
-        <p:txBody>
-          <a:bodyPr rtlCol="0" anchor="ctr"/>
-          <a:p>
-            <a:pPr algn="ctr"/>
-            <a:endParaRPr lang="en-US"/>
-          </a:p>
-        </p:txBody>
-      </p:sp>
-      <p:sp>
-        <p:nvSpPr>
-          <p:cNvPr id="36" name="Rounded Rectangle 35"/>
-          <p:cNvSpPr/>
-          <p:nvPr/>
-        </p:nvSpPr>
-        <p:spPr>
-          <a:xfrm>
-            <a:off x="2631440" y="2847975"/>
-            <a:ext cx="761365" cy="306705"/>
-          </a:xfrm>
-          <a:prstGeom prst="roundRect">
-            <a:avLst/>
-          </a:prstGeom>
-        </p:spPr>
-        <p:style>
-          <a:lnRef idx="2">
-            <a:schemeClr val="dk1"/>
-          </a:lnRef>
-          <a:fillRef idx="1">
-            <a:schemeClr val="lt1"/>
-          </a:fillRef>
-          <a:effectRef idx="0">
-            <a:schemeClr val="dk1"/>
-          </a:effectRef>
-          <a:fontRef idx="minor">
-            <a:schemeClr val="dk1"/>
-          </a:fontRef>
-        </p:style>
-        <p:txBody>
-          <a:bodyPr rtlCol="0" anchor="ctr"/>
-          <a:p>
-            <a:pPr algn="ctr"/>
+          <p:cNvPr id="69" name="Text Box 68"/>
+          <p:cNvSpPr txBox="1"/>
+          <p:nvPr/>
+        </p:nvSpPr>
+        <p:spPr>
+          <a:xfrm>
+            <a:off x="2207895" y="3081655"/>
+            <a:ext cx="259080" cy="274320"/>
+          </a:xfrm>
+          <a:prstGeom prst="rect">
+            <a:avLst/>
+          </a:prstGeom>
+          <a:noFill/>
+        </p:spPr>
+        <p:txBody>
+          <a:bodyPr wrap="none" rtlCol="0">
+            <a:spAutoFit/>
+          </a:bodyPr>
+          <a:p>
             <a:r>
               <a:rPr lang="x-none" altLang="en-US" sz="1200">
+                <a:solidFill>
+                  <a:schemeClr val="accent2"/>
+                </a:solidFill>
                 <a:latin typeface="Ubuntu Mono" charset="0"/>
               </a:rPr>
-              <a:t>key_exp</a:t>
+              <a:t>C</a:t>
             </a:r>
             <a:endParaRPr lang="x-none" altLang="en-US" sz="1200">
+              <a:solidFill>
+                <a:schemeClr val="accent2"/>
+              </a:solidFill>
               <a:latin typeface="Ubuntu Mono" charset="0"/>
             </a:endParaRPr>
           </a:p>
@@ -4459,81 +5453,38 @@
       </p:sp>
       <p:sp>
         <p:nvSpPr>
-          <p:cNvPr id="37" name="Right Arrow 36"/>
-          <p:cNvSpPr/>
-          <p:nvPr/>
-        </p:nvSpPr>
-        <p:spPr>
-          <a:xfrm>
-            <a:off x="2103755" y="4486275"/>
-            <a:ext cx="571500" cy="75565"/>
-          </a:xfrm>
-          <a:prstGeom prst="rightArrow">
-            <a:avLst/>
-          </a:prstGeom>
-        </p:spPr>
-        <p:style>
-          <a:lnRef idx="2">
-            <a:schemeClr val="accent1"/>
-          </a:lnRef>
-          <a:fillRef idx="1">
-            <a:schemeClr val="lt1"/>
-          </a:fillRef>
-          <a:effectRef idx="0">
-            <a:schemeClr val="accent1"/>
-          </a:effectRef>
-          <a:fontRef idx="minor">
-            <a:schemeClr val="dk1"/>
-          </a:fontRef>
-        </p:style>
-        <p:txBody>
-          <a:bodyPr rtlCol="0" anchor="ctr"/>
-          <a:p>
-            <a:pPr algn="ctr"/>
-            <a:endParaRPr lang="en-US"/>
-          </a:p>
-        </p:txBody>
-      </p:sp>
-      <p:sp>
-        <p:nvSpPr>
-          <p:cNvPr id="38" name="Rounded Rectangle 37"/>
-          <p:cNvSpPr/>
-          <p:nvPr/>
-        </p:nvSpPr>
-        <p:spPr>
-          <a:xfrm>
-            <a:off x="2684780" y="4364355"/>
-            <a:ext cx="761365" cy="306705"/>
-          </a:xfrm>
-          <a:prstGeom prst="roundRect">
-            <a:avLst/>
-          </a:prstGeom>
-        </p:spPr>
-        <p:style>
-          <a:lnRef idx="2">
-            <a:schemeClr val="dk1"/>
-          </a:lnRef>
-          <a:fillRef idx="1">
-            <a:schemeClr val="lt1"/>
-          </a:fillRef>
-          <a:effectRef idx="0">
-            <a:schemeClr val="dk1"/>
-          </a:effectRef>
-          <a:fontRef idx="minor">
-            <a:schemeClr val="dk1"/>
-          </a:fontRef>
-        </p:style>
-        <p:txBody>
-          <a:bodyPr rtlCol="0" anchor="ctr"/>
-          <a:p>
-            <a:pPr algn="ctr"/>
+          <p:cNvPr id="70" name="Text Box 69"/>
+          <p:cNvSpPr txBox="1"/>
+          <p:nvPr/>
+        </p:nvSpPr>
+        <p:spPr>
+          <a:xfrm>
+            <a:off x="2220595" y="3637280"/>
+            <a:ext cx="259080" cy="274320"/>
+          </a:xfrm>
+          <a:prstGeom prst="rect">
+            <a:avLst/>
+          </a:prstGeom>
+          <a:noFill/>
+        </p:spPr>
+        <p:txBody>
+          <a:bodyPr wrap="none" rtlCol="0">
+            <a:spAutoFit/>
+          </a:bodyPr>
+          <a:p>
             <a:r>
               <a:rPr lang="x-none" altLang="en-US" sz="1200">
+                <a:solidFill>
+                  <a:schemeClr val="accent2"/>
+                </a:solidFill>
                 <a:latin typeface="Ubuntu Mono" charset="0"/>
               </a:rPr>
-              <a:t>enc</a:t>
+              <a:t>C</a:t>
             </a:r>
             <a:endParaRPr lang="x-none" altLang="en-US" sz="1200">
+              <a:solidFill>
+                <a:schemeClr val="accent2"/>
+              </a:solidFill>
               <a:latin typeface="Ubuntu Mono" charset="0"/>
             </a:endParaRPr>
           </a:p>
@@ -4541,81 +5492,233 @@
       </p:sp>
       <p:sp>
         <p:nvSpPr>
-          <p:cNvPr id="39" name="Right Arrow 38"/>
-          <p:cNvSpPr/>
-          <p:nvPr/>
-        </p:nvSpPr>
-        <p:spPr>
-          <a:xfrm>
-            <a:off x="2118995" y="5225415"/>
-            <a:ext cx="571500" cy="75565"/>
-          </a:xfrm>
-          <a:prstGeom prst="rightArrow">
-            <a:avLst/>
-          </a:prstGeom>
-        </p:spPr>
-        <p:style>
-          <a:lnRef idx="2">
-            <a:schemeClr val="accent1"/>
-          </a:lnRef>
-          <a:fillRef idx="1">
-            <a:schemeClr val="lt1"/>
-          </a:fillRef>
-          <a:effectRef idx="0">
-            <a:schemeClr val="accent1"/>
-          </a:effectRef>
-          <a:fontRef idx="minor">
-            <a:schemeClr val="dk1"/>
-          </a:fontRef>
-        </p:style>
-        <p:txBody>
-          <a:bodyPr rtlCol="0" anchor="ctr"/>
-          <a:p>
-            <a:pPr algn="ctr"/>
-            <a:endParaRPr lang="en-US"/>
-          </a:p>
-        </p:txBody>
-      </p:sp>
-      <p:sp>
-        <p:nvSpPr>
-          <p:cNvPr id="40" name="Rounded Rectangle 39"/>
-          <p:cNvSpPr/>
-          <p:nvPr/>
-        </p:nvSpPr>
-        <p:spPr>
-          <a:xfrm>
-            <a:off x="2700020" y="5103495"/>
-            <a:ext cx="761365" cy="306705"/>
-          </a:xfrm>
-          <a:prstGeom prst="roundRect">
-            <a:avLst/>
-          </a:prstGeom>
-        </p:spPr>
-        <p:style>
-          <a:lnRef idx="2">
-            <a:schemeClr val="dk1"/>
-          </a:lnRef>
-          <a:fillRef idx="1">
-            <a:schemeClr val="lt1"/>
-          </a:fillRef>
-          <a:effectRef idx="0">
-            <a:schemeClr val="dk1"/>
-          </a:effectRef>
-          <a:fontRef idx="minor">
-            <a:schemeClr val="dk1"/>
-          </a:fontRef>
-        </p:style>
-        <p:txBody>
-          <a:bodyPr rtlCol="0" anchor="ctr"/>
-          <a:p>
-            <a:pPr algn="ctr"/>
+          <p:cNvPr id="71" name="Text Box 70"/>
+          <p:cNvSpPr txBox="1"/>
+          <p:nvPr/>
+        </p:nvSpPr>
+        <p:spPr>
+          <a:xfrm>
+            <a:off x="2230120" y="4151630"/>
+            <a:ext cx="259080" cy="274320"/>
+          </a:xfrm>
+          <a:prstGeom prst="rect">
+            <a:avLst/>
+          </a:prstGeom>
+          <a:noFill/>
+        </p:spPr>
+        <p:txBody>
+          <a:bodyPr wrap="none" rtlCol="0">
+            <a:spAutoFit/>
+          </a:bodyPr>
+          <a:p>
             <a:r>
               <a:rPr lang="x-none" altLang="en-US" sz="1200">
+                <a:solidFill>
+                  <a:schemeClr val="accent2"/>
+                </a:solidFill>
                 <a:latin typeface="Ubuntu Mono" charset="0"/>
               </a:rPr>
-              <a:t>ukey_in</a:t>
+              <a:t>C</a:t>
             </a:r>
             <a:endParaRPr lang="x-none" altLang="en-US" sz="1200">
+              <a:solidFill>
+                <a:schemeClr val="accent2"/>
+              </a:solidFill>
+              <a:latin typeface="Ubuntu Mono" charset="0"/>
+            </a:endParaRPr>
+          </a:p>
+        </p:txBody>
+      </p:sp>
+      <p:sp>
+        <p:nvSpPr>
+          <p:cNvPr id="72" name="Text Box 71"/>
+          <p:cNvSpPr txBox="1"/>
+          <p:nvPr/>
+        </p:nvSpPr>
+        <p:spPr>
+          <a:xfrm>
+            <a:off x="2182495" y="2018030"/>
+            <a:ext cx="259080" cy="274320"/>
+          </a:xfrm>
+          <a:prstGeom prst="rect">
+            <a:avLst/>
+          </a:prstGeom>
+          <a:noFill/>
+        </p:spPr>
+        <p:txBody>
+          <a:bodyPr wrap="none" rtlCol="0">
+            <a:spAutoFit/>
+          </a:bodyPr>
+          <a:p>
+            <a:r>
+              <a:rPr lang="x-none" altLang="en-US" sz="1200">
+                <a:solidFill>
+                  <a:schemeClr val="accent2"/>
+                </a:solidFill>
+                <a:latin typeface="Ubuntu Mono" charset="0"/>
+              </a:rPr>
+              <a:t>C</a:t>
+            </a:r>
+            <a:endParaRPr lang="x-none" altLang="en-US" sz="1200">
+              <a:solidFill>
+                <a:schemeClr val="accent2"/>
+              </a:solidFill>
+              <a:latin typeface="Ubuntu Mono" charset="0"/>
+            </a:endParaRPr>
+          </a:p>
+        </p:txBody>
+      </p:sp>
+      <p:sp>
+        <p:nvSpPr>
+          <p:cNvPr id="73" name="Text Box 72"/>
+          <p:cNvSpPr txBox="1"/>
+          <p:nvPr/>
+        </p:nvSpPr>
+        <p:spPr>
+          <a:xfrm>
+            <a:off x="3592195" y="3370580"/>
+            <a:ext cx="259080" cy="274320"/>
+          </a:xfrm>
+          <a:prstGeom prst="rect">
+            <a:avLst/>
+          </a:prstGeom>
+          <a:noFill/>
+        </p:spPr>
+        <p:txBody>
+          <a:bodyPr wrap="square" rtlCol="0">
+            <a:spAutoFit/>
+          </a:bodyPr>
+          <a:p>
+            <a:r>
+              <a:rPr lang="x-none" altLang="en-US" sz="1200">
+                <a:solidFill>
+                  <a:schemeClr val="accent2"/>
+                </a:solidFill>
+                <a:latin typeface="Ubuntu Mono" charset="0"/>
+              </a:rPr>
+              <a:t>B</a:t>
+            </a:r>
+            <a:endParaRPr lang="x-none" altLang="en-US" sz="1200">
+              <a:solidFill>
+                <a:schemeClr val="accent2"/>
+              </a:solidFill>
+              <a:latin typeface="Ubuntu Mono" charset="0"/>
+            </a:endParaRPr>
+          </a:p>
+        </p:txBody>
+      </p:sp>
+      <p:sp>
+        <p:nvSpPr>
+          <p:cNvPr id="74" name="Text Box 73"/>
+          <p:cNvSpPr txBox="1"/>
+          <p:nvPr/>
+        </p:nvSpPr>
+        <p:spPr>
+          <a:xfrm>
+            <a:off x="3608070" y="3919855"/>
+            <a:ext cx="259080" cy="274320"/>
+          </a:xfrm>
+          <a:prstGeom prst="rect">
+            <a:avLst/>
+          </a:prstGeom>
+          <a:noFill/>
+        </p:spPr>
+        <p:txBody>
+          <a:bodyPr wrap="none" rtlCol="0">
+            <a:spAutoFit/>
+          </a:bodyPr>
+          <a:p>
+            <a:r>
+              <a:rPr lang="x-none" altLang="en-US" sz="1200">
+                <a:solidFill>
+                  <a:schemeClr val="accent2"/>
+                </a:solidFill>
+                <a:latin typeface="Ubuntu Mono" charset="0"/>
+              </a:rPr>
+              <a:t>B</a:t>
+            </a:r>
+            <a:endParaRPr lang="x-none" altLang="en-US" sz="1200">
+              <a:solidFill>
+                <a:schemeClr val="accent2"/>
+              </a:solidFill>
+              <a:latin typeface="Ubuntu Mono" charset="0"/>
+            </a:endParaRPr>
+          </a:p>
+        </p:txBody>
+      </p:sp>
+      <p:sp>
+        <p:nvSpPr>
+          <p:cNvPr id="75" name="Text Box 74"/>
+          <p:cNvSpPr txBox="1"/>
+          <p:nvPr/>
+        </p:nvSpPr>
+        <p:spPr>
+          <a:xfrm>
+            <a:off x="2379345" y="1738630"/>
+            <a:ext cx="259080" cy="274320"/>
+          </a:xfrm>
+          <a:prstGeom prst="rect">
+            <a:avLst/>
+          </a:prstGeom>
+          <a:noFill/>
+        </p:spPr>
+        <p:txBody>
+          <a:bodyPr wrap="none" rtlCol="0">
+            <a:spAutoFit/>
+          </a:bodyPr>
+          <a:p>
+            <a:r>
+              <a:rPr lang="x-none" altLang="en-US" sz="1200">
+                <a:solidFill>
+                  <a:schemeClr val="accent2"/>
+                </a:solidFill>
+                <a:latin typeface="Ubuntu Mono" charset="0"/>
+              </a:rPr>
+              <a:t>B</a:t>
+            </a:r>
+            <a:endParaRPr lang="x-none" altLang="en-US" sz="1200">
+              <a:solidFill>
+                <a:schemeClr val="accent2"/>
+              </a:solidFill>
+              <a:latin typeface="Ubuntu Mono" charset="0"/>
+            </a:endParaRPr>
+          </a:p>
+        </p:txBody>
+      </p:sp>
+      <p:sp>
+        <p:nvSpPr>
+          <p:cNvPr id="76" name="Text Box 75"/>
+          <p:cNvSpPr txBox="1"/>
+          <p:nvPr/>
+        </p:nvSpPr>
+        <p:spPr>
+          <a:xfrm>
+            <a:off x="2417445" y="2843530"/>
+            <a:ext cx="259080" cy="274320"/>
+          </a:xfrm>
+          <a:prstGeom prst="rect">
+            <a:avLst/>
+          </a:prstGeom>
+          <a:noFill/>
+        </p:spPr>
+        <p:txBody>
+          <a:bodyPr wrap="square" rtlCol="0">
+            <a:spAutoFit/>
+          </a:bodyPr>
+          <a:p>
+            <a:r>
+              <a:rPr lang="x-none" altLang="en-US" sz="1200">
+                <a:solidFill>
+                  <a:schemeClr val="accent2"/>
+                </a:solidFill>
+                <a:latin typeface="Ubuntu Mono" charset="0"/>
+              </a:rPr>
+              <a:t>B</a:t>
+            </a:r>
+            <a:endParaRPr lang="x-none" altLang="en-US" sz="1200">
+              <a:solidFill>
+                <a:schemeClr val="accent2"/>
+              </a:solidFill>
               <a:latin typeface="Ubuntu Mono" charset="0"/>
             </a:endParaRPr>
           </a:p>
@@ -8951,6 +10054,510 @@
           </a:fontRef>
         </p:style>
       </p:cxnSp>
+    </p:spTree>
+  </p:cSld>
+  <p:clrMapOvr>
+    <a:masterClrMapping/>
+  </p:clrMapOvr>
+</p:sld>
+</file>
+
+<file path=ppt/slides/slide7.xml><?xml version="1.0" encoding="utf-8"?>
+<p:sld xmlns:a="http://schemas.openxmlformats.org/drawingml/2006/main" xmlns:r="http://schemas.openxmlformats.org/officeDocument/2006/relationships" xmlns:p="http://schemas.openxmlformats.org/presentationml/2006/main">
+  <p:cSld>
+    <p:spTree>
+      <p:nvGrpSpPr>
+        <p:cNvPr id="1" name=""/>
+        <p:cNvGrpSpPr/>
+        <p:nvPr/>
+      </p:nvGrpSpPr>
+      <p:grpSpPr/>
+      <p:sp>
+        <p:nvSpPr>
+          <p:cNvPr id="2" name="Title 1"/>
+          <p:cNvSpPr>
+            <a:spLocks noGrp="1"/>
+          </p:cNvSpPr>
+          <p:nvPr>
+            <p:ph type="title"/>
+          </p:nvPr>
+        </p:nvSpPr>
+        <p:spPr/>
+        <p:txBody>
+          <a:bodyPr/>
+          <a:p>
+            <a:endParaRPr lang="en-US"/>
+          </a:p>
+        </p:txBody>
+      </p:sp>
+      <p:pic>
+        <p:nvPicPr>
+          <p:cNvPr id="92" name="Picture 92"/>
+          <p:cNvPicPr>
+            <a:picLocks noChangeAspect="1"/>
+          </p:cNvPicPr>
+          <p:nvPr/>
+        </p:nvPicPr>
+        <p:blipFill>
+          <a:blip r:embed="rId1"/>
+          <a:stretch>
+            <a:fillRect/>
+          </a:stretch>
+        </p:blipFill>
+        <p:spPr>
+          <a:xfrm>
+            <a:off x="2438400" y="2576830"/>
+            <a:ext cx="4956810" cy="2565400"/>
+          </a:xfrm>
+          <a:prstGeom prst="rect">
+            <a:avLst/>
+          </a:prstGeom>
+          <a:noFill/>
+          <a:ln w="9525">
+            <a:noFill/>
+            <a:miter/>
+          </a:ln>
+        </p:spPr>
+      </p:pic>
+      <p:sp>
+        <p:nvSpPr>
+          <p:cNvPr id="5" name="Rectangle 4"/>
+          <p:cNvSpPr/>
+          <p:nvPr/>
+        </p:nvSpPr>
+        <p:spPr>
+          <a:xfrm>
+            <a:off x="2439035" y="3224530"/>
+            <a:ext cx="1724025" cy="676275"/>
+          </a:xfrm>
+          <a:prstGeom prst="rect">
+            <a:avLst/>
+          </a:prstGeom>
+          <a:noFill/>
+          <a:ln w="38100">
+            <a:solidFill>
+              <a:srgbClr val="FF0000"/>
+            </a:solidFill>
+          </a:ln>
+          <a:extLst>
+            <a:ext uri="{909E8E84-426E-40DD-AFC4-6F175D3DCCD1}">
+              <a14:hiddenFill xmlns:a14="http://schemas.microsoft.com/office/drawing/2010/main">
+                <a:solidFill>
+                  <a:schemeClr val="lt1"/>
+                </a:solidFill>
+              </a14:hiddenFill>
+            </a:ext>
+          </a:extLst>
+        </p:spPr>
+        <p:style>
+          <a:lnRef idx="2">
+            <a:schemeClr val="accent2"/>
+          </a:lnRef>
+          <a:fillRef idx="1">
+            <a:schemeClr val="lt1"/>
+          </a:fillRef>
+          <a:effectRef idx="0">
+            <a:schemeClr val="accent2"/>
+          </a:effectRef>
+          <a:fontRef idx="minor">
+            <a:schemeClr val="dk1"/>
+          </a:fontRef>
+        </p:style>
+        <p:txBody>
+          <a:bodyPr rtlCol="0" anchor="ctr"/>
+          <a:p>
+            <a:pPr algn="ctr"/>
+            <a:endParaRPr lang="en-US"/>
+          </a:p>
+        </p:txBody>
+      </p:sp>
+      <p:sp>
+        <p:nvSpPr>
+          <p:cNvPr id="6" name="Rectangle 5"/>
+          <p:cNvSpPr/>
+          <p:nvPr/>
+        </p:nvSpPr>
+        <p:spPr>
+          <a:xfrm>
+            <a:off x="2451735" y="4456430"/>
+            <a:ext cx="1724025" cy="676275"/>
+          </a:xfrm>
+          <a:prstGeom prst="rect">
+            <a:avLst/>
+          </a:prstGeom>
+          <a:noFill/>
+          <a:ln w="38100">
+            <a:solidFill>
+              <a:srgbClr val="FF0000"/>
+            </a:solidFill>
+          </a:ln>
+          <a:extLst>
+            <a:ext uri="{909E8E84-426E-40DD-AFC4-6F175D3DCCD1}">
+              <a14:hiddenFill xmlns:a14="http://schemas.microsoft.com/office/drawing/2010/main">
+                <a:solidFill>
+                  <a:schemeClr val="lt1"/>
+                </a:solidFill>
+              </a14:hiddenFill>
+            </a:ext>
+          </a:extLst>
+        </p:spPr>
+        <p:style>
+          <a:lnRef idx="2">
+            <a:schemeClr val="accent2"/>
+          </a:lnRef>
+          <a:fillRef idx="1">
+            <a:schemeClr val="lt1"/>
+          </a:fillRef>
+          <a:effectRef idx="0">
+            <a:schemeClr val="accent2"/>
+          </a:effectRef>
+          <a:fontRef idx="minor">
+            <a:schemeClr val="dk1"/>
+          </a:fontRef>
+        </p:style>
+        <p:txBody>
+          <a:bodyPr rtlCol="0" anchor="ctr"/>
+          <a:p>
+            <a:pPr algn="ctr"/>
+            <a:endParaRPr lang="en-US"/>
+          </a:p>
+        </p:txBody>
+      </p:sp>
+      <p:sp>
+        <p:nvSpPr>
+          <p:cNvPr id="7" name="Text Box 6"/>
+          <p:cNvSpPr txBox="1"/>
+          <p:nvPr/>
+        </p:nvSpPr>
+        <p:spPr>
+          <a:xfrm>
+            <a:off x="4545330" y="3796030"/>
+            <a:ext cx="2799715" cy="365760"/>
+          </a:xfrm>
+          <a:prstGeom prst="rect">
+            <a:avLst/>
+          </a:prstGeom>
+          <a:noFill/>
+        </p:spPr>
+        <p:txBody>
+          <a:bodyPr wrap="square" rtlCol="0">
+            <a:spAutoFit/>
+          </a:bodyPr>
+          <a:p>
+            <a:r>
+              <a:rPr lang="x-none" altLang="en-US" b="1">
+                <a:solidFill>
+                  <a:srgbClr val="FF0000"/>
+                </a:solidFill>
+                <a:latin typeface="Ubuntu Mono" charset="0"/>
+              </a:rPr>
+              <a:t>in total 3*32 cycles!</a:t>
+            </a:r>
+            <a:endParaRPr lang="x-none" altLang="en-US" b="1">
+              <a:solidFill>
+                <a:srgbClr val="FF0000"/>
+              </a:solidFill>
+              <a:latin typeface="Ubuntu Mono" charset="0"/>
+            </a:endParaRPr>
+          </a:p>
+        </p:txBody>
+      </p:sp>
+      <p:cxnSp>
+        <p:nvCxnSpPr>
+          <p:cNvPr id="8" name="Straight Arrow Connector 7"/>
+          <p:cNvCxnSpPr>
+            <a:stCxn id="7" idx="1"/>
+            <a:endCxn id="5" idx="3"/>
+          </p:cNvCxnSpPr>
+          <p:nvPr/>
+        </p:nvCxnSpPr>
+        <p:spPr>
+          <a:xfrm flipH="1" flipV="1">
+            <a:off x="4163060" y="3562985"/>
+            <a:ext cx="382270" cy="415925"/>
+          </a:xfrm>
+          <a:prstGeom prst="straightConnector1">
+            <a:avLst/>
+          </a:prstGeom>
+          <a:ln w="38100">
+            <a:solidFill>
+              <a:srgbClr val="FF0000"/>
+            </a:solidFill>
+            <a:tailEnd type="arrow"/>
+          </a:ln>
+        </p:spPr>
+        <p:style>
+          <a:lnRef idx="1">
+            <a:schemeClr val="accent1"/>
+          </a:lnRef>
+          <a:fillRef idx="0">
+            <a:schemeClr val="accent1"/>
+          </a:fillRef>
+          <a:effectRef idx="0">
+            <a:schemeClr val="accent1"/>
+          </a:effectRef>
+          <a:fontRef idx="minor">
+            <a:schemeClr val="tx1"/>
+          </a:fontRef>
+        </p:style>
+      </p:cxnSp>
+      <p:cxnSp>
+        <p:nvCxnSpPr>
+          <p:cNvPr id="9" name="Straight Arrow Connector 8"/>
+          <p:cNvCxnSpPr>
+            <a:endCxn id="6" idx="3"/>
+          </p:cNvCxnSpPr>
+          <p:nvPr/>
+        </p:nvCxnSpPr>
+        <p:spPr>
+          <a:xfrm flipH="1">
+            <a:off x="4175760" y="3985895"/>
+            <a:ext cx="339090" cy="808990"/>
+          </a:xfrm>
+          <a:prstGeom prst="straightConnector1">
+            <a:avLst/>
+          </a:prstGeom>
+          <a:ln w="38100">
+            <a:solidFill>
+              <a:srgbClr val="FF0000"/>
+            </a:solidFill>
+            <a:tailEnd type="arrow"/>
+          </a:ln>
+        </p:spPr>
+        <p:style>
+          <a:lnRef idx="1">
+            <a:schemeClr val="accent1"/>
+          </a:lnRef>
+          <a:fillRef idx="0">
+            <a:schemeClr val="accent1"/>
+          </a:fillRef>
+          <a:effectRef idx="0">
+            <a:schemeClr val="accent1"/>
+          </a:effectRef>
+          <a:fontRef idx="minor">
+            <a:schemeClr val="tx1"/>
+          </a:fontRef>
+        </p:style>
+      </p:cxnSp>
+    </p:spTree>
+  </p:cSld>
+  <p:clrMapOvr>
+    <a:masterClrMapping/>
+  </p:clrMapOvr>
+</p:sld>
+</file>
+
+<file path=ppt/slides/slide8.xml><?xml version="1.0" encoding="utf-8"?>
+<p:sld xmlns:a="http://schemas.openxmlformats.org/drawingml/2006/main" xmlns:r="http://schemas.openxmlformats.org/officeDocument/2006/relationships" xmlns:p="http://schemas.openxmlformats.org/presentationml/2006/main">
+  <p:cSld>
+    <p:spTree>
+      <p:nvGrpSpPr>
+        <p:cNvPr id="1" name=""/>
+        <p:cNvGrpSpPr/>
+        <p:nvPr/>
+      </p:nvGrpSpPr>
+      <p:grpSpPr/>
+      <p:sp>
+        <p:nvSpPr>
+          <p:cNvPr id="2" name="Title 1"/>
+          <p:cNvSpPr>
+            <a:spLocks noGrp="1"/>
+          </p:cNvSpPr>
+          <p:nvPr>
+            <p:ph type="title"/>
+          </p:nvPr>
+        </p:nvSpPr>
+        <p:spPr/>
+        <p:txBody>
+          <a:bodyPr/>
+          <a:p>
+            <a:endParaRPr lang="en-US"/>
+          </a:p>
+        </p:txBody>
+      </p:sp>
+      <p:pic>
+        <p:nvPicPr>
+          <p:cNvPr id="4" name="Picture 3"/>
+          <p:cNvPicPr>
+            <a:picLocks noChangeAspect="1"/>
+          </p:cNvPicPr>
+          <p:nvPr/>
+        </p:nvPicPr>
+        <p:blipFill>
+          <a:blip r:embed="rId1"/>
+          <a:stretch>
+            <a:fillRect/>
+          </a:stretch>
+        </p:blipFill>
+        <p:spPr>
+          <a:xfrm>
+            <a:off x="2129155" y="2543175"/>
+            <a:ext cx="4599940" cy="2476500"/>
+          </a:xfrm>
+          <a:prstGeom prst="rect">
+            <a:avLst/>
+          </a:prstGeom>
+        </p:spPr>
+      </p:pic>
+      <p:sp>
+        <p:nvSpPr>
+          <p:cNvPr id="5" name="Rectangle 4"/>
+          <p:cNvSpPr/>
+          <p:nvPr/>
+        </p:nvSpPr>
+        <p:spPr>
+          <a:xfrm>
+            <a:off x="2115185" y="2758440"/>
+            <a:ext cx="1210310" cy="344170"/>
+          </a:xfrm>
+          <a:prstGeom prst="rect">
+            <a:avLst/>
+          </a:prstGeom>
+          <a:noFill/>
+          <a:ln w="38100">
+            <a:solidFill>
+              <a:srgbClr val="FF0000"/>
+            </a:solidFill>
+          </a:ln>
+          <a:extLst>
+            <a:ext uri="{909E8E84-426E-40DD-AFC4-6F175D3DCCD1}">
+              <a14:hiddenFill xmlns:a14="http://schemas.microsoft.com/office/drawing/2010/main">
+                <a:solidFill>
+                  <a:schemeClr val="accent1"/>
+                </a:solidFill>
+              </a14:hiddenFill>
+            </a:ext>
+          </a:extLst>
+        </p:spPr>
+        <p:style>
+          <a:lnRef idx="2">
+            <a:schemeClr val="accent1">
+              <a:shade val="50000"/>
+            </a:schemeClr>
+          </a:lnRef>
+          <a:fillRef idx="1">
+            <a:schemeClr val="accent1"/>
+          </a:fillRef>
+          <a:effectRef idx="0">
+            <a:schemeClr val="accent1"/>
+          </a:effectRef>
+          <a:fontRef idx="minor">
+            <a:schemeClr val="lt1"/>
+          </a:fontRef>
+        </p:style>
+        <p:txBody>
+          <a:bodyPr rtlCol="0" anchor="ctr"/>
+          <a:p>
+            <a:pPr algn="ctr"/>
+            <a:endParaRPr lang="en-US"/>
+          </a:p>
+        </p:txBody>
+      </p:sp>
+      <p:sp>
+        <p:nvSpPr>
+          <p:cNvPr id="6" name="Rectangle 5"/>
+          <p:cNvSpPr/>
+          <p:nvPr/>
+        </p:nvSpPr>
+        <p:spPr>
+          <a:xfrm>
+            <a:off x="2146935" y="3780790"/>
+            <a:ext cx="1210310" cy="381635"/>
+          </a:xfrm>
+          <a:prstGeom prst="rect">
+            <a:avLst/>
+          </a:prstGeom>
+          <a:noFill/>
+          <a:ln w="38100">
+            <a:solidFill>
+              <a:srgbClr val="FF0000"/>
+            </a:solidFill>
+          </a:ln>
+          <a:extLst>
+            <a:ext uri="{909E8E84-426E-40DD-AFC4-6F175D3DCCD1}">
+              <a14:hiddenFill xmlns:a14="http://schemas.microsoft.com/office/drawing/2010/main">
+                <a:solidFill>
+                  <a:schemeClr val="accent1"/>
+                </a:solidFill>
+              </a14:hiddenFill>
+            </a:ext>
+          </a:extLst>
+        </p:spPr>
+        <p:style>
+          <a:lnRef idx="2">
+            <a:schemeClr val="accent1">
+              <a:shade val="50000"/>
+            </a:schemeClr>
+          </a:lnRef>
+          <a:fillRef idx="1">
+            <a:schemeClr val="accent1"/>
+          </a:fillRef>
+          <a:effectRef idx="0">
+            <a:schemeClr val="accent1"/>
+          </a:effectRef>
+          <a:fontRef idx="minor">
+            <a:schemeClr val="lt1"/>
+          </a:fontRef>
+        </p:style>
+        <p:txBody>
+          <a:bodyPr rtlCol="0" anchor="ctr"/>
+          <a:p>
+            <a:pPr algn="ctr"/>
+            <a:endParaRPr lang="en-US"/>
+          </a:p>
+        </p:txBody>
+      </p:sp>
+      <p:sp>
+        <p:nvSpPr>
+          <p:cNvPr id="7" name="Curved Left Arrow 6"/>
+          <p:cNvSpPr/>
+          <p:nvPr/>
+        </p:nvSpPr>
+        <p:spPr>
+          <a:xfrm>
+            <a:off x="3364865" y="3053715"/>
+            <a:ext cx="217805" cy="895350"/>
+          </a:xfrm>
+          <a:prstGeom prst="curvedLeftArrow">
+            <a:avLst/>
+          </a:prstGeom>
+          <a:solidFill>
+            <a:srgbClr val="FF0000"/>
+          </a:solidFill>
+          <a:ln>
+            <a:solidFill>
+              <a:srgbClr val="FF0000"/>
+            </a:solidFill>
+          </a:ln>
+        </p:spPr>
+        <p:style>
+          <a:lnRef idx="2">
+            <a:schemeClr val="accent1">
+              <a:shade val="50000"/>
+            </a:schemeClr>
+          </a:lnRef>
+          <a:fillRef idx="1">
+            <a:schemeClr val="accent1"/>
+          </a:fillRef>
+          <a:effectRef idx="0">
+            <a:schemeClr val="accent1"/>
+          </a:effectRef>
+          <a:fontRef idx="minor">
+            <a:schemeClr val="lt1"/>
+          </a:fontRef>
+        </p:style>
+        <p:txBody>
+          <a:bodyPr rtlCol="0" anchor="ctr"/>
+          <a:p>
+            <a:pPr algn="ctr"/>
+            <a:endParaRPr lang="en-US">
+              <a:solidFill>
+                <a:schemeClr val="tx1"/>
+              </a:solidFill>
+            </a:endParaRPr>
+          </a:p>
+        </p:txBody>
+      </p:sp>
     </p:spTree>
   </p:cSld>
   <p:clrMapOvr>
